--- a/nicolas-boeckh@bsides-ncl-iot.pptx
+++ b/nicolas-boeckh@bsides-ncl-iot.pptx
@@ -5,7 +5,7 @@
     <p:sldMasterId id="2147483660" r:id="rId1"/>
   </p:sldMasterIdLst>
   <p:notesMasterIdLst>
-    <p:notesMasterId r:id="rId12"/>
+    <p:notesMasterId r:id="rId18"/>
   </p:notesMasterIdLst>
   <p:sldIdLst>
     <p:sldId id="256" r:id="rId2"/>
@@ -14,10 +14,16 @@
     <p:sldId id="351" r:id="rId5"/>
     <p:sldId id="350" r:id="rId6"/>
     <p:sldId id="347" r:id="rId7"/>
-    <p:sldId id="345" r:id="rId8"/>
-    <p:sldId id="346" r:id="rId9"/>
-    <p:sldId id="313" r:id="rId10"/>
-    <p:sldId id="306" r:id="rId11"/>
+    <p:sldId id="352" r:id="rId8"/>
+    <p:sldId id="353" r:id="rId9"/>
+    <p:sldId id="354" r:id="rId10"/>
+    <p:sldId id="355" r:id="rId11"/>
+    <p:sldId id="356" r:id="rId12"/>
+    <p:sldId id="357" r:id="rId13"/>
+    <p:sldId id="345" r:id="rId14"/>
+    <p:sldId id="346" r:id="rId15"/>
+    <p:sldId id="313" r:id="rId16"/>
+    <p:sldId id="306" r:id="rId17"/>
   </p:sldIdLst>
   <p:sldSz cx="12192000" cy="6858000"/>
   <p:notesSz cx="7104063" cy="10234613"/>
@@ -127,6 +133,16 @@
             <p14:sldId id="351"/>
             <p14:sldId id="350"/>
             <p14:sldId id="347"/>
+          </p14:sldIdLst>
+        </p14:section>
+        <p14:section name="Breadth of IoT in the wild" id="{491D0AA5-B006-4ACF-AD4E-9E974305D8BD}">
+          <p14:sldIdLst>
+            <p14:sldId id="352"/>
+            <p14:sldId id="353"/>
+            <p14:sldId id="354"/>
+            <p14:sldId id="355"/>
+            <p14:sldId id="356"/>
+            <p14:sldId id="357"/>
           </p14:sldIdLst>
         </p14:section>
         <p14:section name="Recommendations for Iot Security" id="{466C1C31-4542-4C3F-9256-C942816A753B}">
@@ -1097,7 +1113,7 @@
       </dgm:t>
     </dgm:pt>
     <dgm:pt modelId="{D94F22CD-E508-4030-8F79-077F6D169A71}">
-      <dgm:prSet/>
+      <dgm:prSet custT="1"/>
       <dgm:spPr/>
       <dgm:t>
         <a:bodyPr/>
@@ -1110,8 +1126,8 @@
             <a:defRPr cap="all"/>
           </a:pPr>
           <a:r>
-            <a:rPr lang="en-US" dirty="0"/>
-            <a:t>Compliance &amp; Hurdles</a:t>
+            <a:rPr lang="en-US" sz="2400" dirty="0"/>
+            <a:t>Breadth of (IoT IN) THE WILD</a:t>
           </a:r>
         </a:p>
       </dgm:t>
@@ -1139,7 +1155,7 @@
       </dgm:t>
     </dgm:pt>
     <dgm:pt modelId="{C2614D82-56D8-44C3-B526-E424D1AAF2CF}">
-      <dgm:prSet/>
+      <dgm:prSet custT="1"/>
       <dgm:spPr/>
       <dgm:t>
         <a:bodyPr/>
@@ -1152,8 +1168,20 @@
             <a:defRPr cap="all"/>
           </a:pPr>
           <a:r>
-            <a:rPr lang="en-US" dirty="0"/>
-            <a:t>Contents &amp; Limitations</a:t>
+            <a:rPr lang="en-US" sz="2400" dirty="0"/>
+            <a:t>BEING A BADDIE,</a:t>
+          </a:r>
+        </a:p>
+        <a:p>
+          <a:pPr>
+            <a:lnSpc>
+              <a:spcPct val="100000"/>
+            </a:lnSpc>
+            <a:defRPr cap="all"/>
+          </a:pPr>
+          <a:r>
+            <a:rPr lang="en-US" sz="2400" dirty="0"/>
+            <a:t>IS IT HARD?</a:t>
           </a:r>
         </a:p>
       </dgm:t>
@@ -1181,7 +1209,7 @@
       </dgm:t>
     </dgm:pt>
     <dgm:pt modelId="{174816DA-87BD-4891-A53D-3E966C71531E}">
-      <dgm:prSet/>
+      <dgm:prSet custT="1"/>
       <dgm:spPr/>
       <dgm:t>
         <a:bodyPr/>
@@ -1194,8 +1222,8 @@
             <a:defRPr cap="all"/>
           </a:pPr>
           <a:r>
-            <a:rPr lang="en-US" dirty="0"/>
-            <a:t>Key Takeaways</a:t>
+            <a:rPr lang="en-US" sz="2400" dirty="0"/>
+            <a:t>3LA RECOMMENDATIONS</a:t>
           </a:r>
         </a:p>
       </dgm:t>
@@ -1417,7 +1445,7 @@
   <dgm:whole/>
   <dgm:extLst>
     <a:ext uri="http://schemas.microsoft.com/office/drawing/2008/diagram">
-      <dsp:dataModelExt xmlns:dsp="http://schemas.microsoft.com/office/drawing/2008/diagram" relId="rId6" minVer="http://schemas.openxmlformats.org/drawingml/2006/diagram"/>
+      <dsp:dataModelExt xmlns:dsp="http://schemas.microsoft.com/office/drawing/2008/diagram" relId="rId7" minVer="http://schemas.openxmlformats.org/drawingml/2006/diagram"/>
     </a:ext>
   </dgm:extLst>
 </dgm:dataModel>
@@ -1438,7 +1466,7 @@
       </dsp:nvSpPr>
       <dsp:spPr>
         <a:xfrm>
-          <a:off x="679050" y="578771"/>
+          <a:off x="679050" y="500241"/>
           <a:ext cx="1887187" cy="1887187"/>
         </a:xfrm>
         <a:prstGeom prst="ellipse">
@@ -1477,7 +1505,7 @@
       </dsp:nvSpPr>
       <dsp:spPr>
         <a:xfrm>
-          <a:off x="1081237" y="980959"/>
+          <a:off x="1081237" y="902429"/>
           <a:ext cx="1082812" cy="1082812"/>
         </a:xfrm>
         <a:prstGeom prst="rect">
@@ -1527,8 +1555,8 @@
       </dsp:nvSpPr>
       <dsp:spPr>
         <a:xfrm>
-          <a:off x="75768" y="3053772"/>
-          <a:ext cx="3093750" cy="720000"/>
+          <a:off x="75768" y="2975241"/>
+          <a:ext cx="3093750" cy="877060"/>
         </a:xfrm>
         <a:prstGeom prst="rect">
           <a:avLst/>
@@ -1557,7 +1585,7 @@
         </a:bodyPr>
         <a:lstStyle/>
         <a:p>
-          <a:pPr marL="0" lvl="0" indent="0" algn="ctr" defTabSz="1022350">
+          <a:pPr marL="0" lvl="0" indent="0" algn="ctr" defTabSz="1066800">
             <a:lnSpc>
               <a:spcPct val="100000"/>
             </a:lnSpc>
@@ -1571,14 +1599,14 @@
             <a:defRPr cap="all"/>
           </a:pPr>
           <a:r>
-            <a:rPr lang="en-US" sz="2300" kern="1200" dirty="0"/>
-            <a:t>Compliance &amp; Hurdles</a:t>
+            <a:rPr lang="en-US" sz="2400" kern="1200" dirty="0"/>
+            <a:t>Breadth of (IoT IN) THE WILD</a:t>
           </a:r>
         </a:p>
       </dsp:txBody>
       <dsp:txXfrm>
-        <a:off x="75768" y="3053772"/>
-        <a:ext cx="3093750" cy="720000"/>
+        <a:off x="75768" y="2975241"/>
+        <a:ext cx="3093750" cy="877060"/>
       </dsp:txXfrm>
     </dsp:sp>
     <dsp:sp modelId="{AAC9D66C-8C0C-40DE-81B2-5DAC97C501BF}">
@@ -1588,7 +1616,7 @@
       </dsp:nvSpPr>
       <dsp:spPr>
         <a:xfrm>
-          <a:off x="4314206" y="578771"/>
+          <a:off x="4314206" y="500241"/>
           <a:ext cx="1887187" cy="1887187"/>
         </a:xfrm>
         <a:prstGeom prst="ellipse">
@@ -1627,7 +1655,7 @@
       </dsp:nvSpPr>
       <dsp:spPr>
         <a:xfrm>
-          <a:off x="4716393" y="980959"/>
+          <a:off x="4716393" y="902429"/>
           <a:ext cx="1082812" cy="1082812"/>
         </a:xfrm>
         <a:prstGeom prst="rect">
@@ -1677,8 +1705,8 @@
       </dsp:nvSpPr>
       <dsp:spPr>
         <a:xfrm>
-          <a:off x="3710925" y="3053772"/>
-          <a:ext cx="3093750" cy="720000"/>
+          <a:off x="3710925" y="2975241"/>
+          <a:ext cx="3093750" cy="877060"/>
         </a:xfrm>
         <a:prstGeom prst="rect">
           <a:avLst/>
@@ -1707,7 +1735,7 @@
         </a:bodyPr>
         <a:lstStyle/>
         <a:p>
-          <a:pPr marL="0" lvl="0" indent="0" algn="ctr" defTabSz="1022350">
+          <a:pPr marL="0" lvl="0" indent="0" algn="ctr" defTabSz="1066800">
             <a:lnSpc>
               <a:spcPct val="100000"/>
             </a:lnSpc>
@@ -1721,14 +1749,33 @@
             <a:defRPr cap="all"/>
           </a:pPr>
           <a:r>
-            <a:rPr lang="en-US" sz="2300" kern="1200" dirty="0"/>
-            <a:t>Contents &amp; Limitations</a:t>
+            <a:rPr lang="en-US" sz="2400" kern="1200" dirty="0"/>
+            <a:t>BEING A BADDIE,</a:t>
+          </a:r>
+        </a:p>
+        <a:p>
+          <a:pPr marL="0" lvl="0" indent="0" algn="ctr" defTabSz="1066800">
+            <a:lnSpc>
+              <a:spcPct val="100000"/>
+            </a:lnSpc>
+            <a:spcBef>
+              <a:spcPct val="0"/>
+            </a:spcBef>
+            <a:spcAft>
+              <a:spcPct val="35000"/>
+            </a:spcAft>
+            <a:buNone/>
+            <a:defRPr cap="all"/>
+          </a:pPr>
+          <a:r>
+            <a:rPr lang="en-US" sz="2400" kern="1200" dirty="0"/>
+            <a:t>IS IT HARD?</a:t>
           </a:r>
         </a:p>
       </dsp:txBody>
       <dsp:txXfrm>
-        <a:off x="3710925" y="3053772"/>
-        <a:ext cx="3093750" cy="720000"/>
+        <a:off x="3710925" y="2975241"/>
+        <a:ext cx="3093750" cy="877060"/>
       </dsp:txXfrm>
     </dsp:sp>
     <dsp:sp modelId="{D9A6AFCC-A83E-4794-84AA-F871906BDFE9}">
@@ -1738,7 +1785,7 @@
       </dsp:nvSpPr>
       <dsp:spPr>
         <a:xfrm>
-          <a:off x="7949362" y="578771"/>
+          <a:off x="7949362" y="500241"/>
           <a:ext cx="1887187" cy="1887187"/>
         </a:xfrm>
         <a:prstGeom prst="ellipse">
@@ -1777,7 +1824,7 @@
       </dsp:nvSpPr>
       <dsp:spPr>
         <a:xfrm>
-          <a:off x="8351550" y="980959"/>
+          <a:off x="8351550" y="902429"/>
           <a:ext cx="1082812" cy="1082812"/>
         </a:xfrm>
         <a:prstGeom prst="rect">
@@ -1827,8 +1874,8 @@
       </dsp:nvSpPr>
       <dsp:spPr>
         <a:xfrm>
-          <a:off x="7346081" y="3053772"/>
-          <a:ext cx="3093750" cy="720000"/>
+          <a:off x="7346081" y="2975241"/>
+          <a:ext cx="3093750" cy="877060"/>
         </a:xfrm>
         <a:prstGeom prst="rect">
           <a:avLst/>
@@ -1857,7 +1904,7 @@
         </a:bodyPr>
         <a:lstStyle/>
         <a:p>
-          <a:pPr marL="0" lvl="0" indent="0" algn="ctr" defTabSz="1022350">
+          <a:pPr marL="0" lvl="0" indent="0" algn="ctr" defTabSz="1066800">
             <a:lnSpc>
               <a:spcPct val="100000"/>
             </a:lnSpc>
@@ -1871,14 +1918,14 @@
             <a:defRPr cap="all"/>
           </a:pPr>
           <a:r>
-            <a:rPr lang="en-US" sz="2300" kern="1200" dirty="0"/>
-            <a:t>Key Takeaways</a:t>
+            <a:rPr lang="en-US" sz="2400" kern="1200" dirty="0"/>
+            <a:t>3LA RECOMMENDATIONS</a:t>
           </a:r>
         </a:p>
       </dsp:txBody>
       <dsp:txXfrm>
-        <a:off x="7346081" y="3053772"/>
-        <a:ext cx="3093750" cy="720000"/>
+        <a:off x="7346081" y="2975241"/>
+        <a:ext cx="3093750" cy="877060"/>
       </dsp:txXfrm>
     </dsp:sp>
   </dsp:spTree>
@@ -3216,7 +3263,7 @@
           <a:p>
             <a:fld id="{393A2D7C-8946-4477-B728-E965586E4053}" type="datetimeFigureOut">
               <a:rPr lang="en-CH" smtClean="0"/>
-              <a:t>05/09/2021</a:t>
+              <a:t>06/09/2021</a:t>
             </a:fld>
             <a:endParaRPr lang="en-CH"/>
           </a:p>
@@ -3817,15 +3864,6 @@
           <a:bodyPr/>
           <a:lstStyle/>
           <a:p>
-            <a:r>
-              <a:rPr lang="en-US" dirty="0"/>
-              <a:t>ENISA active since 2005</a:t>
-            </a:r>
-          </a:p>
-          <a:p>
-            <a:endParaRPr lang="en-US" dirty="0"/>
-          </a:p>
-          <a:p>
             <a:endParaRPr lang="en-CH" dirty="0"/>
           </a:p>
         </p:txBody>
@@ -3847,7 +3885,7 @@
           <a:p>
             <a:fld id="{59241644-66C6-4D91-96DF-61FD632CADD7}" type="slidenum">
               <a:rPr lang="en-CH" smtClean="0"/>
-              <a:t>7</a:t>
+              <a:t>6</a:t>
             </a:fld>
             <a:endParaRPr lang="en-CH"/>
           </a:p>
@@ -3856,7 +3894,7 @@
     </p:spTree>
     <p:extLst>
       <p:ext uri="{BB962C8B-B14F-4D97-AF65-F5344CB8AC3E}">
-        <p14:creationId xmlns:p14="http://schemas.microsoft.com/office/powerpoint/2010/main" val="562915142"/>
+        <p14:creationId xmlns:p14="http://schemas.microsoft.com/office/powerpoint/2010/main" val="1102843151"/>
       </p:ext>
     </p:extLst>
   </p:cSld>
@@ -3910,13 +3948,13 @@
           <a:bodyPr/>
           <a:lstStyle/>
           <a:p>
-            <a:pPr defTabSz="990752">
-              <a:defRPr/>
-            </a:pPr>
             <a:r>
               <a:rPr lang="en-US" dirty="0"/>
-              <a:t>[30s – 31:40-32:10]</a:t>
+              <a:t>ENISA active since 2005</a:t>
             </a:r>
+          </a:p>
+          <a:p>
+            <a:endParaRPr lang="en-US" dirty="0"/>
           </a:p>
           <a:p>
             <a:endParaRPr lang="en-CH" dirty="0"/>
@@ -3940,7 +3978,7 @@
           <a:p>
             <a:fld id="{59241644-66C6-4D91-96DF-61FD632CADD7}" type="slidenum">
               <a:rPr lang="en-CH" smtClean="0"/>
-              <a:t>9</a:t>
+              <a:t>13</a:t>
             </a:fld>
             <a:endParaRPr lang="en-CH"/>
           </a:p>
@@ -3949,7 +3987,7 @@
     </p:spTree>
     <p:extLst>
       <p:ext uri="{BB962C8B-B14F-4D97-AF65-F5344CB8AC3E}">
-        <p14:creationId xmlns:p14="http://schemas.microsoft.com/office/powerpoint/2010/main" val="829109699"/>
+        <p14:creationId xmlns:p14="http://schemas.microsoft.com/office/powerpoint/2010/main" val="562915142"/>
       </p:ext>
     </p:extLst>
   </p:cSld>
@@ -4008,17 +4046,11 @@
             </a:pPr>
             <a:r>
               <a:rPr lang="en-US" dirty="0"/>
-              <a:t>[60s – 32:10-33:10]</a:t>
+              <a:t>[30s – 31:40-32:10]</a:t>
             </a:r>
           </a:p>
           <a:p>
-            <a:pPr defTabSz="990752">
-              <a:defRPr/>
-            </a:pPr>
-            <a:r>
-              <a:rPr lang="en-US" dirty="0"/>
-              <a:t>+ Q&amp;A</a:t>
-            </a:r>
+            <a:endParaRPr lang="en-CH" dirty="0"/>
           </a:p>
         </p:txBody>
       </p:sp>
@@ -4039,7 +4071,106 @@
           <a:p>
             <a:fld id="{59241644-66C6-4D91-96DF-61FD632CADD7}" type="slidenum">
               <a:rPr lang="en-CH" smtClean="0"/>
-              <a:t>10</a:t>
+              <a:t>15</a:t>
+            </a:fld>
+            <a:endParaRPr lang="en-CH"/>
+          </a:p>
+        </p:txBody>
+      </p:sp>
+    </p:spTree>
+    <p:extLst>
+      <p:ext uri="{BB962C8B-B14F-4D97-AF65-F5344CB8AC3E}">
+        <p14:creationId xmlns:p14="http://schemas.microsoft.com/office/powerpoint/2010/main" val="829109699"/>
+      </p:ext>
+    </p:extLst>
+  </p:cSld>
+  <p:clrMapOvr>
+    <a:masterClrMapping/>
+  </p:clrMapOvr>
+</p:notes>
+</file>
+
+<file path=ppt/notesSlides/notesSlide7.xml><?xml version="1.0" encoding="utf-8"?>
+<p:notes xmlns:a="http://schemas.openxmlformats.org/drawingml/2006/main" xmlns:r="http://schemas.openxmlformats.org/officeDocument/2006/relationships" xmlns:p="http://schemas.openxmlformats.org/presentationml/2006/main">
+  <p:cSld>
+    <p:spTree>
+      <p:nvGrpSpPr>
+        <p:cNvPr id="1" name=""/>
+        <p:cNvGrpSpPr/>
+        <p:nvPr/>
+      </p:nvGrpSpPr>
+      <p:grpSpPr>
+        <a:xfrm>
+          <a:off x="0" y="0"/>
+          <a:ext cx="0" cy="0"/>
+          <a:chOff x="0" y="0"/>
+          <a:chExt cx="0" cy="0"/>
+        </a:xfrm>
+      </p:grpSpPr>
+      <p:sp>
+        <p:nvSpPr>
+          <p:cNvPr id="2" name="Slide Image Placeholder 1"/>
+          <p:cNvSpPr>
+            <a:spLocks noGrp="1" noRot="1" noChangeAspect="1"/>
+          </p:cNvSpPr>
+          <p:nvPr>
+            <p:ph type="sldImg"/>
+          </p:nvPr>
+        </p:nvSpPr>
+        <p:spPr/>
+      </p:sp>
+      <p:sp>
+        <p:nvSpPr>
+          <p:cNvPr id="3" name="Notes Placeholder 2"/>
+          <p:cNvSpPr>
+            <a:spLocks noGrp="1"/>
+          </p:cNvSpPr>
+          <p:nvPr>
+            <p:ph type="body" idx="1"/>
+          </p:nvPr>
+        </p:nvSpPr>
+        <p:spPr/>
+        <p:txBody>
+          <a:bodyPr/>
+          <a:lstStyle/>
+          <a:p>
+            <a:pPr defTabSz="990752">
+              <a:defRPr/>
+            </a:pPr>
+            <a:r>
+              <a:rPr lang="en-US" dirty="0"/>
+              <a:t>[60s – 32:10-33:10]</a:t>
+            </a:r>
+          </a:p>
+          <a:p>
+            <a:pPr defTabSz="990752">
+              <a:defRPr/>
+            </a:pPr>
+            <a:r>
+              <a:rPr lang="en-US" dirty="0"/>
+              <a:t>+ Q&amp;A</a:t>
+            </a:r>
+          </a:p>
+        </p:txBody>
+      </p:sp>
+      <p:sp>
+        <p:nvSpPr>
+          <p:cNvPr id="4" name="Slide Number Placeholder 3"/>
+          <p:cNvSpPr>
+            <a:spLocks noGrp="1"/>
+          </p:cNvSpPr>
+          <p:nvPr>
+            <p:ph type="sldNum" sz="quarter" idx="5"/>
+          </p:nvPr>
+        </p:nvSpPr>
+        <p:spPr/>
+        <p:txBody>
+          <a:bodyPr/>
+          <a:lstStyle/>
+          <a:p>
+            <a:fld id="{59241644-66C6-4D91-96DF-61FD632CADD7}" type="slidenum">
+              <a:rPr lang="en-CH" smtClean="0"/>
+              <a:t>16</a:t>
             </a:fld>
             <a:endParaRPr lang="en-CH"/>
           </a:p>
@@ -4189,7 +4320,7 @@
           <a:p>
             <a:fld id="{D1C344D4-4086-4D2A-86A2-E238CD64373D}" type="datetimeFigureOut">
               <a:rPr lang="en-CH" smtClean="0"/>
-              <a:t>05/09/2021</a:t>
+              <a:t>06/09/2021</a:t>
             </a:fld>
             <a:endParaRPr lang="en-CH"/>
           </a:p>
@@ -4359,7 +4490,7 @@
           <a:p>
             <a:fld id="{D1C344D4-4086-4D2A-86A2-E238CD64373D}" type="datetimeFigureOut">
               <a:rPr lang="en-CH" smtClean="0"/>
-              <a:t>05/09/2021</a:t>
+              <a:t>06/09/2021</a:t>
             </a:fld>
             <a:endParaRPr lang="en-CH"/>
           </a:p>
@@ -4539,7 +4670,7 @@
           <a:p>
             <a:fld id="{D1C344D4-4086-4D2A-86A2-E238CD64373D}" type="datetimeFigureOut">
               <a:rPr lang="en-CH" smtClean="0"/>
-              <a:t>05/09/2021</a:t>
+              <a:t>06/09/2021</a:t>
             </a:fld>
             <a:endParaRPr lang="en-CH"/>
           </a:p>
@@ -4709,7 +4840,7 @@
           <a:p>
             <a:fld id="{D1C344D4-4086-4D2A-86A2-E238CD64373D}" type="datetimeFigureOut">
               <a:rPr lang="en-CH" smtClean="0"/>
-              <a:t>05/09/2021</a:t>
+              <a:t>06/09/2021</a:t>
             </a:fld>
             <a:endParaRPr lang="en-CH"/>
           </a:p>
@@ -4955,7 +5086,7 @@
           <a:p>
             <a:fld id="{D1C344D4-4086-4D2A-86A2-E238CD64373D}" type="datetimeFigureOut">
               <a:rPr lang="en-CH" smtClean="0"/>
-              <a:t>05/09/2021</a:t>
+              <a:t>06/09/2021</a:t>
             </a:fld>
             <a:endParaRPr lang="en-CH"/>
           </a:p>
@@ -5187,7 +5318,7 @@
           <a:p>
             <a:fld id="{D1C344D4-4086-4D2A-86A2-E238CD64373D}" type="datetimeFigureOut">
               <a:rPr lang="en-CH" smtClean="0"/>
-              <a:t>05/09/2021</a:t>
+              <a:t>06/09/2021</a:t>
             </a:fld>
             <a:endParaRPr lang="en-CH"/>
           </a:p>
@@ -5554,7 +5685,7 @@
           <a:p>
             <a:fld id="{D1C344D4-4086-4D2A-86A2-E238CD64373D}" type="datetimeFigureOut">
               <a:rPr lang="en-CH" smtClean="0"/>
-              <a:t>05/09/2021</a:t>
+              <a:t>06/09/2021</a:t>
             </a:fld>
             <a:endParaRPr lang="en-CH"/>
           </a:p>
@@ -5672,7 +5803,7 @@
           <a:p>
             <a:fld id="{D1C344D4-4086-4D2A-86A2-E238CD64373D}" type="datetimeFigureOut">
               <a:rPr lang="en-CH" smtClean="0"/>
-              <a:t>05/09/2021</a:t>
+              <a:t>06/09/2021</a:t>
             </a:fld>
             <a:endParaRPr lang="en-CH"/>
           </a:p>
@@ -5767,7 +5898,7 @@
           <a:p>
             <a:fld id="{D1C344D4-4086-4D2A-86A2-E238CD64373D}" type="datetimeFigureOut">
               <a:rPr lang="en-CH" smtClean="0"/>
-              <a:t>05/09/2021</a:t>
+              <a:t>06/09/2021</a:t>
             </a:fld>
             <a:endParaRPr lang="en-CH"/>
           </a:p>
@@ -6044,7 +6175,7 @@
           <a:p>
             <a:fld id="{D1C344D4-4086-4D2A-86A2-E238CD64373D}" type="datetimeFigureOut">
               <a:rPr lang="en-CH" smtClean="0"/>
-              <a:t>05/09/2021</a:t>
+              <a:t>06/09/2021</a:t>
             </a:fld>
             <a:endParaRPr lang="en-CH"/>
           </a:p>
@@ -6301,7 +6432,7 @@
           <a:p>
             <a:fld id="{D1C344D4-4086-4D2A-86A2-E238CD64373D}" type="datetimeFigureOut">
               <a:rPr lang="en-CH" smtClean="0"/>
-              <a:t>05/09/2021</a:t>
+              <a:t>06/09/2021</a:t>
             </a:fld>
             <a:endParaRPr lang="en-CH"/>
           </a:p>
@@ -6514,7 +6645,7 @@
           <a:p>
             <a:fld id="{D1C344D4-4086-4D2A-86A2-E238CD64373D}" type="datetimeFigureOut">
               <a:rPr lang="en-CH" smtClean="0"/>
-              <a:t>05/09/2021</a:t>
+              <a:t>06/09/2021</a:t>
             </a:fld>
             <a:endParaRPr lang="en-CH"/>
           </a:p>
@@ -7204,6 +7335,2523 @@
 </file>
 
 <file path=ppt/slides/slide10.xml><?xml version="1.0" encoding="utf-8"?>
+<p:sld xmlns:a="http://schemas.openxmlformats.org/drawingml/2006/main" xmlns:r="http://schemas.openxmlformats.org/officeDocument/2006/relationships" xmlns:p="http://schemas.openxmlformats.org/presentationml/2006/main">
+  <p:cSld>
+    <p:spTree>
+      <p:nvGrpSpPr>
+        <p:cNvPr id="1" name=""/>
+        <p:cNvGrpSpPr/>
+        <p:nvPr/>
+      </p:nvGrpSpPr>
+      <p:grpSpPr>
+        <a:xfrm>
+          <a:off x="0" y="0"/>
+          <a:ext cx="0" cy="0"/>
+          <a:chOff x="0" y="0"/>
+          <a:chExt cx="0" cy="0"/>
+        </a:xfrm>
+      </p:grpSpPr>
+      <p:sp>
+        <p:nvSpPr>
+          <p:cNvPr id="2" name="Title 1">
+            <a:extLst>
+              <a:ext uri="{FF2B5EF4-FFF2-40B4-BE49-F238E27FC236}">
+                <a16:creationId xmlns:a16="http://schemas.microsoft.com/office/drawing/2014/main" id="{B1E485F1-736F-4924-BCE8-AA883D2185C5}"/>
+              </a:ext>
+            </a:extLst>
+          </p:cNvPr>
+          <p:cNvSpPr>
+            <a:spLocks noGrp="1"/>
+          </p:cNvSpPr>
+          <p:nvPr>
+            <p:ph type="title"/>
+          </p:nvPr>
+        </p:nvSpPr>
+        <p:spPr/>
+        <p:txBody>
+          <a:bodyPr/>
+          <a:lstStyle/>
+          <a:p>
+            <a:r>
+              <a:rPr lang="fr-CH" dirty="0" err="1"/>
+              <a:t>Teledildonics</a:t>
+            </a:r>
+            <a:endParaRPr lang="en-CH" dirty="0"/>
+          </a:p>
+        </p:txBody>
+      </p:sp>
+      <p:sp>
+        <p:nvSpPr>
+          <p:cNvPr id="3" name="Content Placeholder 2">
+            <a:extLst>
+              <a:ext uri="{FF2B5EF4-FFF2-40B4-BE49-F238E27FC236}">
+                <a16:creationId xmlns:a16="http://schemas.microsoft.com/office/drawing/2014/main" id="{851753CB-8A98-4558-AD45-21A4A3316C30}"/>
+              </a:ext>
+            </a:extLst>
+          </p:cNvPr>
+          <p:cNvSpPr>
+            <a:spLocks noGrp="1"/>
+          </p:cNvSpPr>
+          <p:nvPr>
+            <p:ph idx="1"/>
+          </p:nvPr>
+        </p:nvSpPr>
+        <p:spPr/>
+        <p:txBody>
+          <a:bodyPr/>
+          <a:lstStyle/>
+          <a:p>
+            <a:endParaRPr lang="en-CH"/>
+          </a:p>
+        </p:txBody>
+      </p:sp>
+    </p:spTree>
+    <p:extLst>
+      <p:ext uri="{BB962C8B-B14F-4D97-AF65-F5344CB8AC3E}">
+        <p14:creationId xmlns:p14="http://schemas.microsoft.com/office/powerpoint/2010/main" val="2456609106"/>
+      </p:ext>
+    </p:extLst>
+  </p:cSld>
+  <p:clrMapOvr>
+    <a:masterClrMapping/>
+  </p:clrMapOvr>
+</p:sld>
+</file>
+
+<file path=ppt/slides/slide11.xml><?xml version="1.0" encoding="utf-8"?>
+<p:sld xmlns:a="http://schemas.openxmlformats.org/drawingml/2006/main" xmlns:r="http://schemas.openxmlformats.org/officeDocument/2006/relationships" xmlns:p="http://schemas.openxmlformats.org/presentationml/2006/main">
+  <p:cSld>
+    <p:spTree>
+      <p:nvGrpSpPr>
+        <p:cNvPr id="1" name=""/>
+        <p:cNvGrpSpPr/>
+        <p:nvPr/>
+      </p:nvGrpSpPr>
+      <p:grpSpPr>
+        <a:xfrm>
+          <a:off x="0" y="0"/>
+          <a:ext cx="0" cy="0"/>
+          <a:chOff x="0" y="0"/>
+          <a:chExt cx="0" cy="0"/>
+        </a:xfrm>
+      </p:grpSpPr>
+      <p:sp>
+        <p:nvSpPr>
+          <p:cNvPr id="2" name="Title 1">
+            <a:extLst>
+              <a:ext uri="{FF2B5EF4-FFF2-40B4-BE49-F238E27FC236}">
+                <a16:creationId xmlns:a16="http://schemas.microsoft.com/office/drawing/2014/main" id="{BAF42694-C3E7-4175-AD44-C52F255585C4}"/>
+              </a:ext>
+            </a:extLst>
+          </p:cNvPr>
+          <p:cNvSpPr>
+            <a:spLocks noGrp="1"/>
+          </p:cNvSpPr>
+          <p:nvPr>
+            <p:ph type="title"/>
+          </p:nvPr>
+        </p:nvSpPr>
+        <p:spPr/>
+        <p:txBody>
+          <a:bodyPr/>
+          <a:lstStyle/>
+          <a:p>
+            <a:r>
+              <a:rPr lang="fr-CH"/>
+              <a:t>Industrial</a:t>
+            </a:r>
+            <a:endParaRPr lang="en-CH" dirty="0"/>
+          </a:p>
+        </p:txBody>
+      </p:sp>
+      <p:sp>
+        <p:nvSpPr>
+          <p:cNvPr id="3" name="Content Placeholder 2">
+            <a:extLst>
+              <a:ext uri="{FF2B5EF4-FFF2-40B4-BE49-F238E27FC236}">
+                <a16:creationId xmlns:a16="http://schemas.microsoft.com/office/drawing/2014/main" id="{DD69C19A-EA61-4762-8509-01A240F0B253}"/>
+              </a:ext>
+            </a:extLst>
+          </p:cNvPr>
+          <p:cNvSpPr>
+            <a:spLocks noGrp="1"/>
+          </p:cNvSpPr>
+          <p:nvPr>
+            <p:ph idx="1"/>
+          </p:nvPr>
+        </p:nvSpPr>
+        <p:spPr/>
+        <p:txBody>
+          <a:bodyPr/>
+          <a:lstStyle/>
+          <a:p>
+            <a:endParaRPr lang="en-CH"/>
+          </a:p>
+        </p:txBody>
+      </p:sp>
+    </p:spTree>
+    <p:extLst>
+      <p:ext uri="{BB962C8B-B14F-4D97-AF65-F5344CB8AC3E}">
+        <p14:creationId xmlns:p14="http://schemas.microsoft.com/office/powerpoint/2010/main" val="2560689792"/>
+      </p:ext>
+    </p:extLst>
+  </p:cSld>
+  <p:clrMapOvr>
+    <a:masterClrMapping/>
+  </p:clrMapOvr>
+</p:sld>
+</file>
+
+<file path=ppt/slides/slide12.xml><?xml version="1.0" encoding="utf-8"?>
+<p:sld xmlns:a="http://schemas.openxmlformats.org/drawingml/2006/main" xmlns:r="http://schemas.openxmlformats.org/officeDocument/2006/relationships" xmlns:p="http://schemas.openxmlformats.org/presentationml/2006/main">
+  <p:cSld>
+    <p:spTree>
+      <p:nvGrpSpPr>
+        <p:cNvPr id="1" name=""/>
+        <p:cNvGrpSpPr/>
+        <p:nvPr/>
+      </p:nvGrpSpPr>
+      <p:grpSpPr>
+        <a:xfrm>
+          <a:off x="0" y="0"/>
+          <a:ext cx="0" cy="0"/>
+          <a:chOff x="0" y="0"/>
+          <a:chExt cx="0" cy="0"/>
+        </a:xfrm>
+      </p:grpSpPr>
+      <p:sp>
+        <p:nvSpPr>
+          <p:cNvPr id="2" name="Title 1">
+            <a:extLst>
+              <a:ext uri="{FF2B5EF4-FFF2-40B4-BE49-F238E27FC236}">
+                <a16:creationId xmlns:a16="http://schemas.microsoft.com/office/drawing/2014/main" id="{2135439D-2897-4994-AE46-FDB13945AECD}"/>
+              </a:ext>
+            </a:extLst>
+          </p:cNvPr>
+          <p:cNvSpPr>
+            <a:spLocks noGrp="1"/>
+          </p:cNvSpPr>
+          <p:nvPr>
+            <p:ph type="title"/>
+          </p:nvPr>
+        </p:nvSpPr>
+        <p:spPr/>
+        <p:txBody>
+          <a:bodyPr/>
+          <a:lstStyle/>
+          <a:p>
+            <a:r>
+              <a:rPr lang="fr-CH" dirty="0" err="1"/>
+              <a:t>Medical</a:t>
+            </a:r>
+            <a:endParaRPr lang="en-CH" dirty="0"/>
+          </a:p>
+        </p:txBody>
+      </p:sp>
+      <p:sp>
+        <p:nvSpPr>
+          <p:cNvPr id="3" name="Content Placeholder 2">
+            <a:extLst>
+              <a:ext uri="{FF2B5EF4-FFF2-40B4-BE49-F238E27FC236}">
+                <a16:creationId xmlns:a16="http://schemas.microsoft.com/office/drawing/2014/main" id="{FFF23774-4ABB-4530-89E5-D7B029D60FA2}"/>
+              </a:ext>
+            </a:extLst>
+          </p:cNvPr>
+          <p:cNvSpPr>
+            <a:spLocks noGrp="1"/>
+          </p:cNvSpPr>
+          <p:nvPr>
+            <p:ph idx="1"/>
+          </p:nvPr>
+        </p:nvSpPr>
+        <p:spPr/>
+        <p:txBody>
+          <a:bodyPr/>
+          <a:lstStyle/>
+          <a:p>
+            <a:endParaRPr lang="en-CH"/>
+          </a:p>
+        </p:txBody>
+      </p:sp>
+    </p:spTree>
+    <p:extLst>
+      <p:ext uri="{BB962C8B-B14F-4D97-AF65-F5344CB8AC3E}">
+        <p14:creationId xmlns:p14="http://schemas.microsoft.com/office/powerpoint/2010/main" val="205859446"/>
+      </p:ext>
+    </p:extLst>
+  </p:cSld>
+  <p:clrMapOvr>
+    <a:masterClrMapping/>
+  </p:clrMapOvr>
+</p:sld>
+</file>
+
+<file path=ppt/slides/slide13.xml><?xml version="1.0" encoding="utf-8"?>
+<p:sld xmlns:a="http://schemas.openxmlformats.org/drawingml/2006/main" xmlns:r="http://schemas.openxmlformats.org/officeDocument/2006/relationships" xmlns:p="http://schemas.openxmlformats.org/presentationml/2006/main">
+  <p:cSld>
+    <p:bg>
+      <p:bgPr>
+        <a:solidFill>
+          <a:schemeClr val="bg1"/>
+        </a:solidFill>
+        <a:effectLst/>
+      </p:bgPr>
+    </p:bg>
+    <p:spTree>
+      <p:nvGrpSpPr>
+        <p:cNvPr id="1" name=""/>
+        <p:cNvGrpSpPr/>
+        <p:nvPr/>
+      </p:nvGrpSpPr>
+      <p:grpSpPr>
+        <a:xfrm>
+          <a:off x="0" y="0"/>
+          <a:ext cx="0" cy="0"/>
+          <a:chOff x="0" y="0"/>
+          <a:chExt cx="0" cy="0"/>
+        </a:xfrm>
+      </p:grpSpPr>
+      <p:sp useBgFill="1">
+        <p:nvSpPr>
+          <p:cNvPr id="71" name="Rectangle 70">
+            <a:extLst>
+              <a:ext uri="{FF2B5EF4-FFF2-40B4-BE49-F238E27FC236}">
+                <a16:creationId xmlns:a16="http://schemas.microsoft.com/office/drawing/2014/main" id="{6EFC920F-B85A-4068-BD93-41064EDE93D3}"/>
+              </a:ext>
+              <a:ext uri="{C183D7F6-B498-43B3-948B-1728B52AA6E4}">
+                <adec:decorative xmlns:adec="http://schemas.microsoft.com/office/drawing/2017/decorative" val="1"/>
+              </a:ext>
+            </a:extLst>
+          </p:cNvPr>
+          <p:cNvSpPr>
+            <a:spLocks noGrp="1" noRot="1" noChangeAspect="1" noMove="1" noResize="1" noEditPoints="1" noAdjustHandles="1" noChangeArrowheads="1" noChangeShapeType="1" noTextEdit="1"/>
+          </p:cNvSpPr>
+          <p:nvPr>
+            <p:extLst>
+              <p:ext uri="{386F3935-93C4-4BCD-93E2-E3B085C9AB24}">
+                <p16:designElem xmlns:p16="http://schemas.microsoft.com/office/powerpoint/2015/main" val="1"/>
+              </p:ext>
+            </p:extLst>
+          </p:nvPr>
+        </p:nvSpPr>
+        <p:spPr>
+          <a:xfrm>
+            <a:off x="0" y="0"/>
+            <a:ext cx="12191999" cy="6857365"/>
+          </a:xfrm>
+          <a:prstGeom prst="rect">
+            <a:avLst/>
+          </a:prstGeom>
+          <a:ln>
+            <a:noFill/>
+          </a:ln>
+        </p:spPr>
+        <p:style>
+          <a:lnRef idx="2">
+            <a:schemeClr val="accent1">
+              <a:shade val="50000"/>
+            </a:schemeClr>
+          </a:lnRef>
+          <a:fillRef idx="1">
+            <a:schemeClr val="accent1"/>
+          </a:fillRef>
+          <a:effectRef idx="0">
+            <a:schemeClr val="accent1"/>
+          </a:effectRef>
+          <a:fontRef idx="minor">
+            <a:schemeClr val="lt1"/>
+          </a:fontRef>
+        </p:style>
+        <p:txBody>
+          <a:bodyPr rtlCol="0" anchor="ctr"/>
+          <a:lstStyle/>
+          <a:p>
+            <a:pPr algn="ctr"/>
+            <a:endParaRPr lang="en-US"/>
+          </a:p>
+        </p:txBody>
+      </p:sp>
+      <p:grpSp>
+        <p:nvGrpSpPr>
+          <p:cNvPr id="73" name="Group 72">
+            <a:extLst>
+              <a:ext uri="{FF2B5EF4-FFF2-40B4-BE49-F238E27FC236}">
+                <a16:creationId xmlns:a16="http://schemas.microsoft.com/office/drawing/2014/main" id="{1C559108-BBAE-426C-8564-051D2BA6DDC8}"/>
+              </a:ext>
+              <a:ext uri="{C183D7F6-B498-43B3-948B-1728B52AA6E4}">
+                <adec:decorative xmlns:adec="http://schemas.microsoft.com/office/drawing/2017/decorative" val="1"/>
+              </a:ext>
+            </a:extLst>
+          </p:cNvPr>
+          <p:cNvGrpSpPr>
+            <a:grpSpLocks noGrp="1" noUngrp="1" noRot="1" noChangeAspect="1" noMove="1" noResize="1"/>
+          </p:cNvGrpSpPr>
+          <p:nvPr>
+            <p:extLst>
+              <p:ext uri="{386F3935-93C4-4BCD-93E2-E3B085C9AB24}">
+                <p16:designElem xmlns:p16="http://schemas.microsoft.com/office/powerpoint/2015/main" val="1"/>
+              </p:ext>
+            </p:extLst>
+          </p:nvPr>
+        </p:nvGrpSpPr>
+        <p:grpSpPr>
+          <a:xfrm rot="5400000">
+            <a:off x="-2340441" y="2666183"/>
+            <a:ext cx="5860051" cy="527712"/>
+            <a:chOff x="6081624" y="1998368"/>
+            <a:chExt cx="5613457" cy="782175"/>
+          </a:xfrm>
+          <a:solidFill>
+            <a:schemeClr val="accent4"/>
+          </a:solidFill>
+        </p:grpSpPr>
+        <p:sp>
+          <p:nvSpPr>
+            <p:cNvPr id="74" name="Rectangle 73">
+              <a:extLst>
+                <a:ext uri="{FF2B5EF4-FFF2-40B4-BE49-F238E27FC236}">
+                  <a16:creationId xmlns:a16="http://schemas.microsoft.com/office/drawing/2014/main" id="{42BC35EE-6650-42D2-AEFB-4B7CD1AFC9BD}"/>
+                </a:ext>
+                <a:ext uri="{C183D7F6-B498-43B3-948B-1728B52AA6E4}">
+                  <adec:decorative xmlns:adec="http://schemas.microsoft.com/office/drawing/2017/decorative" val="1"/>
+                </a:ext>
+              </a:extLst>
+            </p:cNvPr>
+            <p:cNvSpPr/>
+            <p:nvPr>
+              <p:extLst>
+                <p:ext uri="{386F3935-93C4-4BCD-93E2-E3B085C9AB24}">
+                  <p16:designElem xmlns:p16="http://schemas.microsoft.com/office/powerpoint/2015/main" val="1"/>
+                </p:ext>
+              </p:extLst>
+            </p:nvPr>
+          </p:nvSpPr>
+          <p:spPr>
+            <a:xfrm rot="5400000">
+              <a:off x="11228040" y="2313027"/>
+              <a:ext cx="781700" cy="152382"/>
+            </a:xfrm>
+            <a:prstGeom prst="rect">
+              <a:avLst/>
+            </a:prstGeom>
+            <a:grpFill/>
+            <a:ln>
+              <a:noFill/>
+            </a:ln>
+          </p:spPr>
+          <p:style>
+            <a:lnRef idx="2">
+              <a:schemeClr val="accent1">
+                <a:shade val="50000"/>
+              </a:schemeClr>
+            </a:lnRef>
+            <a:fillRef idx="1">
+              <a:schemeClr val="accent1"/>
+            </a:fillRef>
+            <a:effectRef idx="0">
+              <a:schemeClr val="accent1"/>
+            </a:effectRef>
+            <a:fontRef idx="minor">
+              <a:schemeClr val="lt1"/>
+            </a:fontRef>
+          </p:style>
+          <p:txBody>
+            <a:bodyPr rtlCol="0" anchor="ctr"/>
+            <a:lstStyle/>
+            <a:p>
+              <a:pPr algn="ctr"/>
+              <a:endParaRPr lang="en-US"/>
+            </a:p>
+          </p:txBody>
+        </p:sp>
+        <p:sp>
+          <p:nvSpPr>
+            <p:cNvPr id="75" name="Rectangle 74">
+              <a:extLst>
+                <a:ext uri="{FF2B5EF4-FFF2-40B4-BE49-F238E27FC236}">
+                  <a16:creationId xmlns:a16="http://schemas.microsoft.com/office/drawing/2014/main" id="{0952C743-9049-4DFB-878B-2AB07B6E4FD1}"/>
+                </a:ext>
+                <a:ext uri="{C183D7F6-B498-43B3-948B-1728B52AA6E4}">
+                  <adec:decorative xmlns:adec="http://schemas.microsoft.com/office/drawing/2017/decorative" val="1"/>
+                </a:ext>
+              </a:extLst>
+            </p:cNvPr>
+            <p:cNvSpPr/>
+            <p:nvPr>
+              <p:extLst>
+                <p:ext uri="{386F3935-93C4-4BCD-93E2-E3B085C9AB24}">
+                  <p16:designElem xmlns:p16="http://schemas.microsoft.com/office/powerpoint/2015/main" val="1"/>
+                </p:ext>
+              </p:extLst>
+            </p:nvPr>
+          </p:nvSpPr>
+          <p:spPr>
+            <a:xfrm flipH="1" flipV="1">
+              <a:off x="6081624" y="1998844"/>
+              <a:ext cx="5372968" cy="781699"/>
+            </a:xfrm>
+            <a:prstGeom prst="rect">
+              <a:avLst/>
+            </a:prstGeom>
+            <a:grpFill/>
+            <a:ln>
+              <a:noFill/>
+            </a:ln>
+          </p:spPr>
+          <p:style>
+            <a:lnRef idx="2">
+              <a:schemeClr val="accent1">
+                <a:shade val="50000"/>
+              </a:schemeClr>
+            </a:lnRef>
+            <a:fillRef idx="1">
+              <a:schemeClr val="accent1"/>
+            </a:fillRef>
+            <a:effectRef idx="0">
+              <a:schemeClr val="accent1"/>
+            </a:effectRef>
+            <a:fontRef idx="minor">
+              <a:schemeClr val="lt1"/>
+            </a:fontRef>
+          </p:style>
+          <p:txBody>
+            <a:bodyPr rtlCol="0" anchor="ctr"/>
+            <a:lstStyle/>
+            <a:p>
+              <a:pPr algn="ctr"/>
+              <a:endParaRPr lang="en-US"/>
+            </a:p>
+          </p:txBody>
+        </p:sp>
+      </p:grpSp>
+      <p:sp>
+        <p:nvSpPr>
+          <p:cNvPr id="77" name="Rectangle 76">
+            <a:extLst>
+              <a:ext uri="{FF2B5EF4-FFF2-40B4-BE49-F238E27FC236}">
+                <a16:creationId xmlns:a16="http://schemas.microsoft.com/office/drawing/2014/main" id="{CBC4F608-B4B8-48C3-9572-C0F061B1CD99}"/>
+              </a:ext>
+              <a:ext uri="{C183D7F6-B498-43B3-948B-1728B52AA6E4}">
+                <adec:decorative xmlns:adec="http://schemas.microsoft.com/office/drawing/2017/decorative" val="1"/>
+              </a:ext>
+            </a:extLst>
+          </p:cNvPr>
+          <p:cNvSpPr>
+            <a:spLocks noGrp="1" noRot="1" noChangeAspect="1" noMove="1" noResize="1" noEditPoints="1" noAdjustHandles="1" noChangeArrowheads="1" noChangeShapeType="1" noTextEdit="1"/>
+          </p:cNvSpPr>
+          <p:nvPr>
+            <p:extLst>
+              <p:ext uri="{386F3935-93C4-4BCD-93E2-E3B085C9AB24}">
+                <p16:designElem xmlns:p16="http://schemas.microsoft.com/office/powerpoint/2015/main" val="1"/>
+              </p:ext>
+            </p:extLst>
+          </p:nvPr>
+        </p:nvSpPr>
+        <p:spPr>
+          <a:xfrm>
+            <a:off x="579528" y="922919"/>
+            <a:ext cx="11111729" cy="5461252"/>
+          </a:xfrm>
+          <a:prstGeom prst="rect">
+            <a:avLst/>
+          </a:prstGeom>
+          <a:solidFill>
+            <a:schemeClr val="bg1"/>
+          </a:solidFill>
+          <a:ln>
+            <a:noFill/>
+          </a:ln>
+          <a:effectLst>
+            <a:outerShdw blurRad="139700" dist="127000" dir="5400000" algn="t" rotWithShape="0">
+              <a:prstClr val="black">
+                <a:alpha val="15000"/>
+              </a:prstClr>
+            </a:outerShdw>
+          </a:effectLst>
+        </p:spPr>
+        <p:style>
+          <a:lnRef idx="2">
+            <a:schemeClr val="accent1">
+              <a:shade val="50000"/>
+            </a:schemeClr>
+          </a:lnRef>
+          <a:fillRef idx="1">
+            <a:schemeClr val="accent1"/>
+          </a:fillRef>
+          <a:effectRef idx="0">
+            <a:schemeClr val="accent1"/>
+          </a:effectRef>
+          <a:fontRef idx="minor">
+            <a:schemeClr val="lt1"/>
+          </a:fontRef>
+        </p:style>
+        <p:txBody>
+          <a:bodyPr rtlCol="0" anchor="ctr"/>
+          <a:lstStyle/>
+          <a:p>
+            <a:pPr algn="ctr"/>
+            <a:endParaRPr lang="en-US"/>
+          </a:p>
+        </p:txBody>
+      </p:sp>
+      <p:sp>
+        <p:nvSpPr>
+          <p:cNvPr id="2" name="Title 1">
+            <a:extLst>
+              <a:ext uri="{FF2B5EF4-FFF2-40B4-BE49-F238E27FC236}">
+                <a16:creationId xmlns:a16="http://schemas.microsoft.com/office/drawing/2014/main" id="{6AC6885C-5C44-4F68-9059-E08E2C6B855E}"/>
+              </a:ext>
+            </a:extLst>
+          </p:cNvPr>
+          <p:cNvSpPr>
+            <a:spLocks noGrp="1"/>
+          </p:cNvSpPr>
+          <p:nvPr>
+            <p:ph type="title"/>
+          </p:nvPr>
+        </p:nvSpPr>
+        <p:spPr>
+          <a:xfrm>
+            <a:off x="1099425" y="1238081"/>
+            <a:ext cx="4709345" cy="962953"/>
+          </a:xfrm>
+        </p:spPr>
+        <p:txBody>
+          <a:bodyPr anchor="b">
+            <a:normAutofit/>
+          </a:bodyPr>
+          <a:lstStyle/>
+          <a:p>
+            <a:r>
+              <a:rPr lang="en-US" sz="3800" dirty="0"/>
+              <a:t>ENISA</a:t>
+            </a:r>
+            <a:endParaRPr lang="en-CH" sz="3800" dirty="0"/>
+          </a:p>
+        </p:txBody>
+      </p:sp>
+      <p:sp>
+        <p:nvSpPr>
+          <p:cNvPr id="79" name="Rectangle 78">
+            <a:extLst>
+              <a:ext uri="{FF2B5EF4-FFF2-40B4-BE49-F238E27FC236}">
+                <a16:creationId xmlns:a16="http://schemas.microsoft.com/office/drawing/2014/main" id="{1382A32C-5B0C-4B1C-A074-76C6DBCC9F87}"/>
+              </a:ext>
+              <a:ext uri="{C183D7F6-B498-43B3-948B-1728B52AA6E4}">
+                <adec:decorative xmlns:adec="http://schemas.microsoft.com/office/drawing/2017/decorative" val="1"/>
+              </a:ext>
+            </a:extLst>
+          </p:cNvPr>
+          <p:cNvSpPr>
+            <a:spLocks noGrp="1" noRot="1" noChangeAspect="1" noMove="1" noResize="1" noEditPoints="1" noAdjustHandles="1" noChangeArrowheads="1" noChangeShapeType="1" noTextEdit="1"/>
+          </p:cNvSpPr>
+          <p:nvPr>
+            <p:extLst>
+              <p:ext uri="{386F3935-93C4-4BCD-93E2-E3B085C9AB24}">
+                <p16:designElem xmlns:p16="http://schemas.microsoft.com/office/powerpoint/2015/main" val="1"/>
+              </p:ext>
+            </p:extLst>
+          </p:nvPr>
+        </p:nvSpPr>
+        <p:spPr>
+          <a:xfrm flipH="1">
+            <a:off x="1139885" y="2372170"/>
+            <a:ext cx="4389120" cy="27432"/>
+          </a:xfrm>
+          <a:prstGeom prst="rect">
+            <a:avLst/>
+          </a:prstGeom>
+          <a:solidFill>
+            <a:schemeClr val="accent4"/>
+          </a:solidFill>
+          <a:ln>
+            <a:noFill/>
+          </a:ln>
+        </p:spPr>
+        <p:style>
+          <a:lnRef idx="2">
+            <a:schemeClr val="accent1">
+              <a:shade val="50000"/>
+            </a:schemeClr>
+          </a:lnRef>
+          <a:fillRef idx="1">
+            <a:schemeClr val="accent1"/>
+          </a:fillRef>
+          <a:effectRef idx="0">
+            <a:schemeClr val="accent1"/>
+          </a:effectRef>
+          <a:fontRef idx="minor">
+            <a:schemeClr val="lt1"/>
+          </a:fontRef>
+        </p:style>
+        <p:txBody>
+          <a:bodyPr rtlCol="0" anchor="ctr"/>
+          <a:lstStyle/>
+          <a:p>
+            <a:pPr algn="ctr"/>
+            <a:endParaRPr lang="en-US"/>
+          </a:p>
+        </p:txBody>
+      </p:sp>
+      <p:sp>
+        <p:nvSpPr>
+          <p:cNvPr id="3" name="Content Placeholder 2">
+            <a:extLst>
+              <a:ext uri="{FF2B5EF4-FFF2-40B4-BE49-F238E27FC236}">
+                <a16:creationId xmlns:a16="http://schemas.microsoft.com/office/drawing/2014/main" id="{3BB95D90-21FF-4CD7-AA3D-84AFE9875E5A}"/>
+              </a:ext>
+            </a:extLst>
+          </p:cNvPr>
+          <p:cNvSpPr>
+            <a:spLocks noGrp="1"/>
+          </p:cNvSpPr>
+          <p:nvPr>
+            <p:ph idx="1"/>
+          </p:nvPr>
+        </p:nvSpPr>
+        <p:spPr>
+          <a:xfrm>
+            <a:off x="1100736" y="2508105"/>
+            <a:ext cx="4709345" cy="3632493"/>
+          </a:xfrm>
+        </p:spPr>
+        <p:txBody>
+          <a:bodyPr anchor="ctr">
+            <a:normAutofit/>
+          </a:bodyPr>
+          <a:lstStyle/>
+          <a:p>
+            <a:r>
+              <a:rPr lang="en-US" sz="2400" dirty="0"/>
+              <a:t>EU Cybersecurity Agency</a:t>
+            </a:r>
+          </a:p>
+          <a:p>
+            <a:endParaRPr lang="en-US" sz="2400" dirty="0"/>
+          </a:p>
+          <a:p>
+            <a:r>
+              <a:rPr lang="en-US" sz="2400" dirty="0"/>
+              <a:t>Publishes recommendations</a:t>
+            </a:r>
+          </a:p>
+          <a:p>
+            <a:endParaRPr lang="en-US" sz="2400" dirty="0"/>
+          </a:p>
+          <a:p>
+            <a:r>
+              <a:rPr lang="en-US" sz="2400" dirty="0"/>
+              <a:t>Hosts forums and conferences</a:t>
+            </a:r>
+          </a:p>
+        </p:txBody>
+      </p:sp>
+      <p:pic>
+        <p:nvPicPr>
+          <p:cNvPr id="4098" name="Picture 2" descr="European Union Agency for Cybersecurity (ENISA)">
+            <a:extLst>
+              <a:ext uri="{FF2B5EF4-FFF2-40B4-BE49-F238E27FC236}">
+                <a16:creationId xmlns:a16="http://schemas.microsoft.com/office/drawing/2014/main" id="{64F0D5B7-4385-42F9-B619-8ED49E3644B7}"/>
+              </a:ext>
+            </a:extLst>
+          </p:cNvPr>
+          <p:cNvPicPr>
+            <a:picLocks noChangeAspect="1" noChangeArrowheads="1"/>
+          </p:cNvPicPr>
+          <p:nvPr/>
+        </p:nvPicPr>
+        <p:blipFill rotWithShape="1">
+          <a:blip r:embed="rId3">
+            <a:extLst>
+              <a:ext uri="{28A0092B-C50C-407E-A947-70E740481C1C}">
+                <a14:useLocalDpi xmlns:a14="http://schemas.microsoft.com/office/drawing/2010/main" val="0"/>
+              </a:ext>
+            </a:extLst>
+          </a:blip>
+          <a:srcRect t="1912" r="-2" b="2536"/>
+          <a:stretch/>
+        </p:blipFill>
+        <p:spPr bwMode="auto">
+          <a:xfrm>
+            <a:off x="7727049" y="2665692"/>
+            <a:ext cx="2047239" cy="1975706"/>
+          </a:xfrm>
+          <a:prstGeom prst="rect">
+            <a:avLst/>
+          </a:prstGeom>
+          <a:noFill/>
+          <a:extLst>
+            <a:ext uri="{909E8E84-426E-40DD-AFC4-6F175D3DCCD1}">
+              <a14:hiddenFill xmlns:a14="http://schemas.microsoft.com/office/drawing/2010/main">
+                <a:solidFill>
+                  <a:srgbClr val="FFFFFF"/>
+                </a:solidFill>
+              </a14:hiddenFill>
+            </a:ext>
+          </a:extLst>
+        </p:spPr>
+      </p:pic>
+      <p:sp>
+        <p:nvSpPr>
+          <p:cNvPr id="11" name="TextBox 10">
+            <a:extLst>
+              <a:ext uri="{FF2B5EF4-FFF2-40B4-BE49-F238E27FC236}">
+                <a16:creationId xmlns:a16="http://schemas.microsoft.com/office/drawing/2014/main" id="{B43BECA4-E6C3-49E7-8F19-02C58A0DBBB2}"/>
+              </a:ext>
+            </a:extLst>
+          </p:cNvPr>
+          <p:cNvSpPr txBox="1"/>
+          <p:nvPr/>
+        </p:nvSpPr>
+        <p:spPr>
+          <a:xfrm>
+            <a:off x="0" y="6396335"/>
+            <a:ext cx="2103121" cy="461665"/>
+          </a:xfrm>
+          <a:prstGeom prst="rect">
+            <a:avLst/>
+          </a:prstGeom>
+          <a:noFill/>
+        </p:spPr>
+        <p:txBody>
+          <a:bodyPr wrap="square">
+            <a:spAutoFit/>
+          </a:bodyPr>
+          <a:lstStyle/>
+          <a:p>
+            <a:r>
+              <a:rPr lang="en-US" sz="2400" dirty="0">
+                <a:solidFill>
+                  <a:schemeClr val="tx2">
+                    <a:lumMod val="75000"/>
+                  </a:schemeClr>
+                </a:solidFill>
+              </a:rPr>
+              <a:t>@AtomicNicos</a:t>
+            </a:r>
+            <a:endParaRPr lang="en-CH" sz="2400" dirty="0">
+              <a:solidFill>
+                <a:schemeClr val="tx2">
+                  <a:lumMod val="75000"/>
+                </a:schemeClr>
+              </a:solidFill>
+            </a:endParaRPr>
+          </a:p>
+        </p:txBody>
+      </p:sp>
+    </p:spTree>
+    <p:extLst>
+      <p:ext uri="{BB962C8B-B14F-4D97-AF65-F5344CB8AC3E}">
+        <p14:creationId xmlns:p14="http://schemas.microsoft.com/office/powerpoint/2010/main" val="307405958"/>
+      </p:ext>
+    </p:extLst>
+  </p:cSld>
+  <p:clrMapOvr>
+    <a:masterClrMapping/>
+  </p:clrMapOvr>
+  <p:timing>
+    <p:tnLst>
+      <p:par>
+        <p:cTn id="1" dur="indefinite" restart="never" nodeType="tmRoot">
+          <p:childTnLst>
+            <p:seq concurrent="1" nextAc="seek">
+              <p:cTn id="2" dur="indefinite" nodeType="mainSeq">
+                <p:childTnLst>
+                  <p:par>
+                    <p:cTn id="3" fill="hold">
+                      <p:stCondLst>
+                        <p:cond delay="indefinite"/>
+                        <p:cond evt="onBegin" delay="0">
+                          <p:tn val="2"/>
+                        </p:cond>
+                      </p:stCondLst>
+                      <p:childTnLst>
+                        <p:par>
+                          <p:cTn id="4" fill="hold">
+                            <p:stCondLst>
+                              <p:cond delay="0"/>
+                            </p:stCondLst>
+                            <p:childTnLst>
+                              <p:par>
+                                <p:cTn id="5" presetID="10" presetClass="entr" presetSubtype="0" fill="hold" grpId="0" nodeType="withEffect">
+                                  <p:stCondLst>
+                                    <p:cond delay="0"/>
+                                  </p:stCondLst>
+                                  <p:childTnLst>
+                                    <p:set>
+                                      <p:cBhvr>
+                                        <p:cTn id="6" dur="1" fill="hold">
+                                          <p:stCondLst>
+                                            <p:cond delay="0"/>
+                                          </p:stCondLst>
+                                        </p:cTn>
+                                        <p:tgtEl>
+                                          <p:spTgt spid="2"/>
+                                        </p:tgtEl>
+                                        <p:attrNameLst>
+                                          <p:attrName>style.visibility</p:attrName>
+                                        </p:attrNameLst>
+                                      </p:cBhvr>
+                                      <p:to>
+                                        <p:strVal val="visible"/>
+                                      </p:to>
+                                    </p:set>
+                                    <p:animEffect transition="in" filter="fade">
+                                      <p:cBhvr>
+                                        <p:cTn id="7" dur="500"/>
+                                        <p:tgtEl>
+                                          <p:spTgt spid="2"/>
+                                        </p:tgtEl>
+                                      </p:cBhvr>
+                                    </p:animEffect>
+                                  </p:childTnLst>
+                                </p:cTn>
+                              </p:par>
+                              <p:par>
+                                <p:cTn id="8" presetID="10" presetClass="entr" presetSubtype="0" fill="hold" nodeType="withEffect">
+                                  <p:stCondLst>
+                                    <p:cond delay="0"/>
+                                  </p:stCondLst>
+                                  <p:childTnLst>
+                                    <p:set>
+                                      <p:cBhvr>
+                                        <p:cTn id="9" dur="1" fill="hold">
+                                          <p:stCondLst>
+                                            <p:cond delay="0"/>
+                                          </p:stCondLst>
+                                        </p:cTn>
+                                        <p:tgtEl>
+                                          <p:spTgt spid="4098"/>
+                                        </p:tgtEl>
+                                        <p:attrNameLst>
+                                          <p:attrName>style.visibility</p:attrName>
+                                        </p:attrNameLst>
+                                      </p:cBhvr>
+                                      <p:to>
+                                        <p:strVal val="visible"/>
+                                      </p:to>
+                                    </p:set>
+                                    <p:animEffect transition="in" filter="fade">
+                                      <p:cBhvr>
+                                        <p:cTn id="10" dur="500"/>
+                                        <p:tgtEl>
+                                          <p:spTgt spid="4098"/>
+                                        </p:tgtEl>
+                                      </p:cBhvr>
+                                    </p:animEffect>
+                                  </p:childTnLst>
+                                </p:cTn>
+                              </p:par>
+                            </p:childTnLst>
+                          </p:cTn>
+                        </p:par>
+                      </p:childTnLst>
+                    </p:cTn>
+                  </p:par>
+                  <p:par>
+                    <p:cTn id="11" fill="hold">
+                      <p:stCondLst>
+                        <p:cond delay="indefinite"/>
+                      </p:stCondLst>
+                      <p:childTnLst>
+                        <p:par>
+                          <p:cTn id="12" fill="hold">
+                            <p:stCondLst>
+                              <p:cond delay="0"/>
+                            </p:stCondLst>
+                            <p:childTnLst>
+                              <p:par>
+                                <p:cTn id="13" presetID="10" presetClass="entr" presetSubtype="0" fill="hold" grpId="0" nodeType="clickEffect">
+                                  <p:stCondLst>
+                                    <p:cond delay="0"/>
+                                  </p:stCondLst>
+                                  <p:childTnLst>
+                                    <p:set>
+                                      <p:cBhvr>
+                                        <p:cTn id="14" dur="1" fill="hold">
+                                          <p:stCondLst>
+                                            <p:cond delay="0"/>
+                                          </p:stCondLst>
+                                        </p:cTn>
+                                        <p:tgtEl>
+                                          <p:spTgt spid="3">
+                                            <p:txEl>
+                                              <p:pRg st="0" end="0"/>
+                                            </p:txEl>
+                                          </p:spTgt>
+                                        </p:tgtEl>
+                                        <p:attrNameLst>
+                                          <p:attrName>style.visibility</p:attrName>
+                                        </p:attrNameLst>
+                                      </p:cBhvr>
+                                      <p:to>
+                                        <p:strVal val="visible"/>
+                                      </p:to>
+                                    </p:set>
+                                    <p:animEffect transition="in" filter="fade">
+                                      <p:cBhvr>
+                                        <p:cTn id="15" dur="500"/>
+                                        <p:tgtEl>
+                                          <p:spTgt spid="3">
+                                            <p:txEl>
+                                              <p:pRg st="0" end="0"/>
+                                            </p:txEl>
+                                          </p:spTgt>
+                                        </p:tgtEl>
+                                      </p:cBhvr>
+                                    </p:animEffect>
+                                  </p:childTnLst>
+                                </p:cTn>
+                              </p:par>
+                            </p:childTnLst>
+                          </p:cTn>
+                        </p:par>
+                      </p:childTnLst>
+                    </p:cTn>
+                  </p:par>
+                  <p:par>
+                    <p:cTn id="16" fill="hold">
+                      <p:stCondLst>
+                        <p:cond delay="indefinite"/>
+                      </p:stCondLst>
+                      <p:childTnLst>
+                        <p:par>
+                          <p:cTn id="17" fill="hold">
+                            <p:stCondLst>
+                              <p:cond delay="0"/>
+                            </p:stCondLst>
+                            <p:childTnLst>
+                              <p:par>
+                                <p:cTn id="18" presetID="10" presetClass="entr" presetSubtype="0" fill="hold" grpId="0" nodeType="clickEffect">
+                                  <p:stCondLst>
+                                    <p:cond delay="0"/>
+                                  </p:stCondLst>
+                                  <p:childTnLst>
+                                    <p:set>
+                                      <p:cBhvr>
+                                        <p:cTn id="19" dur="1" fill="hold">
+                                          <p:stCondLst>
+                                            <p:cond delay="0"/>
+                                          </p:stCondLst>
+                                        </p:cTn>
+                                        <p:tgtEl>
+                                          <p:spTgt spid="3">
+                                            <p:txEl>
+                                              <p:pRg st="2" end="2"/>
+                                            </p:txEl>
+                                          </p:spTgt>
+                                        </p:tgtEl>
+                                        <p:attrNameLst>
+                                          <p:attrName>style.visibility</p:attrName>
+                                        </p:attrNameLst>
+                                      </p:cBhvr>
+                                      <p:to>
+                                        <p:strVal val="visible"/>
+                                      </p:to>
+                                    </p:set>
+                                    <p:animEffect transition="in" filter="fade">
+                                      <p:cBhvr>
+                                        <p:cTn id="20" dur="500"/>
+                                        <p:tgtEl>
+                                          <p:spTgt spid="3">
+                                            <p:txEl>
+                                              <p:pRg st="2" end="2"/>
+                                            </p:txEl>
+                                          </p:spTgt>
+                                        </p:tgtEl>
+                                      </p:cBhvr>
+                                    </p:animEffect>
+                                  </p:childTnLst>
+                                </p:cTn>
+                              </p:par>
+                            </p:childTnLst>
+                          </p:cTn>
+                        </p:par>
+                      </p:childTnLst>
+                    </p:cTn>
+                  </p:par>
+                  <p:par>
+                    <p:cTn id="21" fill="hold">
+                      <p:stCondLst>
+                        <p:cond delay="indefinite"/>
+                      </p:stCondLst>
+                      <p:childTnLst>
+                        <p:par>
+                          <p:cTn id="22" fill="hold">
+                            <p:stCondLst>
+                              <p:cond delay="0"/>
+                            </p:stCondLst>
+                            <p:childTnLst>
+                              <p:par>
+                                <p:cTn id="23" presetID="10" presetClass="entr" presetSubtype="0" fill="hold" grpId="0" nodeType="clickEffect">
+                                  <p:stCondLst>
+                                    <p:cond delay="0"/>
+                                  </p:stCondLst>
+                                  <p:childTnLst>
+                                    <p:set>
+                                      <p:cBhvr>
+                                        <p:cTn id="24" dur="1" fill="hold">
+                                          <p:stCondLst>
+                                            <p:cond delay="0"/>
+                                          </p:stCondLst>
+                                        </p:cTn>
+                                        <p:tgtEl>
+                                          <p:spTgt spid="3">
+                                            <p:txEl>
+                                              <p:pRg st="4" end="4"/>
+                                            </p:txEl>
+                                          </p:spTgt>
+                                        </p:tgtEl>
+                                        <p:attrNameLst>
+                                          <p:attrName>style.visibility</p:attrName>
+                                        </p:attrNameLst>
+                                      </p:cBhvr>
+                                      <p:to>
+                                        <p:strVal val="visible"/>
+                                      </p:to>
+                                    </p:set>
+                                    <p:animEffect transition="in" filter="fade">
+                                      <p:cBhvr>
+                                        <p:cTn id="25" dur="500"/>
+                                        <p:tgtEl>
+                                          <p:spTgt spid="3">
+                                            <p:txEl>
+                                              <p:pRg st="4" end="4"/>
+                                            </p:txEl>
+                                          </p:spTgt>
+                                        </p:tgtEl>
+                                      </p:cBhvr>
+                                    </p:animEffect>
+                                  </p:childTnLst>
+                                </p:cTn>
+                              </p:par>
+                            </p:childTnLst>
+                          </p:cTn>
+                        </p:par>
+                      </p:childTnLst>
+                    </p:cTn>
+                  </p:par>
+                </p:childTnLst>
+              </p:cTn>
+              <p:prevCondLst>
+                <p:cond evt="onPrev" delay="0">
+                  <p:tgtEl>
+                    <p:sldTgt/>
+                  </p:tgtEl>
+                </p:cond>
+              </p:prevCondLst>
+              <p:nextCondLst>
+                <p:cond evt="onNext" delay="0">
+                  <p:tgtEl>
+                    <p:sldTgt/>
+                  </p:tgtEl>
+                </p:cond>
+              </p:nextCondLst>
+            </p:seq>
+          </p:childTnLst>
+        </p:cTn>
+      </p:par>
+    </p:tnLst>
+    <p:bldLst>
+      <p:bldP spid="2" grpId="0"/>
+      <p:bldP spid="3" grpId="0" build="p"/>
+    </p:bldLst>
+  </p:timing>
+</p:sld>
+</file>
+
+<file path=ppt/slides/slide14.xml><?xml version="1.0" encoding="utf-8"?>
+<p:sld xmlns:a="http://schemas.openxmlformats.org/drawingml/2006/main" xmlns:r="http://schemas.openxmlformats.org/officeDocument/2006/relationships" xmlns:p="http://schemas.openxmlformats.org/presentationml/2006/main">
+  <p:cSld>
+    <p:bg>
+      <p:bgPr>
+        <a:solidFill>
+          <a:schemeClr val="bg1"/>
+        </a:solidFill>
+        <a:effectLst/>
+      </p:bgPr>
+    </p:bg>
+    <p:spTree>
+      <p:nvGrpSpPr>
+        <p:cNvPr id="1" name=""/>
+        <p:cNvGrpSpPr/>
+        <p:nvPr/>
+      </p:nvGrpSpPr>
+      <p:grpSpPr>
+        <a:xfrm>
+          <a:off x="0" y="0"/>
+          <a:ext cx="0" cy="0"/>
+          <a:chOff x="0" y="0"/>
+          <a:chExt cx="0" cy="0"/>
+        </a:xfrm>
+      </p:grpSpPr>
+      <p:sp useBgFill="1">
+        <p:nvSpPr>
+          <p:cNvPr id="11" name="Rectangle 10">
+            <a:extLst>
+              <a:ext uri="{FF2B5EF4-FFF2-40B4-BE49-F238E27FC236}">
+                <a16:creationId xmlns:a16="http://schemas.microsoft.com/office/drawing/2014/main" id="{49AE1604-BB93-4F6D-94D6-F2A6021FC5AD}"/>
+              </a:ext>
+              <a:ext uri="{C183D7F6-B498-43B3-948B-1728B52AA6E4}">
+                <adec:decorative xmlns:adec="http://schemas.microsoft.com/office/drawing/2017/decorative" val="1"/>
+              </a:ext>
+            </a:extLst>
+          </p:cNvPr>
+          <p:cNvSpPr>
+            <a:spLocks noGrp="1" noRot="1" noChangeAspect="1" noMove="1" noResize="1" noEditPoints="1" noAdjustHandles="1" noChangeArrowheads="1" noChangeShapeType="1" noTextEdit="1"/>
+          </p:cNvSpPr>
+          <p:nvPr>
+            <p:extLst>
+              <p:ext uri="{386F3935-93C4-4BCD-93E2-E3B085C9AB24}">
+                <p16:designElem xmlns:p16="http://schemas.microsoft.com/office/powerpoint/2015/main" val="1"/>
+              </p:ext>
+            </p:extLst>
+          </p:nvPr>
+        </p:nvSpPr>
+        <p:spPr>
+          <a:xfrm>
+            <a:off x="0" y="0"/>
+            <a:ext cx="12191999" cy="6857365"/>
+          </a:xfrm>
+          <a:prstGeom prst="rect">
+            <a:avLst/>
+          </a:prstGeom>
+          <a:ln>
+            <a:noFill/>
+          </a:ln>
+        </p:spPr>
+        <p:style>
+          <a:lnRef idx="2">
+            <a:schemeClr val="accent1">
+              <a:shade val="50000"/>
+            </a:schemeClr>
+          </a:lnRef>
+          <a:fillRef idx="1">
+            <a:schemeClr val="accent1"/>
+          </a:fillRef>
+          <a:effectRef idx="0">
+            <a:schemeClr val="accent1"/>
+          </a:effectRef>
+          <a:fontRef idx="minor">
+            <a:schemeClr val="lt1"/>
+          </a:fontRef>
+        </p:style>
+        <p:txBody>
+          <a:bodyPr rtlCol="0" anchor="ctr"/>
+          <a:lstStyle/>
+          <a:p>
+            <a:pPr algn="ctr"/>
+            <a:endParaRPr lang="en-US"/>
+          </a:p>
+        </p:txBody>
+      </p:sp>
+      <p:grpSp>
+        <p:nvGrpSpPr>
+          <p:cNvPr id="13" name="Group 12">
+            <a:extLst>
+              <a:ext uri="{FF2B5EF4-FFF2-40B4-BE49-F238E27FC236}">
+                <a16:creationId xmlns:a16="http://schemas.microsoft.com/office/drawing/2014/main" id="{A9270323-9616-4384-857D-E86B78272EFE}"/>
+              </a:ext>
+              <a:ext uri="{C183D7F6-B498-43B3-948B-1728B52AA6E4}">
+                <adec:decorative xmlns:adec="http://schemas.microsoft.com/office/drawing/2017/decorative" val="1"/>
+              </a:ext>
+            </a:extLst>
+          </p:cNvPr>
+          <p:cNvGrpSpPr>
+            <a:grpSpLocks noGrp="1" noUngrp="1" noRot="1" noChangeAspect="1" noMove="1" noResize="1"/>
+          </p:cNvGrpSpPr>
+          <p:nvPr>
+            <p:extLst>
+              <p:ext uri="{386F3935-93C4-4BCD-93E2-E3B085C9AB24}">
+                <p16:designElem xmlns:p16="http://schemas.microsoft.com/office/powerpoint/2015/main" val="1"/>
+              </p:ext>
+            </p:extLst>
+          </p:nvPr>
+        </p:nvGrpSpPr>
+        <p:grpSpPr>
+          <a:xfrm rot="5400000">
+            <a:off x="-2340441" y="2666183"/>
+            <a:ext cx="5860051" cy="527712"/>
+            <a:chOff x="6081624" y="1998368"/>
+            <a:chExt cx="5613457" cy="782175"/>
+          </a:xfrm>
+          <a:solidFill>
+            <a:schemeClr val="accent4"/>
+          </a:solidFill>
+        </p:grpSpPr>
+        <p:sp>
+          <p:nvSpPr>
+            <p:cNvPr id="14" name="Rectangle 13">
+              <a:extLst>
+                <a:ext uri="{FF2B5EF4-FFF2-40B4-BE49-F238E27FC236}">
+                  <a16:creationId xmlns:a16="http://schemas.microsoft.com/office/drawing/2014/main" id="{8A3838D5-9565-4601-BAC3-D1B5BDB803ED}"/>
+                </a:ext>
+                <a:ext uri="{C183D7F6-B498-43B3-948B-1728B52AA6E4}">
+                  <adec:decorative xmlns:adec="http://schemas.microsoft.com/office/drawing/2017/decorative" val="1"/>
+                </a:ext>
+              </a:extLst>
+            </p:cNvPr>
+            <p:cNvSpPr/>
+            <p:nvPr>
+              <p:extLst>
+                <p:ext uri="{386F3935-93C4-4BCD-93E2-E3B085C9AB24}">
+                  <p16:designElem xmlns:p16="http://schemas.microsoft.com/office/powerpoint/2015/main" val="1"/>
+                </p:ext>
+              </p:extLst>
+            </p:nvPr>
+          </p:nvSpPr>
+          <p:spPr>
+            <a:xfrm rot="5400000">
+              <a:off x="11228040" y="2313027"/>
+              <a:ext cx="781700" cy="152382"/>
+            </a:xfrm>
+            <a:prstGeom prst="rect">
+              <a:avLst/>
+            </a:prstGeom>
+            <a:grpFill/>
+            <a:ln>
+              <a:noFill/>
+            </a:ln>
+          </p:spPr>
+          <p:style>
+            <a:lnRef idx="2">
+              <a:schemeClr val="accent1">
+                <a:shade val="50000"/>
+              </a:schemeClr>
+            </a:lnRef>
+            <a:fillRef idx="1">
+              <a:schemeClr val="accent1"/>
+            </a:fillRef>
+            <a:effectRef idx="0">
+              <a:schemeClr val="accent1"/>
+            </a:effectRef>
+            <a:fontRef idx="minor">
+              <a:schemeClr val="lt1"/>
+            </a:fontRef>
+          </p:style>
+          <p:txBody>
+            <a:bodyPr rtlCol="0" anchor="ctr"/>
+            <a:lstStyle/>
+            <a:p>
+              <a:pPr algn="ctr"/>
+              <a:endParaRPr lang="en-US"/>
+            </a:p>
+          </p:txBody>
+        </p:sp>
+        <p:sp>
+          <p:nvSpPr>
+            <p:cNvPr id="15" name="Rectangle 14">
+              <a:extLst>
+                <a:ext uri="{FF2B5EF4-FFF2-40B4-BE49-F238E27FC236}">
+                  <a16:creationId xmlns:a16="http://schemas.microsoft.com/office/drawing/2014/main" id="{3349A4B8-3246-4579-922E-FE1155C7F08C}"/>
+                </a:ext>
+                <a:ext uri="{C183D7F6-B498-43B3-948B-1728B52AA6E4}">
+                  <adec:decorative xmlns:adec="http://schemas.microsoft.com/office/drawing/2017/decorative" val="1"/>
+                </a:ext>
+              </a:extLst>
+            </p:cNvPr>
+            <p:cNvSpPr/>
+            <p:nvPr>
+              <p:extLst>
+                <p:ext uri="{386F3935-93C4-4BCD-93E2-E3B085C9AB24}">
+                  <p16:designElem xmlns:p16="http://schemas.microsoft.com/office/powerpoint/2015/main" val="1"/>
+                </p:ext>
+              </p:extLst>
+            </p:nvPr>
+          </p:nvSpPr>
+          <p:spPr>
+            <a:xfrm flipH="1" flipV="1">
+              <a:off x="6081624" y="1998844"/>
+              <a:ext cx="5372968" cy="781699"/>
+            </a:xfrm>
+            <a:prstGeom prst="rect">
+              <a:avLst/>
+            </a:prstGeom>
+            <a:grpFill/>
+            <a:ln>
+              <a:noFill/>
+            </a:ln>
+          </p:spPr>
+          <p:style>
+            <a:lnRef idx="2">
+              <a:schemeClr val="accent1">
+                <a:shade val="50000"/>
+              </a:schemeClr>
+            </a:lnRef>
+            <a:fillRef idx="1">
+              <a:schemeClr val="accent1"/>
+            </a:fillRef>
+            <a:effectRef idx="0">
+              <a:schemeClr val="accent1"/>
+            </a:effectRef>
+            <a:fontRef idx="minor">
+              <a:schemeClr val="lt1"/>
+            </a:fontRef>
+          </p:style>
+          <p:txBody>
+            <a:bodyPr rtlCol="0" anchor="ctr"/>
+            <a:lstStyle/>
+            <a:p>
+              <a:pPr algn="ctr"/>
+              <a:endParaRPr lang="en-US"/>
+            </a:p>
+          </p:txBody>
+        </p:sp>
+      </p:grpSp>
+      <p:sp>
+        <p:nvSpPr>
+          <p:cNvPr id="17" name="Rectangle 16">
+            <a:extLst>
+              <a:ext uri="{FF2B5EF4-FFF2-40B4-BE49-F238E27FC236}">
+                <a16:creationId xmlns:a16="http://schemas.microsoft.com/office/drawing/2014/main" id="{CBC4F608-B4B8-48C3-9572-C0F061B1CD99}"/>
+              </a:ext>
+              <a:ext uri="{C183D7F6-B498-43B3-948B-1728B52AA6E4}">
+                <adec:decorative xmlns:adec="http://schemas.microsoft.com/office/drawing/2017/decorative" val="1"/>
+              </a:ext>
+            </a:extLst>
+          </p:cNvPr>
+          <p:cNvSpPr>
+            <a:spLocks noGrp="1" noRot="1" noChangeAspect="1" noMove="1" noResize="1" noEditPoints="1" noAdjustHandles="1" noChangeArrowheads="1" noChangeShapeType="1" noTextEdit="1"/>
+          </p:cNvSpPr>
+          <p:nvPr>
+            <p:extLst>
+              <p:ext uri="{386F3935-93C4-4BCD-93E2-E3B085C9AB24}">
+                <p16:designElem xmlns:p16="http://schemas.microsoft.com/office/powerpoint/2015/main" val="1"/>
+              </p:ext>
+            </p:extLst>
+          </p:nvPr>
+        </p:nvSpPr>
+        <p:spPr>
+          <a:xfrm>
+            <a:off x="579528" y="517897"/>
+            <a:ext cx="11111729" cy="5857966"/>
+          </a:xfrm>
+          <a:prstGeom prst="rect">
+            <a:avLst/>
+          </a:prstGeom>
+          <a:solidFill>
+            <a:schemeClr val="bg1"/>
+          </a:solidFill>
+          <a:ln>
+            <a:noFill/>
+          </a:ln>
+          <a:effectLst>
+            <a:outerShdw blurRad="139700" dist="127000" dir="5400000" algn="t" rotWithShape="0">
+              <a:prstClr val="black">
+                <a:alpha val="15000"/>
+              </a:prstClr>
+            </a:outerShdw>
+          </a:effectLst>
+        </p:spPr>
+        <p:style>
+          <a:lnRef idx="2">
+            <a:schemeClr val="accent1">
+              <a:shade val="50000"/>
+            </a:schemeClr>
+          </a:lnRef>
+          <a:fillRef idx="1">
+            <a:schemeClr val="accent1"/>
+          </a:fillRef>
+          <a:effectRef idx="0">
+            <a:schemeClr val="accent1"/>
+          </a:effectRef>
+          <a:fontRef idx="minor">
+            <a:schemeClr val="lt1"/>
+          </a:fontRef>
+        </p:style>
+        <p:txBody>
+          <a:bodyPr rtlCol="0" anchor="ctr"/>
+          <a:lstStyle/>
+          <a:p>
+            <a:pPr algn="ctr"/>
+            <a:endParaRPr lang="en-US"/>
+          </a:p>
+        </p:txBody>
+      </p:sp>
+      <p:sp>
+        <p:nvSpPr>
+          <p:cNvPr id="2" name="Title 1">
+            <a:extLst>
+              <a:ext uri="{FF2B5EF4-FFF2-40B4-BE49-F238E27FC236}">
+                <a16:creationId xmlns:a16="http://schemas.microsoft.com/office/drawing/2014/main" id="{DCEDBD58-9EB6-41DF-AC97-6FE5E17AFBD0}"/>
+              </a:ext>
+            </a:extLst>
+          </p:cNvPr>
+          <p:cNvSpPr>
+            <a:spLocks noGrp="1"/>
+          </p:cNvSpPr>
+          <p:nvPr>
+            <p:ph type="title"/>
+          </p:nvPr>
+        </p:nvSpPr>
+        <p:spPr>
+          <a:xfrm>
+            <a:off x="6593917" y="847827"/>
+            <a:ext cx="4709345" cy="1169585"/>
+          </a:xfrm>
+        </p:spPr>
+        <p:txBody>
+          <a:bodyPr anchor="b">
+            <a:normAutofit/>
+          </a:bodyPr>
+          <a:lstStyle/>
+          <a:p>
+            <a:r>
+              <a:rPr lang="en-US" sz="4000" dirty="0"/>
+              <a:t>Compliance</a:t>
+            </a:r>
+            <a:endParaRPr lang="en-CH" sz="4000" dirty="0"/>
+          </a:p>
+        </p:txBody>
+      </p:sp>
+      <p:pic>
+        <p:nvPicPr>
+          <p:cNvPr id="6" name="Picture 5">
+            <a:extLst>
+              <a:ext uri="{FF2B5EF4-FFF2-40B4-BE49-F238E27FC236}">
+                <a16:creationId xmlns:a16="http://schemas.microsoft.com/office/drawing/2014/main" id="{BEFEA124-63C9-4769-B390-F0B721D43009}"/>
+              </a:ext>
+            </a:extLst>
+          </p:cNvPr>
+          <p:cNvPicPr>
+            <a:picLocks noChangeAspect="1"/>
+          </p:cNvPicPr>
+          <p:nvPr/>
+        </p:nvPicPr>
+        <p:blipFill rotWithShape="1">
+          <a:blip r:embed="rId2"/>
+          <a:srcRect l="2088" r="1490" b="2"/>
+          <a:stretch/>
+        </p:blipFill>
+        <p:spPr>
+          <a:xfrm>
+            <a:off x="1004677" y="1165847"/>
+            <a:ext cx="4747309" cy="4566430"/>
+          </a:xfrm>
+          <a:prstGeom prst="rect">
+            <a:avLst/>
+          </a:prstGeom>
+        </p:spPr>
+      </p:pic>
+      <p:sp>
+        <p:nvSpPr>
+          <p:cNvPr id="19" name="Rectangle 18">
+            <a:extLst>
+              <a:ext uri="{FF2B5EF4-FFF2-40B4-BE49-F238E27FC236}">
+                <a16:creationId xmlns:a16="http://schemas.microsoft.com/office/drawing/2014/main" id="{1382A32C-5B0C-4B1C-A074-76C6DBCC9F87}"/>
+              </a:ext>
+              <a:ext uri="{C183D7F6-B498-43B3-948B-1728B52AA6E4}">
+                <adec:decorative xmlns:adec="http://schemas.microsoft.com/office/drawing/2017/decorative" val="1"/>
+              </a:ext>
+            </a:extLst>
+          </p:cNvPr>
+          <p:cNvSpPr>
+            <a:spLocks noGrp="1" noRot="1" noChangeAspect="1" noMove="1" noResize="1" noEditPoints="1" noAdjustHandles="1" noChangeArrowheads="1" noChangeShapeType="1" noTextEdit="1"/>
+          </p:cNvSpPr>
+          <p:nvPr>
+            <p:extLst>
+              <p:ext uri="{386F3935-93C4-4BCD-93E2-E3B085C9AB24}">
+                <p16:designElem xmlns:p16="http://schemas.microsoft.com/office/powerpoint/2015/main" val="1"/>
+              </p:ext>
+            </p:extLst>
+          </p:nvPr>
+        </p:nvSpPr>
+        <p:spPr>
+          <a:xfrm flipH="1">
+            <a:off x="6634377" y="2188548"/>
+            <a:ext cx="4389120" cy="27432"/>
+          </a:xfrm>
+          <a:prstGeom prst="rect">
+            <a:avLst/>
+          </a:prstGeom>
+          <a:solidFill>
+            <a:schemeClr val="accent4"/>
+          </a:solidFill>
+          <a:ln>
+            <a:noFill/>
+          </a:ln>
+        </p:spPr>
+        <p:style>
+          <a:lnRef idx="2">
+            <a:schemeClr val="accent1">
+              <a:shade val="50000"/>
+            </a:schemeClr>
+          </a:lnRef>
+          <a:fillRef idx="1">
+            <a:schemeClr val="accent1"/>
+          </a:fillRef>
+          <a:effectRef idx="0">
+            <a:schemeClr val="accent1"/>
+          </a:effectRef>
+          <a:fontRef idx="minor">
+            <a:schemeClr val="lt1"/>
+          </a:fontRef>
+        </p:style>
+        <p:txBody>
+          <a:bodyPr rtlCol="0" anchor="ctr"/>
+          <a:lstStyle/>
+          <a:p>
+            <a:pPr algn="ctr"/>
+            <a:endParaRPr lang="en-US"/>
+          </a:p>
+        </p:txBody>
+      </p:sp>
+      <p:sp>
+        <p:nvSpPr>
+          <p:cNvPr id="3" name="Content Placeholder 2">
+            <a:extLst>
+              <a:ext uri="{FF2B5EF4-FFF2-40B4-BE49-F238E27FC236}">
+                <a16:creationId xmlns:a16="http://schemas.microsoft.com/office/drawing/2014/main" id="{8C09FD93-FA68-4B7C-8817-EE1D5E1727DF}"/>
+              </a:ext>
+            </a:extLst>
+          </p:cNvPr>
+          <p:cNvSpPr>
+            <a:spLocks noGrp="1"/>
+          </p:cNvSpPr>
+          <p:nvPr>
+            <p:ph idx="1"/>
+          </p:nvPr>
+        </p:nvSpPr>
+        <p:spPr>
+          <a:xfrm>
+            <a:off x="6595228" y="2508105"/>
+            <a:ext cx="4709345" cy="3632493"/>
+          </a:xfrm>
+        </p:spPr>
+        <p:txBody>
+          <a:bodyPr anchor="ctr">
+            <a:normAutofit/>
+          </a:bodyPr>
+          <a:lstStyle/>
+          <a:p>
+            <a:r>
+              <a:rPr lang="en-US" sz="2000" dirty="0"/>
+              <a:t>Not the legalese version of compliance </a:t>
+            </a:r>
+          </a:p>
+          <a:p>
+            <a:endParaRPr lang="en-US" sz="2000" dirty="0"/>
+          </a:p>
+          <a:p>
+            <a:r>
+              <a:rPr lang="en-US" sz="2000" dirty="0"/>
+              <a:t>Following / Adapting to recommendations</a:t>
+            </a:r>
+          </a:p>
+          <a:p>
+            <a:endParaRPr lang="en-US" sz="2000" dirty="0"/>
+          </a:p>
+          <a:p>
+            <a:endParaRPr lang="en-US" sz="2000" dirty="0"/>
+          </a:p>
+          <a:p>
+            <a:endParaRPr lang="en-US" sz="2000" dirty="0"/>
+          </a:p>
+          <a:p>
+            <a:endParaRPr lang="en-US" sz="2000" dirty="0"/>
+          </a:p>
+        </p:txBody>
+      </p:sp>
+      <p:sp>
+        <p:nvSpPr>
+          <p:cNvPr id="12" name="TextBox 11">
+            <a:extLst>
+              <a:ext uri="{FF2B5EF4-FFF2-40B4-BE49-F238E27FC236}">
+                <a16:creationId xmlns:a16="http://schemas.microsoft.com/office/drawing/2014/main" id="{86F187DC-195C-4701-9CCE-FDE6E4E8FDCC}"/>
+              </a:ext>
+            </a:extLst>
+          </p:cNvPr>
+          <p:cNvSpPr txBox="1"/>
+          <p:nvPr/>
+        </p:nvSpPr>
+        <p:spPr>
+          <a:xfrm>
+            <a:off x="0" y="6396335"/>
+            <a:ext cx="2103121" cy="461665"/>
+          </a:xfrm>
+          <a:prstGeom prst="rect">
+            <a:avLst/>
+          </a:prstGeom>
+          <a:noFill/>
+        </p:spPr>
+        <p:txBody>
+          <a:bodyPr wrap="square">
+            <a:spAutoFit/>
+          </a:bodyPr>
+          <a:lstStyle/>
+          <a:p>
+            <a:r>
+              <a:rPr lang="en-US" sz="2400" dirty="0">
+                <a:solidFill>
+                  <a:schemeClr val="tx2">
+                    <a:lumMod val="75000"/>
+                  </a:schemeClr>
+                </a:solidFill>
+              </a:rPr>
+              <a:t>@AtomicNicos</a:t>
+            </a:r>
+            <a:endParaRPr lang="en-CH" sz="2400" dirty="0">
+              <a:solidFill>
+                <a:schemeClr val="tx2">
+                  <a:lumMod val="75000"/>
+                </a:schemeClr>
+              </a:solidFill>
+            </a:endParaRPr>
+          </a:p>
+        </p:txBody>
+      </p:sp>
+    </p:spTree>
+    <p:extLst>
+      <p:ext uri="{BB962C8B-B14F-4D97-AF65-F5344CB8AC3E}">
+        <p14:creationId xmlns:p14="http://schemas.microsoft.com/office/powerpoint/2010/main" val="3547706199"/>
+      </p:ext>
+    </p:extLst>
+  </p:cSld>
+  <p:clrMapOvr>
+    <a:masterClrMapping/>
+  </p:clrMapOvr>
+  <p:timing>
+    <p:tnLst>
+      <p:par>
+        <p:cTn id="1" dur="indefinite" restart="never" nodeType="tmRoot">
+          <p:childTnLst>
+            <p:seq concurrent="1" nextAc="seek">
+              <p:cTn id="2" dur="indefinite" nodeType="mainSeq">
+                <p:childTnLst>
+                  <p:par>
+                    <p:cTn id="3" fill="hold">
+                      <p:stCondLst>
+                        <p:cond delay="indefinite"/>
+                        <p:cond evt="onBegin" delay="0">
+                          <p:tn val="2"/>
+                        </p:cond>
+                      </p:stCondLst>
+                      <p:childTnLst>
+                        <p:par>
+                          <p:cTn id="4" fill="hold">
+                            <p:stCondLst>
+                              <p:cond delay="0"/>
+                            </p:stCondLst>
+                            <p:childTnLst>
+                              <p:par>
+                                <p:cTn id="5" presetID="10" presetClass="entr" presetSubtype="0" fill="hold" grpId="0" nodeType="withEffect">
+                                  <p:stCondLst>
+                                    <p:cond delay="0"/>
+                                  </p:stCondLst>
+                                  <p:childTnLst>
+                                    <p:set>
+                                      <p:cBhvr>
+                                        <p:cTn id="6" dur="1" fill="hold">
+                                          <p:stCondLst>
+                                            <p:cond delay="0"/>
+                                          </p:stCondLst>
+                                        </p:cTn>
+                                        <p:tgtEl>
+                                          <p:spTgt spid="2"/>
+                                        </p:tgtEl>
+                                        <p:attrNameLst>
+                                          <p:attrName>style.visibility</p:attrName>
+                                        </p:attrNameLst>
+                                      </p:cBhvr>
+                                      <p:to>
+                                        <p:strVal val="visible"/>
+                                      </p:to>
+                                    </p:set>
+                                    <p:animEffect transition="in" filter="fade">
+                                      <p:cBhvr>
+                                        <p:cTn id="7" dur="500"/>
+                                        <p:tgtEl>
+                                          <p:spTgt spid="2"/>
+                                        </p:tgtEl>
+                                      </p:cBhvr>
+                                    </p:animEffect>
+                                  </p:childTnLst>
+                                </p:cTn>
+                              </p:par>
+                            </p:childTnLst>
+                          </p:cTn>
+                        </p:par>
+                      </p:childTnLst>
+                    </p:cTn>
+                  </p:par>
+                  <p:par>
+                    <p:cTn id="8" fill="hold">
+                      <p:stCondLst>
+                        <p:cond delay="indefinite"/>
+                      </p:stCondLst>
+                      <p:childTnLst>
+                        <p:par>
+                          <p:cTn id="9" fill="hold">
+                            <p:stCondLst>
+                              <p:cond delay="0"/>
+                            </p:stCondLst>
+                            <p:childTnLst>
+                              <p:par>
+                                <p:cTn id="10" presetID="10" presetClass="entr" presetSubtype="0" fill="hold" nodeType="clickEffect">
+                                  <p:stCondLst>
+                                    <p:cond delay="0"/>
+                                  </p:stCondLst>
+                                  <p:childTnLst>
+                                    <p:set>
+                                      <p:cBhvr>
+                                        <p:cTn id="11" dur="1" fill="hold">
+                                          <p:stCondLst>
+                                            <p:cond delay="0"/>
+                                          </p:stCondLst>
+                                        </p:cTn>
+                                        <p:tgtEl>
+                                          <p:spTgt spid="6"/>
+                                        </p:tgtEl>
+                                        <p:attrNameLst>
+                                          <p:attrName>style.visibility</p:attrName>
+                                        </p:attrNameLst>
+                                      </p:cBhvr>
+                                      <p:to>
+                                        <p:strVal val="visible"/>
+                                      </p:to>
+                                    </p:set>
+                                    <p:animEffect transition="in" filter="fade">
+                                      <p:cBhvr>
+                                        <p:cTn id="12" dur="500"/>
+                                        <p:tgtEl>
+                                          <p:spTgt spid="6"/>
+                                        </p:tgtEl>
+                                      </p:cBhvr>
+                                    </p:animEffect>
+                                  </p:childTnLst>
+                                </p:cTn>
+                              </p:par>
+                            </p:childTnLst>
+                          </p:cTn>
+                        </p:par>
+                      </p:childTnLst>
+                    </p:cTn>
+                  </p:par>
+                  <p:par>
+                    <p:cTn id="13" fill="hold">
+                      <p:stCondLst>
+                        <p:cond delay="indefinite"/>
+                      </p:stCondLst>
+                      <p:childTnLst>
+                        <p:par>
+                          <p:cTn id="14" fill="hold">
+                            <p:stCondLst>
+                              <p:cond delay="0"/>
+                            </p:stCondLst>
+                            <p:childTnLst>
+                              <p:par>
+                                <p:cTn id="15" presetID="10" presetClass="entr" presetSubtype="0" fill="hold" grpId="0" nodeType="clickEffect">
+                                  <p:stCondLst>
+                                    <p:cond delay="0"/>
+                                  </p:stCondLst>
+                                  <p:childTnLst>
+                                    <p:set>
+                                      <p:cBhvr>
+                                        <p:cTn id="16" dur="1" fill="hold">
+                                          <p:stCondLst>
+                                            <p:cond delay="0"/>
+                                          </p:stCondLst>
+                                        </p:cTn>
+                                        <p:tgtEl>
+                                          <p:spTgt spid="3">
+                                            <p:txEl>
+                                              <p:pRg st="0" end="0"/>
+                                            </p:txEl>
+                                          </p:spTgt>
+                                        </p:tgtEl>
+                                        <p:attrNameLst>
+                                          <p:attrName>style.visibility</p:attrName>
+                                        </p:attrNameLst>
+                                      </p:cBhvr>
+                                      <p:to>
+                                        <p:strVal val="visible"/>
+                                      </p:to>
+                                    </p:set>
+                                    <p:animEffect transition="in" filter="fade">
+                                      <p:cBhvr>
+                                        <p:cTn id="17" dur="500"/>
+                                        <p:tgtEl>
+                                          <p:spTgt spid="3">
+                                            <p:txEl>
+                                              <p:pRg st="0" end="0"/>
+                                            </p:txEl>
+                                          </p:spTgt>
+                                        </p:tgtEl>
+                                      </p:cBhvr>
+                                    </p:animEffect>
+                                  </p:childTnLst>
+                                </p:cTn>
+                              </p:par>
+                            </p:childTnLst>
+                          </p:cTn>
+                        </p:par>
+                      </p:childTnLst>
+                    </p:cTn>
+                  </p:par>
+                  <p:par>
+                    <p:cTn id="18" fill="hold">
+                      <p:stCondLst>
+                        <p:cond delay="indefinite"/>
+                      </p:stCondLst>
+                      <p:childTnLst>
+                        <p:par>
+                          <p:cTn id="19" fill="hold">
+                            <p:stCondLst>
+                              <p:cond delay="0"/>
+                            </p:stCondLst>
+                            <p:childTnLst>
+                              <p:par>
+                                <p:cTn id="20" presetID="10" presetClass="entr" presetSubtype="0" fill="hold" grpId="0" nodeType="clickEffect">
+                                  <p:stCondLst>
+                                    <p:cond delay="0"/>
+                                  </p:stCondLst>
+                                  <p:childTnLst>
+                                    <p:set>
+                                      <p:cBhvr>
+                                        <p:cTn id="21" dur="1" fill="hold">
+                                          <p:stCondLst>
+                                            <p:cond delay="0"/>
+                                          </p:stCondLst>
+                                        </p:cTn>
+                                        <p:tgtEl>
+                                          <p:spTgt spid="3">
+                                            <p:txEl>
+                                              <p:pRg st="2" end="2"/>
+                                            </p:txEl>
+                                          </p:spTgt>
+                                        </p:tgtEl>
+                                        <p:attrNameLst>
+                                          <p:attrName>style.visibility</p:attrName>
+                                        </p:attrNameLst>
+                                      </p:cBhvr>
+                                      <p:to>
+                                        <p:strVal val="visible"/>
+                                      </p:to>
+                                    </p:set>
+                                    <p:animEffect transition="in" filter="fade">
+                                      <p:cBhvr>
+                                        <p:cTn id="22" dur="500"/>
+                                        <p:tgtEl>
+                                          <p:spTgt spid="3">
+                                            <p:txEl>
+                                              <p:pRg st="2" end="2"/>
+                                            </p:txEl>
+                                          </p:spTgt>
+                                        </p:tgtEl>
+                                      </p:cBhvr>
+                                    </p:animEffect>
+                                  </p:childTnLst>
+                                </p:cTn>
+                              </p:par>
+                            </p:childTnLst>
+                          </p:cTn>
+                        </p:par>
+                      </p:childTnLst>
+                    </p:cTn>
+                  </p:par>
+                </p:childTnLst>
+              </p:cTn>
+              <p:prevCondLst>
+                <p:cond evt="onPrev" delay="0">
+                  <p:tgtEl>
+                    <p:sldTgt/>
+                  </p:tgtEl>
+                </p:cond>
+              </p:prevCondLst>
+              <p:nextCondLst>
+                <p:cond evt="onNext" delay="0">
+                  <p:tgtEl>
+                    <p:sldTgt/>
+                  </p:tgtEl>
+                </p:cond>
+              </p:nextCondLst>
+            </p:seq>
+          </p:childTnLst>
+        </p:cTn>
+      </p:par>
+    </p:tnLst>
+    <p:bldLst>
+      <p:bldP spid="2" grpId="0"/>
+      <p:bldP spid="3" grpId="0" uiExpand="1" build="p"/>
+    </p:bldLst>
+  </p:timing>
+</p:sld>
+</file>
+
+<file path=ppt/slides/slide15.xml><?xml version="1.0" encoding="utf-8"?>
+<p:sld xmlns:a="http://schemas.openxmlformats.org/drawingml/2006/main" xmlns:r="http://schemas.openxmlformats.org/officeDocument/2006/relationships" xmlns:p="http://schemas.openxmlformats.org/presentationml/2006/main">
+  <p:cSld>
+    <p:spTree>
+      <p:nvGrpSpPr>
+        <p:cNvPr id="1" name=""/>
+        <p:cNvGrpSpPr/>
+        <p:nvPr/>
+      </p:nvGrpSpPr>
+      <p:grpSpPr>
+        <a:xfrm>
+          <a:off x="0" y="0"/>
+          <a:ext cx="0" cy="0"/>
+          <a:chOff x="0" y="0"/>
+          <a:chExt cx="0" cy="0"/>
+        </a:xfrm>
+      </p:grpSpPr>
+      <p:sp>
+        <p:nvSpPr>
+          <p:cNvPr id="2" name="Title 1">
+            <a:extLst>
+              <a:ext uri="{FF2B5EF4-FFF2-40B4-BE49-F238E27FC236}">
+                <a16:creationId xmlns:a16="http://schemas.microsoft.com/office/drawing/2014/main" id="{6E723F03-2447-47A2-91A9-FDAAFCA731B9}"/>
+              </a:ext>
+            </a:extLst>
+          </p:cNvPr>
+          <p:cNvSpPr>
+            <a:spLocks noGrp="1"/>
+          </p:cNvSpPr>
+          <p:nvPr>
+            <p:ph type="title"/>
+          </p:nvPr>
+        </p:nvSpPr>
+        <p:spPr/>
+        <p:txBody>
+          <a:bodyPr/>
+          <a:lstStyle/>
+          <a:p>
+            <a:r>
+              <a:rPr lang="en-US" dirty="0"/>
+              <a:t>Availability</a:t>
+            </a:r>
+          </a:p>
+        </p:txBody>
+      </p:sp>
+      <p:sp>
+        <p:nvSpPr>
+          <p:cNvPr id="5" name="Content Placeholder 4">
+            <a:extLst>
+              <a:ext uri="{FF2B5EF4-FFF2-40B4-BE49-F238E27FC236}">
+                <a16:creationId xmlns:a16="http://schemas.microsoft.com/office/drawing/2014/main" id="{79CF8910-6973-435E-91F1-60BEA395842C}"/>
+              </a:ext>
+            </a:extLst>
+          </p:cNvPr>
+          <p:cNvSpPr>
+            <a:spLocks noGrp="1"/>
+          </p:cNvSpPr>
+          <p:nvPr>
+            <p:ph idx="1"/>
+          </p:nvPr>
+        </p:nvSpPr>
+        <p:spPr>
+          <a:xfrm>
+            <a:off x="838200" y="1825625"/>
+            <a:ext cx="10515600" cy="523875"/>
+          </a:xfrm>
+        </p:spPr>
+        <p:txBody>
+          <a:bodyPr/>
+          <a:lstStyle/>
+          <a:p>
+            <a:pPr marL="0" indent="0">
+              <a:buNone/>
+            </a:pPr>
+            <a:r>
+              <a:rPr lang="en-US" dirty="0"/>
+              <a:t>Work licensed under Creative Commons : CC-BY-SA (</a:t>
+            </a:r>
+            <a:r>
+              <a:rPr lang="en-US" dirty="0" err="1">
+                <a:hlinkClick r:id="rId3"/>
+              </a:rPr>
+              <a:t>legalcode</a:t>
+            </a:r>
+            <a:r>
+              <a:rPr lang="en-US" dirty="0"/>
+              <a:t>)</a:t>
+            </a:r>
+          </a:p>
+        </p:txBody>
+      </p:sp>
+      <p:sp>
+        <p:nvSpPr>
+          <p:cNvPr id="4" name="TextBox 3">
+            <a:extLst>
+              <a:ext uri="{FF2B5EF4-FFF2-40B4-BE49-F238E27FC236}">
+                <a16:creationId xmlns:a16="http://schemas.microsoft.com/office/drawing/2014/main" id="{E0918DD1-0C91-491B-B0B5-F462180A8B66}"/>
+              </a:ext>
+            </a:extLst>
+          </p:cNvPr>
+          <p:cNvSpPr txBox="1"/>
+          <p:nvPr/>
+        </p:nvSpPr>
+        <p:spPr>
+          <a:xfrm>
+            <a:off x="0" y="6396335"/>
+            <a:ext cx="2103121" cy="461665"/>
+          </a:xfrm>
+          <a:prstGeom prst="rect">
+            <a:avLst/>
+          </a:prstGeom>
+          <a:noFill/>
+        </p:spPr>
+        <p:txBody>
+          <a:bodyPr wrap="square">
+            <a:spAutoFit/>
+          </a:bodyPr>
+          <a:lstStyle/>
+          <a:p>
+            <a:r>
+              <a:rPr lang="en-US" sz="2400" dirty="0">
+                <a:solidFill>
+                  <a:schemeClr val="tx2">
+                    <a:lumMod val="75000"/>
+                  </a:schemeClr>
+                </a:solidFill>
+              </a:rPr>
+              <a:t>@AtomicNicos</a:t>
+            </a:r>
+            <a:endParaRPr lang="en-CH" sz="2400" dirty="0">
+              <a:solidFill>
+                <a:schemeClr val="tx2">
+                  <a:lumMod val="75000"/>
+                </a:schemeClr>
+              </a:solidFill>
+            </a:endParaRPr>
+          </a:p>
+        </p:txBody>
+      </p:sp>
+      <p:pic>
+        <p:nvPicPr>
+          <p:cNvPr id="3" name="Picture 2">
+            <a:extLst>
+              <a:ext uri="{FF2B5EF4-FFF2-40B4-BE49-F238E27FC236}">
+                <a16:creationId xmlns:a16="http://schemas.microsoft.com/office/drawing/2014/main" id="{D8D0D41B-97F1-4F22-A0B5-4A60137ACDD0}"/>
+              </a:ext>
+            </a:extLst>
+          </p:cNvPr>
+          <p:cNvPicPr>
+            <a:picLocks noChangeAspect="1"/>
+          </p:cNvPicPr>
+          <p:nvPr/>
+        </p:nvPicPr>
+        <p:blipFill>
+          <a:blip r:embed="rId4"/>
+          <a:stretch>
+            <a:fillRect/>
+          </a:stretch>
+        </p:blipFill>
+        <p:spPr>
+          <a:xfrm>
+            <a:off x="838200" y="4508501"/>
+            <a:ext cx="5266198" cy="1124996"/>
+          </a:xfrm>
+          <a:prstGeom prst="rect">
+            <a:avLst/>
+          </a:prstGeom>
+        </p:spPr>
+      </p:pic>
+      <p:grpSp>
+        <p:nvGrpSpPr>
+          <p:cNvPr id="9" name="Group 8">
+            <a:extLst>
+              <a:ext uri="{FF2B5EF4-FFF2-40B4-BE49-F238E27FC236}">
+                <a16:creationId xmlns:a16="http://schemas.microsoft.com/office/drawing/2014/main" id="{0520B612-280A-4223-A894-86DB5E73DA69}"/>
+              </a:ext>
+            </a:extLst>
+          </p:cNvPr>
+          <p:cNvGrpSpPr/>
+          <p:nvPr/>
+        </p:nvGrpSpPr>
+        <p:grpSpPr>
+          <a:xfrm>
+            <a:off x="6867900" y="2602706"/>
+            <a:ext cx="4485900" cy="3409849"/>
+            <a:chOff x="6867900" y="2349500"/>
+            <a:chExt cx="4485900" cy="3409849"/>
+          </a:xfrm>
+        </p:grpSpPr>
+        <p:pic>
+          <p:nvPicPr>
+            <p:cNvPr id="7" name="Picture 6">
+              <a:extLst>
+                <a:ext uri="{FF2B5EF4-FFF2-40B4-BE49-F238E27FC236}">
+                  <a16:creationId xmlns:a16="http://schemas.microsoft.com/office/drawing/2014/main" id="{E8465EA7-C4A1-45B7-9F96-5566408080FE}"/>
+                </a:ext>
+              </a:extLst>
+            </p:cNvPr>
+            <p:cNvPicPr>
+              <a:picLocks noChangeAspect="1"/>
+            </p:cNvPicPr>
+            <p:nvPr/>
+          </p:nvPicPr>
+          <p:blipFill rotWithShape="1">
+            <a:blip r:embed="rId5"/>
+            <a:srcRect b="61693"/>
+            <a:stretch/>
+          </p:blipFill>
+          <p:spPr>
+            <a:xfrm>
+              <a:off x="6867900" y="2349500"/>
+              <a:ext cx="4485900" cy="1500188"/>
+            </a:xfrm>
+            <a:prstGeom prst="rect">
+              <a:avLst/>
+            </a:prstGeom>
+          </p:spPr>
+        </p:pic>
+        <p:pic>
+          <p:nvPicPr>
+            <p:cNvPr id="8" name="Picture 7">
+              <a:extLst>
+                <a:ext uri="{FF2B5EF4-FFF2-40B4-BE49-F238E27FC236}">
+                  <a16:creationId xmlns:a16="http://schemas.microsoft.com/office/drawing/2014/main" id="{D6DF8960-AFA8-4CA3-9C49-6987D4F4CBED}"/>
+                </a:ext>
+              </a:extLst>
+            </p:cNvPr>
+            <p:cNvPicPr>
+              <a:picLocks noChangeAspect="1"/>
+            </p:cNvPicPr>
+            <p:nvPr/>
+          </p:nvPicPr>
+          <p:blipFill rotWithShape="1">
+            <a:blip r:embed="rId5"/>
+            <a:srcRect t="51238"/>
+            <a:stretch/>
+          </p:blipFill>
+          <p:spPr>
+            <a:xfrm>
+              <a:off x="6867900" y="3849688"/>
+              <a:ext cx="4485900" cy="1909661"/>
+            </a:xfrm>
+            <a:prstGeom prst="rect">
+              <a:avLst/>
+            </a:prstGeom>
+          </p:spPr>
+        </p:pic>
+      </p:grpSp>
+      <p:sp>
+        <p:nvSpPr>
+          <p:cNvPr id="10" name="TextBox 9">
+            <a:extLst>
+              <a:ext uri="{FF2B5EF4-FFF2-40B4-BE49-F238E27FC236}">
+                <a16:creationId xmlns:a16="http://schemas.microsoft.com/office/drawing/2014/main" id="{B7EDF901-6F46-4F6D-AC74-F306877D741A}"/>
+              </a:ext>
+            </a:extLst>
+          </p:cNvPr>
+          <p:cNvSpPr txBox="1"/>
+          <p:nvPr/>
+        </p:nvSpPr>
+        <p:spPr>
+          <a:xfrm>
+            <a:off x="1530298" y="3160888"/>
+            <a:ext cx="3882001" cy="584775"/>
+          </a:xfrm>
+          <a:prstGeom prst="rect">
+            <a:avLst/>
+          </a:prstGeom>
+          <a:noFill/>
+        </p:spPr>
+        <p:txBody>
+          <a:bodyPr wrap="square" rtlCol="0">
+            <a:spAutoFit/>
+          </a:bodyPr>
+          <a:lstStyle/>
+          <a:p>
+            <a:pPr algn="ctr"/>
+            <a:r>
+              <a:rPr lang="fr-CH" sz="3200" dirty="0"/>
+              <a:t>Open License</a:t>
+            </a:r>
+            <a:endParaRPr lang="en-CH" sz="3200" dirty="0"/>
+          </a:p>
+        </p:txBody>
+      </p:sp>
+    </p:spTree>
+    <p:extLst>
+      <p:ext uri="{BB962C8B-B14F-4D97-AF65-F5344CB8AC3E}">
+        <p14:creationId xmlns:p14="http://schemas.microsoft.com/office/powerpoint/2010/main" val="2069255591"/>
+      </p:ext>
+    </p:extLst>
+  </p:cSld>
+  <p:clrMapOvr>
+    <a:masterClrMapping/>
+  </p:clrMapOvr>
+  <p:timing>
+    <p:tnLst>
+      <p:par>
+        <p:cTn id="1" dur="indefinite" restart="never" nodeType="tmRoot">
+          <p:childTnLst>
+            <p:seq concurrent="1" nextAc="seek">
+              <p:cTn id="2" dur="indefinite" nodeType="mainSeq">
+                <p:childTnLst>
+                  <p:par>
+                    <p:cTn id="3" fill="hold">
+                      <p:stCondLst>
+                        <p:cond delay="indefinite"/>
+                        <p:cond evt="onBegin" delay="0">
+                          <p:tn val="2"/>
+                        </p:cond>
+                      </p:stCondLst>
+                      <p:childTnLst>
+                        <p:par>
+                          <p:cTn id="4" fill="hold">
+                            <p:stCondLst>
+                              <p:cond delay="0"/>
+                            </p:stCondLst>
+                            <p:childTnLst>
+                              <p:par>
+                                <p:cTn id="5" presetID="10" presetClass="entr" presetSubtype="0" fill="hold" grpId="0" nodeType="withEffect">
+                                  <p:stCondLst>
+                                    <p:cond delay="0"/>
+                                  </p:stCondLst>
+                                  <p:childTnLst>
+                                    <p:set>
+                                      <p:cBhvr>
+                                        <p:cTn id="6" dur="1" fill="hold">
+                                          <p:stCondLst>
+                                            <p:cond delay="0"/>
+                                          </p:stCondLst>
+                                        </p:cTn>
+                                        <p:tgtEl>
+                                          <p:spTgt spid="2"/>
+                                        </p:tgtEl>
+                                        <p:attrNameLst>
+                                          <p:attrName>style.visibility</p:attrName>
+                                        </p:attrNameLst>
+                                      </p:cBhvr>
+                                      <p:to>
+                                        <p:strVal val="visible"/>
+                                      </p:to>
+                                    </p:set>
+                                    <p:animEffect transition="in" filter="fade">
+                                      <p:cBhvr>
+                                        <p:cTn id="7" dur="500"/>
+                                        <p:tgtEl>
+                                          <p:spTgt spid="2"/>
+                                        </p:tgtEl>
+                                      </p:cBhvr>
+                                    </p:animEffect>
+                                  </p:childTnLst>
+                                </p:cTn>
+                              </p:par>
+                            </p:childTnLst>
+                          </p:cTn>
+                        </p:par>
+                      </p:childTnLst>
+                    </p:cTn>
+                  </p:par>
+                  <p:par>
+                    <p:cTn id="8" fill="hold">
+                      <p:stCondLst>
+                        <p:cond delay="indefinite"/>
+                      </p:stCondLst>
+                      <p:childTnLst>
+                        <p:par>
+                          <p:cTn id="9" fill="hold">
+                            <p:stCondLst>
+                              <p:cond delay="0"/>
+                            </p:stCondLst>
+                            <p:childTnLst>
+                              <p:par>
+                                <p:cTn id="10" presetID="10" presetClass="entr" presetSubtype="0" fill="hold" grpId="0" nodeType="clickEffect">
+                                  <p:stCondLst>
+                                    <p:cond delay="0"/>
+                                  </p:stCondLst>
+                                  <p:childTnLst>
+                                    <p:set>
+                                      <p:cBhvr>
+                                        <p:cTn id="11" dur="1" fill="hold">
+                                          <p:stCondLst>
+                                            <p:cond delay="0"/>
+                                          </p:stCondLst>
+                                        </p:cTn>
+                                        <p:tgtEl>
+                                          <p:spTgt spid="5">
+                                            <p:txEl>
+                                              <p:pRg st="0" end="0"/>
+                                            </p:txEl>
+                                          </p:spTgt>
+                                        </p:tgtEl>
+                                        <p:attrNameLst>
+                                          <p:attrName>style.visibility</p:attrName>
+                                        </p:attrNameLst>
+                                      </p:cBhvr>
+                                      <p:to>
+                                        <p:strVal val="visible"/>
+                                      </p:to>
+                                    </p:set>
+                                    <p:animEffect transition="in" filter="fade">
+                                      <p:cBhvr>
+                                        <p:cTn id="12" dur="500"/>
+                                        <p:tgtEl>
+                                          <p:spTgt spid="5">
+                                            <p:txEl>
+                                              <p:pRg st="0" end="0"/>
+                                            </p:txEl>
+                                          </p:spTgt>
+                                        </p:tgtEl>
+                                      </p:cBhvr>
+                                    </p:animEffect>
+                                  </p:childTnLst>
+                                </p:cTn>
+                              </p:par>
+                            </p:childTnLst>
+                          </p:cTn>
+                        </p:par>
+                      </p:childTnLst>
+                    </p:cTn>
+                  </p:par>
+                  <p:par>
+                    <p:cTn id="13" fill="hold">
+                      <p:stCondLst>
+                        <p:cond delay="indefinite"/>
+                      </p:stCondLst>
+                      <p:childTnLst>
+                        <p:par>
+                          <p:cTn id="14" fill="hold">
+                            <p:stCondLst>
+                              <p:cond delay="0"/>
+                            </p:stCondLst>
+                            <p:childTnLst>
+                              <p:par>
+                                <p:cTn id="15" presetID="10" presetClass="entr" presetSubtype="0" fill="hold" grpId="0" nodeType="clickEffect">
+                                  <p:stCondLst>
+                                    <p:cond delay="0"/>
+                                  </p:stCondLst>
+                                  <p:childTnLst>
+                                    <p:set>
+                                      <p:cBhvr>
+                                        <p:cTn id="16" dur="1" fill="hold">
+                                          <p:stCondLst>
+                                            <p:cond delay="0"/>
+                                          </p:stCondLst>
+                                        </p:cTn>
+                                        <p:tgtEl>
+                                          <p:spTgt spid="10"/>
+                                        </p:tgtEl>
+                                        <p:attrNameLst>
+                                          <p:attrName>style.visibility</p:attrName>
+                                        </p:attrNameLst>
+                                      </p:cBhvr>
+                                      <p:to>
+                                        <p:strVal val="visible"/>
+                                      </p:to>
+                                    </p:set>
+                                    <p:animEffect transition="in" filter="fade">
+                                      <p:cBhvr>
+                                        <p:cTn id="17" dur="500"/>
+                                        <p:tgtEl>
+                                          <p:spTgt spid="10"/>
+                                        </p:tgtEl>
+                                      </p:cBhvr>
+                                    </p:animEffect>
+                                  </p:childTnLst>
+                                </p:cTn>
+                              </p:par>
+                              <p:par>
+                                <p:cTn id="18" presetID="10" presetClass="entr" presetSubtype="0" fill="hold" nodeType="withEffect">
+                                  <p:stCondLst>
+                                    <p:cond delay="0"/>
+                                  </p:stCondLst>
+                                  <p:childTnLst>
+                                    <p:set>
+                                      <p:cBhvr>
+                                        <p:cTn id="19" dur="1" fill="hold">
+                                          <p:stCondLst>
+                                            <p:cond delay="0"/>
+                                          </p:stCondLst>
+                                        </p:cTn>
+                                        <p:tgtEl>
+                                          <p:spTgt spid="3"/>
+                                        </p:tgtEl>
+                                        <p:attrNameLst>
+                                          <p:attrName>style.visibility</p:attrName>
+                                        </p:attrNameLst>
+                                      </p:cBhvr>
+                                      <p:to>
+                                        <p:strVal val="visible"/>
+                                      </p:to>
+                                    </p:set>
+                                    <p:animEffect transition="in" filter="fade">
+                                      <p:cBhvr>
+                                        <p:cTn id="20" dur="500"/>
+                                        <p:tgtEl>
+                                          <p:spTgt spid="3"/>
+                                        </p:tgtEl>
+                                      </p:cBhvr>
+                                    </p:animEffect>
+                                  </p:childTnLst>
+                                </p:cTn>
+                              </p:par>
+                              <p:par>
+                                <p:cTn id="21" presetID="10" presetClass="entr" presetSubtype="0" fill="hold" nodeType="withEffect">
+                                  <p:stCondLst>
+                                    <p:cond delay="0"/>
+                                  </p:stCondLst>
+                                  <p:childTnLst>
+                                    <p:set>
+                                      <p:cBhvr>
+                                        <p:cTn id="22" dur="1" fill="hold">
+                                          <p:stCondLst>
+                                            <p:cond delay="0"/>
+                                          </p:stCondLst>
+                                        </p:cTn>
+                                        <p:tgtEl>
+                                          <p:spTgt spid="9"/>
+                                        </p:tgtEl>
+                                        <p:attrNameLst>
+                                          <p:attrName>style.visibility</p:attrName>
+                                        </p:attrNameLst>
+                                      </p:cBhvr>
+                                      <p:to>
+                                        <p:strVal val="visible"/>
+                                      </p:to>
+                                    </p:set>
+                                    <p:animEffect transition="in" filter="fade">
+                                      <p:cBhvr>
+                                        <p:cTn id="23" dur="500"/>
+                                        <p:tgtEl>
+                                          <p:spTgt spid="9"/>
+                                        </p:tgtEl>
+                                      </p:cBhvr>
+                                    </p:animEffect>
+                                  </p:childTnLst>
+                                </p:cTn>
+                              </p:par>
+                            </p:childTnLst>
+                          </p:cTn>
+                        </p:par>
+                      </p:childTnLst>
+                    </p:cTn>
+                  </p:par>
+                </p:childTnLst>
+              </p:cTn>
+              <p:prevCondLst>
+                <p:cond evt="onPrev" delay="0">
+                  <p:tgtEl>
+                    <p:sldTgt/>
+                  </p:tgtEl>
+                </p:cond>
+              </p:prevCondLst>
+              <p:nextCondLst>
+                <p:cond evt="onNext" delay="0">
+                  <p:tgtEl>
+                    <p:sldTgt/>
+                  </p:tgtEl>
+                </p:cond>
+              </p:nextCondLst>
+            </p:seq>
+          </p:childTnLst>
+        </p:cTn>
+      </p:par>
+    </p:tnLst>
+    <p:bldLst>
+      <p:bldP spid="2" grpId="0"/>
+      <p:bldP spid="5" grpId="0" build="p"/>
+      <p:bldP spid="10" grpId="0"/>
+    </p:bldLst>
+  </p:timing>
+</p:sld>
+</file>
+
+<file path=ppt/slides/slide16.xml><?xml version="1.0" encoding="utf-8"?>
 <p:sld xmlns:a="http://schemas.openxmlformats.org/drawingml/2006/main" xmlns:r="http://schemas.openxmlformats.org/officeDocument/2006/relationships" xmlns:p="http://schemas.openxmlformats.org/presentationml/2006/main">
   <p:cSld>
     <p:spTree>
@@ -10225,6 +12873,53 @@
           </a:p>
         </p:txBody>
       </p:sp>
+      <p:pic>
+        <p:nvPicPr>
+          <p:cNvPr id="1026" name="Picture 2" descr="Gru&amp;#39;s Plan Meme - Imgflip">
+            <a:extLst>
+              <a:ext uri="{FF2B5EF4-FFF2-40B4-BE49-F238E27FC236}">
+                <a16:creationId xmlns:a16="http://schemas.microsoft.com/office/drawing/2014/main" id="{0E7AE366-B297-4CCA-9D57-4B5CFC238B03}"/>
+              </a:ext>
+            </a:extLst>
+          </p:cNvPr>
+          <p:cNvPicPr>
+            <a:picLocks noChangeAspect="1" noChangeArrowheads="1"/>
+          </p:cNvPicPr>
+          <p:nvPr/>
+        </p:nvPicPr>
+        <p:blipFill>
+          <a:blip r:embed="rId3">
+            <a:extLst>
+              <a:ext uri="{28A0092B-C50C-407E-A947-70E740481C1C}">
+                <a14:useLocalDpi xmlns:a14="http://schemas.microsoft.com/office/drawing/2010/main" val="0"/>
+              </a:ext>
+            </a:extLst>
+          </a:blip>
+          <a:srcRect/>
+          <a:stretch>
+            <a:fillRect/>
+          </a:stretch>
+        </p:blipFill>
+        <p:spPr bwMode="auto">
+          <a:xfrm>
+            <a:off x="6138758" y="2599509"/>
+            <a:ext cx="5050160" cy="3239317"/>
+          </a:xfrm>
+          <a:prstGeom prst="rect">
+            <a:avLst/>
+          </a:prstGeom>
+          <a:noFill/>
+          <a:extLst>
+            <a:ext uri="{909E8E84-426E-40DD-AFC4-6F175D3DCCD1}">
+              <a14:hiddenFill xmlns:a14="http://schemas.microsoft.com/office/drawing/2010/main">
+                <a:solidFill>
+                  <a:srgbClr val="FFFFFF"/>
+                </a:solidFill>
+              </a14:hiddenFill>
+            </a:ext>
+          </a:extLst>
+        </p:spPr>
+      </p:pic>
     </p:spTree>
     <p:extLst>
       <p:ext uri="{BB962C8B-B14F-4D97-AF65-F5344CB8AC3E}">
@@ -10479,6 +13174,59 @@
                       </p:childTnLst>
                     </p:cTn>
                   </p:par>
+                  <p:par>
+                    <p:cTn id="23" fill="hold">
+                      <p:stCondLst>
+                        <p:cond delay="indefinite"/>
+                      </p:stCondLst>
+                      <p:childTnLst>
+                        <p:par>
+                          <p:cTn id="24" fill="hold">
+                            <p:stCondLst>
+                              <p:cond delay="0"/>
+                            </p:stCondLst>
+                            <p:childTnLst>
+                              <p:par>
+                                <p:cTn id="25" presetID="10" presetClass="entr" presetSubtype="0" fill="hold" nodeType="clickEffect">
+                                  <p:stCondLst>
+                                    <p:cond delay="0"/>
+                                  </p:stCondLst>
+                                  <p:childTnLst>
+                                    <p:set>
+                                      <p:cBhvr>
+                                        <p:cTn id="26" dur="1" fill="hold">
+                                          <p:stCondLst>
+                                            <p:cond delay="0"/>
+                                          </p:stCondLst>
+                                        </p:cTn>
+                                        <p:tgtEl>
+                                          <p:spTgt spid="1026"/>
+                                        </p:tgtEl>
+                                        <p:attrNameLst>
+                                          <p:attrName>style.visibility</p:attrName>
+                                        </p:attrNameLst>
+                                      </p:cBhvr>
+                                      <p:to>
+                                        <p:strVal val="visible"/>
+                                      </p:to>
+                                    </p:set>
+                                    <p:animEffect transition="in" filter="fade">
+                                      <p:cBhvr>
+                                        <p:cTn id="27" dur="500"/>
+                                        <p:tgtEl>
+                                          <p:spTgt spid="1026"/>
+                                        </p:tgtEl>
+                                      </p:cBhvr>
+                                    </p:animEffect>
+                                  </p:childTnLst>
+                                </p:cTn>
+                              </p:par>
+                            </p:childTnLst>
+                          </p:cTn>
+                        </p:par>
+                      </p:childTnLst>
+                    </p:cTn>
+                  </p:par>
                 </p:childTnLst>
               </p:cTn>
               <p:prevCondLst>
@@ -10861,7 +13609,7 @@
             <p:ph idx="1"/>
             <p:extLst>
               <p:ext uri="{D42A27DB-BD31-4B8C-83A1-F6EECF244321}">
-                <p14:modId xmlns:p14="http://schemas.microsoft.com/office/powerpoint/2010/main" val="1604393299"/>
+                <p14:modId xmlns:p14="http://schemas.microsoft.com/office/powerpoint/2010/main" val="3791486072"/>
               </p:ext>
             </p:extLst>
           </p:nvPr>
@@ -10872,7 +13620,7 @@
         </p:xfrm>
         <a:graphic>
           <a:graphicData uri="http://schemas.openxmlformats.org/drawingml/2006/diagram">
-            <dgm:relIds xmlns:dgm="http://schemas.openxmlformats.org/drawingml/2006/diagram" xmlns:r="http://schemas.openxmlformats.org/officeDocument/2006/relationships" r:dm="rId2" r:lo="rId3" r:qs="rId4" r:cs="rId5"/>
+            <dgm:relIds xmlns:dgm="http://schemas.openxmlformats.org/drawingml/2006/diagram" xmlns:r="http://schemas.openxmlformats.org/officeDocument/2006/relationships" r:dm="rId3" r:lo="rId4" r:qs="rId5" r:cs="rId6"/>
           </a:graphicData>
         </a:graphic>
       </p:graphicFrame>
@@ -11478,7 +14226,10 @@
     <p:bg>
       <p:bgPr>
         <a:solidFill>
-          <a:schemeClr val="bg1"/>
+          <a:schemeClr val="bg1">
+            <a:tint val="95000"/>
+            <a:satMod val="170000"/>
+          </a:schemeClr>
         </a:solidFill>
         <a:effectLst/>
       </p:bgPr>
@@ -11497,12 +14248,47 @@
           <a:chExt cx="0" cy="0"/>
         </a:xfrm>
       </p:grpSpPr>
-      <p:sp useBgFill="1">
+      <p:sp>
         <p:nvSpPr>
-          <p:cNvPr id="71" name="Rectangle 70">
+          <p:cNvPr id="2" name="Title 1">
             <a:extLst>
               <a:ext uri="{FF2B5EF4-FFF2-40B4-BE49-F238E27FC236}">
-                <a16:creationId xmlns:a16="http://schemas.microsoft.com/office/drawing/2014/main" id="{6EFC920F-B85A-4068-BD93-41064EDE93D3}"/>
+                <a16:creationId xmlns:a16="http://schemas.microsoft.com/office/drawing/2014/main" id="{64794BB7-348B-40C3-B4B9-F2211543F77E}"/>
+              </a:ext>
+            </a:extLst>
+          </p:cNvPr>
+          <p:cNvSpPr>
+            <a:spLocks noGrp="1"/>
+          </p:cNvSpPr>
+          <p:nvPr>
+            <p:ph type="title"/>
+          </p:nvPr>
+        </p:nvSpPr>
+        <p:spPr>
+          <a:xfrm>
+            <a:off x="7464614" y="1783959"/>
+            <a:ext cx="4087306" cy="2889114"/>
+          </a:xfrm>
+        </p:spPr>
+        <p:txBody>
+          <a:bodyPr vert="horz" lIns="91440" tIns="45720" rIns="91440" bIns="45720" rtlCol="0" anchor="b">
+            <a:normAutofit/>
+          </a:bodyPr>
+          <a:lstStyle/>
+          <a:p>
+            <a:r>
+              <a:rPr lang="en-US" sz="5400"/>
+              <a:t>Breadth of (IoT in) the wild</a:t>
+            </a:r>
+          </a:p>
+        </p:txBody>
+      </p:sp>
+      <p:sp>
+        <p:nvSpPr>
+          <p:cNvPr id="10" name="Freeform: Shape 9">
+            <a:extLst>
+              <a:ext uri="{FF2B5EF4-FFF2-40B4-BE49-F238E27FC236}">
+                <a16:creationId xmlns:a16="http://schemas.microsoft.com/office/drawing/2014/main" id="{E49CC64F-7275-4E33-961B-0C5CDC439875}"/>
               </a:ext>
               <a:ext uri="{C183D7F6-B498-43B3-948B-1728B52AA6E4}">
                 <adec:decorative xmlns:adec="http://schemas.microsoft.com/office/drawing/2017/decorative" val="1"/>
@@ -11521,334 +14307,88 @@
           </p:nvPr>
         </p:nvSpPr>
         <p:spPr>
-          <a:xfrm>
-            <a:off x="0" y="0"/>
-            <a:ext cx="12191999" cy="6857365"/>
+          <a:xfrm flipH="1" flipV="1">
+            <a:off x="1" y="0"/>
+            <a:ext cx="7188051" cy="6858000"/>
           </a:xfrm>
-          <a:prstGeom prst="rect">
+          <a:custGeom>
             <a:avLst/>
-          </a:prstGeom>
-          <a:ln>
-            <a:noFill/>
-          </a:ln>
-        </p:spPr>
-        <p:style>
-          <a:lnRef idx="2">
-            <a:schemeClr val="accent1">
-              <a:shade val="50000"/>
+            <a:gdLst>
+              <a:gd name="connsiteX0" fmla="*/ 7188051 w 7188051"/>
+              <a:gd name="connsiteY0" fmla="*/ 6858000 h 6858000"/>
+              <a:gd name="connsiteX1" fmla="*/ 108694 w 7188051"/>
+              <a:gd name="connsiteY1" fmla="*/ 6858000 h 6858000"/>
+              <a:gd name="connsiteX2" fmla="*/ 79127 w 7188051"/>
+              <a:gd name="connsiteY2" fmla="*/ 6681235 h 6858000"/>
+              <a:gd name="connsiteX3" fmla="*/ 0 w 7188051"/>
+              <a:gd name="connsiteY3" fmla="*/ 5565888 h 6858000"/>
+              <a:gd name="connsiteX4" fmla="*/ 2190696 w 7188051"/>
+              <a:gd name="connsiteY4" fmla="*/ 145339 h 6858000"/>
+              <a:gd name="connsiteX5" fmla="*/ 2339431 w 7188051"/>
+              <a:gd name="connsiteY5" fmla="*/ 0 h 6858000"/>
+              <a:gd name="connsiteX6" fmla="*/ 7188051 w 7188051"/>
+              <a:gd name="connsiteY6" fmla="*/ 0 h 6858000"/>
+            </a:gdLst>
+            <a:ahLst/>
+            <a:cxnLst>
+              <a:cxn ang="0">
+                <a:pos x="connsiteX0" y="connsiteY0"/>
+              </a:cxn>
+              <a:cxn ang="0">
+                <a:pos x="connsiteX1" y="connsiteY1"/>
+              </a:cxn>
+              <a:cxn ang="0">
+                <a:pos x="connsiteX2" y="connsiteY2"/>
+              </a:cxn>
+              <a:cxn ang="0">
+                <a:pos x="connsiteX3" y="connsiteY3"/>
+              </a:cxn>
+              <a:cxn ang="0">
+                <a:pos x="connsiteX4" y="connsiteY4"/>
+              </a:cxn>
+              <a:cxn ang="0">
+                <a:pos x="connsiteX5" y="connsiteY5"/>
+              </a:cxn>
+              <a:cxn ang="0">
+                <a:pos x="connsiteX6" y="connsiteY6"/>
+              </a:cxn>
+            </a:cxnLst>
+            <a:rect l="l" t="t" r="r" b="b"/>
+            <a:pathLst>
+              <a:path w="7188051" h="6858000">
+                <a:moveTo>
+                  <a:pt x="7188051" y="6858000"/>
+                </a:moveTo>
+                <a:lnTo>
+                  <a:pt x="108694" y="6858000"/>
+                </a:lnTo>
+                <a:lnTo>
+                  <a:pt x="79127" y="6681235"/>
+                </a:lnTo>
+                <a:cubicBezTo>
+                  <a:pt x="26981" y="6316967"/>
+                  <a:pt x="0" y="5944579"/>
+                  <a:pt x="0" y="5565888"/>
+                </a:cubicBezTo>
+                <a:cubicBezTo>
+                  <a:pt x="0" y="3459953"/>
+                  <a:pt x="834428" y="1548908"/>
+                  <a:pt x="2190696" y="145339"/>
+                </a:cubicBezTo>
+                <a:lnTo>
+                  <a:pt x="2339431" y="0"/>
+                </a:lnTo>
+                <a:lnTo>
+                  <a:pt x="7188051" y="0"/>
+                </a:lnTo>
+                <a:close/>
+              </a:path>
+            </a:pathLst>
+          </a:custGeom>
+          <a:solidFill>
+            <a:schemeClr val="tx1">
+              <a:alpha val="80000"/>
             </a:schemeClr>
-          </a:lnRef>
-          <a:fillRef idx="1">
-            <a:schemeClr val="accent1"/>
-          </a:fillRef>
-          <a:effectRef idx="0">
-            <a:schemeClr val="accent1"/>
-          </a:effectRef>
-          <a:fontRef idx="minor">
-            <a:schemeClr val="lt1"/>
-          </a:fontRef>
-        </p:style>
-        <p:txBody>
-          <a:bodyPr rtlCol="0" anchor="ctr"/>
-          <a:lstStyle/>
-          <a:p>
-            <a:pPr algn="ctr"/>
-            <a:endParaRPr lang="en-US"/>
-          </a:p>
-        </p:txBody>
-      </p:sp>
-      <p:grpSp>
-        <p:nvGrpSpPr>
-          <p:cNvPr id="73" name="Group 72">
-            <a:extLst>
-              <a:ext uri="{FF2B5EF4-FFF2-40B4-BE49-F238E27FC236}">
-                <a16:creationId xmlns:a16="http://schemas.microsoft.com/office/drawing/2014/main" id="{1C559108-BBAE-426C-8564-051D2BA6DDC8}"/>
-              </a:ext>
-              <a:ext uri="{C183D7F6-B498-43B3-948B-1728B52AA6E4}">
-                <adec:decorative xmlns:adec="http://schemas.microsoft.com/office/drawing/2017/decorative" val="1"/>
-              </a:ext>
-            </a:extLst>
-          </p:cNvPr>
-          <p:cNvGrpSpPr>
-            <a:grpSpLocks noGrp="1" noUngrp="1" noRot="1" noChangeAspect="1" noMove="1" noResize="1"/>
-          </p:cNvGrpSpPr>
-          <p:nvPr>
-            <p:extLst>
-              <p:ext uri="{386F3935-93C4-4BCD-93E2-E3B085C9AB24}">
-                <p16:designElem xmlns:p16="http://schemas.microsoft.com/office/powerpoint/2015/main" val="1"/>
-              </p:ext>
-            </p:extLst>
-          </p:nvPr>
-        </p:nvGrpSpPr>
-        <p:grpSpPr>
-          <a:xfrm rot="5400000">
-            <a:off x="-2340441" y="2666183"/>
-            <a:ext cx="5860051" cy="527712"/>
-            <a:chOff x="6081624" y="1998368"/>
-            <a:chExt cx="5613457" cy="782175"/>
-          </a:xfrm>
-          <a:solidFill>
-            <a:schemeClr val="accent4"/>
-          </a:solidFill>
-        </p:grpSpPr>
-        <p:sp>
-          <p:nvSpPr>
-            <p:cNvPr id="74" name="Rectangle 73">
-              <a:extLst>
-                <a:ext uri="{FF2B5EF4-FFF2-40B4-BE49-F238E27FC236}">
-                  <a16:creationId xmlns:a16="http://schemas.microsoft.com/office/drawing/2014/main" id="{42BC35EE-6650-42D2-AEFB-4B7CD1AFC9BD}"/>
-                </a:ext>
-                <a:ext uri="{C183D7F6-B498-43B3-948B-1728B52AA6E4}">
-                  <adec:decorative xmlns:adec="http://schemas.microsoft.com/office/drawing/2017/decorative" val="1"/>
-                </a:ext>
-              </a:extLst>
-            </p:cNvPr>
-            <p:cNvSpPr/>
-            <p:nvPr>
-              <p:extLst>
-                <p:ext uri="{386F3935-93C4-4BCD-93E2-E3B085C9AB24}">
-                  <p16:designElem xmlns:p16="http://schemas.microsoft.com/office/powerpoint/2015/main" val="1"/>
-                </p:ext>
-              </p:extLst>
-            </p:nvPr>
-          </p:nvSpPr>
-          <p:spPr>
-            <a:xfrm rot="5400000">
-              <a:off x="11228040" y="2313027"/>
-              <a:ext cx="781700" cy="152382"/>
-            </a:xfrm>
-            <a:prstGeom prst="rect">
-              <a:avLst/>
-            </a:prstGeom>
-            <a:grpFill/>
-            <a:ln>
-              <a:noFill/>
-            </a:ln>
-          </p:spPr>
-          <p:style>
-            <a:lnRef idx="2">
-              <a:schemeClr val="accent1">
-                <a:shade val="50000"/>
-              </a:schemeClr>
-            </a:lnRef>
-            <a:fillRef idx="1">
-              <a:schemeClr val="accent1"/>
-            </a:fillRef>
-            <a:effectRef idx="0">
-              <a:schemeClr val="accent1"/>
-            </a:effectRef>
-            <a:fontRef idx="minor">
-              <a:schemeClr val="lt1"/>
-            </a:fontRef>
-          </p:style>
-          <p:txBody>
-            <a:bodyPr rtlCol="0" anchor="ctr"/>
-            <a:lstStyle/>
-            <a:p>
-              <a:pPr algn="ctr"/>
-              <a:endParaRPr lang="en-US"/>
-            </a:p>
-          </p:txBody>
-        </p:sp>
-        <p:sp>
-          <p:nvSpPr>
-            <p:cNvPr id="75" name="Rectangle 74">
-              <a:extLst>
-                <a:ext uri="{FF2B5EF4-FFF2-40B4-BE49-F238E27FC236}">
-                  <a16:creationId xmlns:a16="http://schemas.microsoft.com/office/drawing/2014/main" id="{0952C743-9049-4DFB-878B-2AB07B6E4FD1}"/>
-                </a:ext>
-                <a:ext uri="{C183D7F6-B498-43B3-948B-1728B52AA6E4}">
-                  <adec:decorative xmlns:adec="http://schemas.microsoft.com/office/drawing/2017/decorative" val="1"/>
-                </a:ext>
-              </a:extLst>
-            </p:cNvPr>
-            <p:cNvSpPr/>
-            <p:nvPr>
-              <p:extLst>
-                <p:ext uri="{386F3935-93C4-4BCD-93E2-E3B085C9AB24}">
-                  <p16:designElem xmlns:p16="http://schemas.microsoft.com/office/powerpoint/2015/main" val="1"/>
-                </p:ext>
-              </p:extLst>
-            </p:nvPr>
-          </p:nvSpPr>
-          <p:spPr>
-            <a:xfrm flipH="1" flipV="1">
-              <a:off x="6081624" y="1998844"/>
-              <a:ext cx="5372968" cy="781699"/>
-            </a:xfrm>
-            <a:prstGeom prst="rect">
-              <a:avLst/>
-            </a:prstGeom>
-            <a:grpFill/>
-            <a:ln>
-              <a:noFill/>
-            </a:ln>
-          </p:spPr>
-          <p:style>
-            <a:lnRef idx="2">
-              <a:schemeClr val="accent1">
-                <a:shade val="50000"/>
-              </a:schemeClr>
-            </a:lnRef>
-            <a:fillRef idx="1">
-              <a:schemeClr val="accent1"/>
-            </a:fillRef>
-            <a:effectRef idx="0">
-              <a:schemeClr val="accent1"/>
-            </a:effectRef>
-            <a:fontRef idx="minor">
-              <a:schemeClr val="lt1"/>
-            </a:fontRef>
-          </p:style>
-          <p:txBody>
-            <a:bodyPr rtlCol="0" anchor="ctr"/>
-            <a:lstStyle/>
-            <a:p>
-              <a:pPr algn="ctr"/>
-              <a:endParaRPr lang="en-US"/>
-            </a:p>
-          </p:txBody>
-        </p:sp>
-      </p:grpSp>
-      <p:sp>
-        <p:nvSpPr>
-          <p:cNvPr id="77" name="Rectangle 76">
-            <a:extLst>
-              <a:ext uri="{FF2B5EF4-FFF2-40B4-BE49-F238E27FC236}">
-                <a16:creationId xmlns:a16="http://schemas.microsoft.com/office/drawing/2014/main" id="{CBC4F608-B4B8-48C3-9572-C0F061B1CD99}"/>
-              </a:ext>
-              <a:ext uri="{C183D7F6-B498-43B3-948B-1728B52AA6E4}">
-                <adec:decorative xmlns:adec="http://schemas.microsoft.com/office/drawing/2017/decorative" val="1"/>
-              </a:ext>
-            </a:extLst>
-          </p:cNvPr>
-          <p:cNvSpPr>
-            <a:spLocks noGrp="1" noRot="1" noChangeAspect="1" noMove="1" noResize="1" noEditPoints="1" noAdjustHandles="1" noChangeArrowheads="1" noChangeShapeType="1" noTextEdit="1"/>
-          </p:cNvSpPr>
-          <p:nvPr>
-            <p:extLst>
-              <p:ext uri="{386F3935-93C4-4BCD-93E2-E3B085C9AB24}">
-                <p16:designElem xmlns:p16="http://schemas.microsoft.com/office/powerpoint/2015/main" val="1"/>
-              </p:ext>
-            </p:extLst>
-          </p:nvPr>
-        </p:nvSpPr>
-        <p:spPr>
-          <a:xfrm>
-            <a:off x="579528" y="922919"/>
-            <a:ext cx="11111729" cy="5461252"/>
-          </a:xfrm>
-          <a:prstGeom prst="rect">
-            <a:avLst/>
-          </a:prstGeom>
-          <a:solidFill>
-            <a:schemeClr val="bg1"/>
-          </a:solidFill>
-          <a:ln>
-            <a:noFill/>
-          </a:ln>
-          <a:effectLst>
-            <a:outerShdw blurRad="139700" dist="127000" dir="5400000" algn="t" rotWithShape="0">
-              <a:prstClr val="black">
-                <a:alpha val="15000"/>
-              </a:prstClr>
-            </a:outerShdw>
-          </a:effectLst>
-        </p:spPr>
-        <p:style>
-          <a:lnRef idx="2">
-            <a:schemeClr val="accent1">
-              <a:shade val="50000"/>
-            </a:schemeClr>
-          </a:lnRef>
-          <a:fillRef idx="1">
-            <a:schemeClr val="accent1"/>
-          </a:fillRef>
-          <a:effectRef idx="0">
-            <a:schemeClr val="accent1"/>
-          </a:effectRef>
-          <a:fontRef idx="minor">
-            <a:schemeClr val="lt1"/>
-          </a:fontRef>
-        </p:style>
-        <p:txBody>
-          <a:bodyPr rtlCol="0" anchor="ctr"/>
-          <a:lstStyle/>
-          <a:p>
-            <a:pPr algn="ctr"/>
-            <a:endParaRPr lang="en-US"/>
-          </a:p>
-        </p:txBody>
-      </p:sp>
-      <p:sp>
-        <p:nvSpPr>
-          <p:cNvPr id="2" name="Title 1">
-            <a:extLst>
-              <a:ext uri="{FF2B5EF4-FFF2-40B4-BE49-F238E27FC236}">
-                <a16:creationId xmlns:a16="http://schemas.microsoft.com/office/drawing/2014/main" id="{6AC6885C-5C44-4F68-9059-E08E2C6B855E}"/>
-              </a:ext>
-            </a:extLst>
-          </p:cNvPr>
-          <p:cNvSpPr>
-            <a:spLocks noGrp="1"/>
-          </p:cNvSpPr>
-          <p:nvPr>
-            <p:ph type="title"/>
-          </p:nvPr>
-        </p:nvSpPr>
-        <p:spPr>
-          <a:xfrm>
-            <a:off x="1099425" y="1238081"/>
-            <a:ext cx="4709345" cy="962953"/>
-          </a:xfrm>
-        </p:spPr>
-        <p:txBody>
-          <a:bodyPr anchor="b">
-            <a:normAutofit/>
-          </a:bodyPr>
-          <a:lstStyle/>
-          <a:p>
-            <a:r>
-              <a:rPr lang="en-US" sz="3800" dirty="0"/>
-              <a:t>ENISA</a:t>
-            </a:r>
-            <a:endParaRPr lang="en-CH" sz="3800" dirty="0"/>
-          </a:p>
-        </p:txBody>
-      </p:sp>
-      <p:sp>
-        <p:nvSpPr>
-          <p:cNvPr id="79" name="Rectangle 78">
-            <a:extLst>
-              <a:ext uri="{FF2B5EF4-FFF2-40B4-BE49-F238E27FC236}">
-                <a16:creationId xmlns:a16="http://schemas.microsoft.com/office/drawing/2014/main" id="{1382A32C-5B0C-4B1C-A074-76C6DBCC9F87}"/>
-              </a:ext>
-              <a:ext uri="{C183D7F6-B498-43B3-948B-1728B52AA6E4}">
-                <adec:decorative xmlns:adec="http://schemas.microsoft.com/office/drawing/2017/decorative" val="1"/>
-              </a:ext>
-            </a:extLst>
-          </p:cNvPr>
-          <p:cNvSpPr>
-            <a:spLocks noGrp="1" noRot="1" noChangeAspect="1" noMove="1" noResize="1" noEditPoints="1" noAdjustHandles="1" noChangeArrowheads="1" noChangeShapeType="1" noTextEdit="1"/>
-          </p:cNvSpPr>
-          <p:nvPr>
-            <p:extLst>
-              <p:ext uri="{386F3935-93C4-4BCD-93E2-E3B085C9AB24}">
-                <p16:designElem xmlns:p16="http://schemas.microsoft.com/office/powerpoint/2015/main" val="1"/>
-              </p:ext>
-            </p:extLst>
-          </p:nvPr>
-        </p:nvSpPr>
-        <p:spPr>
-          <a:xfrm flipH="1">
-            <a:off x="1139885" y="2372170"/>
-            <a:ext cx="4389120" cy="27432"/>
-          </a:xfrm>
-          <a:prstGeom prst="rect">
-            <a:avLst/>
-          </a:prstGeom>
-          <a:solidFill>
-            <a:schemeClr val="accent4"/>
           </a:solidFill>
           <a:ln>
             <a:noFill/>
@@ -11871,492 +14411,103 @@
           </a:fontRef>
         </p:style>
         <p:txBody>
-          <a:bodyPr rtlCol="0" anchor="ctr"/>
+          <a:bodyPr wrap="square" rtlCol="0" anchor="ctr">
+            <a:noAutofit/>
+          </a:bodyPr>
           <a:lstStyle/>
           <a:p>
             <a:pPr algn="ctr"/>
             <a:endParaRPr lang="en-US"/>
-          </a:p>
-        </p:txBody>
-      </p:sp>
-      <p:sp>
-        <p:nvSpPr>
-          <p:cNvPr id="3" name="Content Placeholder 2">
-            <a:extLst>
-              <a:ext uri="{FF2B5EF4-FFF2-40B4-BE49-F238E27FC236}">
-                <a16:creationId xmlns:a16="http://schemas.microsoft.com/office/drawing/2014/main" id="{3BB95D90-21FF-4CD7-AA3D-84AFE9875E5A}"/>
-              </a:ext>
-            </a:extLst>
-          </p:cNvPr>
-          <p:cNvSpPr>
-            <a:spLocks noGrp="1"/>
-          </p:cNvSpPr>
-          <p:nvPr>
-            <p:ph idx="1"/>
-          </p:nvPr>
-        </p:nvSpPr>
-        <p:spPr>
-          <a:xfrm>
-            <a:off x="1100736" y="2508105"/>
-            <a:ext cx="4709345" cy="3632493"/>
-          </a:xfrm>
-        </p:spPr>
-        <p:txBody>
-          <a:bodyPr anchor="ctr">
-            <a:normAutofit/>
-          </a:bodyPr>
-          <a:lstStyle/>
-          <a:p>
-            <a:r>
-              <a:rPr lang="en-US" sz="2400" dirty="0"/>
-              <a:t>EU Cybersecurity Agency</a:t>
-            </a:r>
-          </a:p>
-          <a:p>
-            <a:endParaRPr lang="en-US" sz="2400" dirty="0"/>
-          </a:p>
-          <a:p>
-            <a:r>
-              <a:rPr lang="en-US" sz="2400" dirty="0"/>
-              <a:t>Publishes recommendations</a:t>
-            </a:r>
-          </a:p>
-          <a:p>
-            <a:endParaRPr lang="en-US" sz="2400" dirty="0"/>
-          </a:p>
-          <a:p>
-            <a:r>
-              <a:rPr lang="en-US" sz="2400" dirty="0"/>
-              <a:t>Hosts forums and conferences</a:t>
-            </a:r>
           </a:p>
         </p:txBody>
       </p:sp>
       <p:pic>
         <p:nvPicPr>
-          <p:cNvPr id="4098" name="Picture 2" descr="European Union Agency for Cybersecurity (ENISA)">
+          <p:cNvPr id="5" name="Content Placeholder 4" descr="A picture containing grass&#10;&#10;Description automatically generated">
             <a:extLst>
               <a:ext uri="{FF2B5EF4-FFF2-40B4-BE49-F238E27FC236}">
-                <a16:creationId xmlns:a16="http://schemas.microsoft.com/office/drawing/2014/main" id="{64F0D5B7-4385-42F9-B619-8ED49E3644B7}"/>
+                <a16:creationId xmlns:a16="http://schemas.microsoft.com/office/drawing/2014/main" id="{9F6F3894-59FF-411B-99AD-B8230D1D0457}"/>
               </a:ext>
             </a:extLst>
           </p:cNvPr>
           <p:cNvPicPr>
-            <a:picLocks noChangeAspect="1" noChangeArrowheads="1"/>
+            <a:picLocks noGrp="1" noChangeAspect="1"/>
           </p:cNvPicPr>
-          <p:nvPr/>
+          <p:nvPr>
+            <p:ph idx="1"/>
+          </p:nvPr>
         </p:nvPicPr>
         <p:blipFill rotWithShape="1">
-          <a:blip r:embed="rId3">
+          <a:blip r:embed="rId2">
             <a:extLst>
               <a:ext uri="{28A0092B-C50C-407E-A947-70E740481C1C}">
                 <a14:useLocalDpi xmlns:a14="http://schemas.microsoft.com/office/drawing/2010/main" val="0"/>
               </a:ext>
             </a:extLst>
           </a:blip>
-          <a:srcRect t="1912" r="-2" b="2536"/>
+          <a:srcRect r="11862"/>
           <a:stretch/>
         </p:blipFill>
-        <p:spPr bwMode="auto">
+        <p:spPr>
           <a:xfrm>
-            <a:off x="7727049" y="2665692"/>
-            <a:ext cx="2047239" cy="1975706"/>
+            <a:off x="1" y="10"/>
+            <a:ext cx="7028495" cy="6857990"/>
           </a:xfrm>
-          <a:prstGeom prst="rect">
+          <a:custGeom>
             <a:avLst/>
-          </a:prstGeom>
-          <a:noFill/>
-          <a:extLst>
-            <a:ext uri="{909E8E84-426E-40DD-AFC4-6F175D3DCCD1}">
-              <a14:hiddenFill xmlns:a14="http://schemas.microsoft.com/office/drawing/2010/main">
-                <a:solidFill>
-                  <a:srgbClr val="FFFFFF"/>
-                </a:solidFill>
-              </a14:hiddenFill>
-            </a:ext>
-          </a:extLst>
+            <a:gdLst/>
+            <a:ahLst/>
+            <a:cxnLst/>
+            <a:rect l="l" t="t" r="r" b="b"/>
+            <a:pathLst>
+              <a:path w="7028495" h="6858000">
+                <a:moveTo>
+                  <a:pt x="0" y="0"/>
+                </a:moveTo>
+                <a:lnTo>
+                  <a:pt x="6915668" y="0"/>
+                </a:lnTo>
+                <a:lnTo>
+                  <a:pt x="6952411" y="219663"/>
+                </a:lnTo>
+                <a:cubicBezTo>
+                  <a:pt x="7002551" y="569921"/>
+                  <a:pt x="7028495" y="927986"/>
+                  <a:pt x="7028495" y="1292112"/>
+                </a:cubicBezTo>
+                <a:cubicBezTo>
+                  <a:pt x="7028495" y="3343346"/>
+                  <a:pt x="6205186" y="5202289"/>
+                  <a:pt x="4870994" y="6556512"/>
+                </a:cubicBezTo>
+                <a:lnTo>
+                  <a:pt x="4556185" y="6858000"/>
+                </a:lnTo>
+                <a:lnTo>
+                  <a:pt x="0" y="6858000"/>
+                </a:lnTo>
+                <a:close/>
+              </a:path>
+            </a:pathLst>
+          </a:custGeom>
         </p:spPr>
       </p:pic>
-      <p:sp>
-        <p:nvSpPr>
-          <p:cNvPr id="11" name="TextBox 10">
-            <a:extLst>
-              <a:ext uri="{FF2B5EF4-FFF2-40B4-BE49-F238E27FC236}">
-                <a16:creationId xmlns:a16="http://schemas.microsoft.com/office/drawing/2014/main" id="{B43BECA4-E6C3-49E7-8F19-02C58A0DBBB2}"/>
-              </a:ext>
-            </a:extLst>
-          </p:cNvPr>
-          <p:cNvSpPr txBox="1"/>
-          <p:nvPr/>
-        </p:nvSpPr>
-        <p:spPr>
-          <a:xfrm>
-            <a:off x="0" y="6396335"/>
-            <a:ext cx="2103121" cy="461665"/>
-          </a:xfrm>
-          <a:prstGeom prst="rect">
-            <a:avLst/>
-          </a:prstGeom>
-          <a:noFill/>
-        </p:spPr>
-        <p:txBody>
-          <a:bodyPr wrap="square">
-            <a:spAutoFit/>
-          </a:bodyPr>
-          <a:lstStyle/>
-          <a:p>
-            <a:r>
-              <a:rPr lang="en-US" sz="2400" dirty="0">
-                <a:solidFill>
-                  <a:schemeClr val="tx2">
-                    <a:lumMod val="75000"/>
-                  </a:schemeClr>
-                </a:solidFill>
-              </a:rPr>
-              <a:t>@AtomicNicos</a:t>
-            </a:r>
-            <a:endParaRPr lang="en-CH" sz="2400" dirty="0">
-              <a:solidFill>
-                <a:schemeClr val="tx2">
-                  <a:lumMod val="75000"/>
-                </a:schemeClr>
-              </a:solidFill>
-            </a:endParaRPr>
-          </a:p>
-        </p:txBody>
-      </p:sp>
     </p:spTree>
     <p:extLst>
       <p:ext uri="{BB962C8B-B14F-4D97-AF65-F5344CB8AC3E}">
-        <p14:creationId xmlns:p14="http://schemas.microsoft.com/office/powerpoint/2010/main" val="307405958"/>
+        <p14:creationId xmlns:p14="http://schemas.microsoft.com/office/powerpoint/2010/main" val="2418320118"/>
       </p:ext>
     </p:extLst>
   </p:cSld>
   <p:clrMapOvr>
     <a:masterClrMapping/>
   </p:clrMapOvr>
-  <p:timing>
-    <p:tnLst>
-      <p:par>
-        <p:cTn id="1" dur="indefinite" restart="never" nodeType="tmRoot">
-          <p:childTnLst>
-            <p:seq concurrent="1" nextAc="seek">
-              <p:cTn id="2" dur="indefinite" nodeType="mainSeq">
-                <p:childTnLst>
-                  <p:par>
-                    <p:cTn id="3" fill="hold">
-                      <p:stCondLst>
-                        <p:cond delay="indefinite"/>
-                        <p:cond evt="onBegin" delay="0">
-                          <p:tn val="2"/>
-                        </p:cond>
-                      </p:stCondLst>
-                      <p:childTnLst>
-                        <p:par>
-                          <p:cTn id="4" fill="hold">
-                            <p:stCondLst>
-                              <p:cond delay="0"/>
-                            </p:stCondLst>
-                            <p:childTnLst>
-                              <p:par>
-                                <p:cTn id="5" presetID="10" presetClass="entr" presetSubtype="0" fill="hold" grpId="0" nodeType="withEffect">
-                                  <p:stCondLst>
-                                    <p:cond delay="0"/>
-                                  </p:stCondLst>
-                                  <p:childTnLst>
-                                    <p:set>
-                                      <p:cBhvr>
-                                        <p:cTn id="6" dur="1" fill="hold">
-                                          <p:stCondLst>
-                                            <p:cond delay="0"/>
-                                          </p:stCondLst>
-                                        </p:cTn>
-                                        <p:tgtEl>
-                                          <p:spTgt spid="2"/>
-                                        </p:tgtEl>
-                                        <p:attrNameLst>
-                                          <p:attrName>style.visibility</p:attrName>
-                                        </p:attrNameLst>
-                                      </p:cBhvr>
-                                      <p:to>
-                                        <p:strVal val="visible"/>
-                                      </p:to>
-                                    </p:set>
-                                    <p:animEffect transition="in" filter="fade">
-                                      <p:cBhvr>
-                                        <p:cTn id="7" dur="500"/>
-                                        <p:tgtEl>
-                                          <p:spTgt spid="2"/>
-                                        </p:tgtEl>
-                                      </p:cBhvr>
-                                    </p:animEffect>
-                                  </p:childTnLst>
-                                </p:cTn>
-                              </p:par>
-                              <p:par>
-                                <p:cTn id="8" presetID="10" presetClass="entr" presetSubtype="0" fill="hold" nodeType="withEffect">
-                                  <p:stCondLst>
-                                    <p:cond delay="0"/>
-                                  </p:stCondLst>
-                                  <p:childTnLst>
-                                    <p:set>
-                                      <p:cBhvr>
-                                        <p:cTn id="9" dur="1" fill="hold">
-                                          <p:stCondLst>
-                                            <p:cond delay="0"/>
-                                          </p:stCondLst>
-                                        </p:cTn>
-                                        <p:tgtEl>
-                                          <p:spTgt spid="4098"/>
-                                        </p:tgtEl>
-                                        <p:attrNameLst>
-                                          <p:attrName>style.visibility</p:attrName>
-                                        </p:attrNameLst>
-                                      </p:cBhvr>
-                                      <p:to>
-                                        <p:strVal val="visible"/>
-                                      </p:to>
-                                    </p:set>
-                                    <p:animEffect transition="in" filter="fade">
-                                      <p:cBhvr>
-                                        <p:cTn id="10" dur="500"/>
-                                        <p:tgtEl>
-                                          <p:spTgt spid="4098"/>
-                                        </p:tgtEl>
-                                      </p:cBhvr>
-                                    </p:animEffect>
-                                  </p:childTnLst>
-                                </p:cTn>
-                              </p:par>
-                            </p:childTnLst>
-                          </p:cTn>
-                        </p:par>
-                      </p:childTnLst>
-                    </p:cTn>
-                  </p:par>
-                  <p:par>
-                    <p:cTn id="11" fill="hold">
-                      <p:stCondLst>
-                        <p:cond delay="indefinite"/>
-                      </p:stCondLst>
-                      <p:childTnLst>
-                        <p:par>
-                          <p:cTn id="12" fill="hold">
-                            <p:stCondLst>
-                              <p:cond delay="0"/>
-                            </p:stCondLst>
-                            <p:childTnLst>
-                              <p:par>
-                                <p:cTn id="13" presetID="10" presetClass="entr" presetSubtype="0" fill="hold" grpId="0" nodeType="clickEffect">
-                                  <p:stCondLst>
-                                    <p:cond delay="0"/>
-                                  </p:stCondLst>
-                                  <p:childTnLst>
-                                    <p:set>
-                                      <p:cBhvr>
-                                        <p:cTn id="14" dur="1" fill="hold">
-                                          <p:stCondLst>
-                                            <p:cond delay="0"/>
-                                          </p:stCondLst>
-                                        </p:cTn>
-                                        <p:tgtEl>
-                                          <p:spTgt spid="3">
-                                            <p:txEl>
-                                              <p:pRg st="0" end="0"/>
-                                            </p:txEl>
-                                          </p:spTgt>
-                                        </p:tgtEl>
-                                        <p:attrNameLst>
-                                          <p:attrName>style.visibility</p:attrName>
-                                        </p:attrNameLst>
-                                      </p:cBhvr>
-                                      <p:to>
-                                        <p:strVal val="visible"/>
-                                      </p:to>
-                                    </p:set>
-                                    <p:animEffect transition="in" filter="fade">
-                                      <p:cBhvr>
-                                        <p:cTn id="15" dur="500"/>
-                                        <p:tgtEl>
-                                          <p:spTgt spid="3">
-                                            <p:txEl>
-                                              <p:pRg st="0" end="0"/>
-                                            </p:txEl>
-                                          </p:spTgt>
-                                        </p:tgtEl>
-                                      </p:cBhvr>
-                                    </p:animEffect>
-                                  </p:childTnLst>
-                                </p:cTn>
-                              </p:par>
-                            </p:childTnLst>
-                          </p:cTn>
-                        </p:par>
-                      </p:childTnLst>
-                    </p:cTn>
-                  </p:par>
-                  <p:par>
-                    <p:cTn id="16" fill="hold">
-                      <p:stCondLst>
-                        <p:cond delay="indefinite"/>
-                      </p:stCondLst>
-                      <p:childTnLst>
-                        <p:par>
-                          <p:cTn id="17" fill="hold">
-                            <p:stCondLst>
-                              <p:cond delay="0"/>
-                            </p:stCondLst>
-                            <p:childTnLst>
-                              <p:par>
-                                <p:cTn id="18" presetID="10" presetClass="entr" presetSubtype="0" fill="hold" grpId="0" nodeType="clickEffect">
-                                  <p:stCondLst>
-                                    <p:cond delay="0"/>
-                                  </p:stCondLst>
-                                  <p:childTnLst>
-                                    <p:set>
-                                      <p:cBhvr>
-                                        <p:cTn id="19" dur="1" fill="hold">
-                                          <p:stCondLst>
-                                            <p:cond delay="0"/>
-                                          </p:stCondLst>
-                                        </p:cTn>
-                                        <p:tgtEl>
-                                          <p:spTgt spid="3">
-                                            <p:txEl>
-                                              <p:pRg st="2" end="2"/>
-                                            </p:txEl>
-                                          </p:spTgt>
-                                        </p:tgtEl>
-                                        <p:attrNameLst>
-                                          <p:attrName>style.visibility</p:attrName>
-                                        </p:attrNameLst>
-                                      </p:cBhvr>
-                                      <p:to>
-                                        <p:strVal val="visible"/>
-                                      </p:to>
-                                    </p:set>
-                                    <p:animEffect transition="in" filter="fade">
-                                      <p:cBhvr>
-                                        <p:cTn id="20" dur="500"/>
-                                        <p:tgtEl>
-                                          <p:spTgt spid="3">
-                                            <p:txEl>
-                                              <p:pRg st="2" end="2"/>
-                                            </p:txEl>
-                                          </p:spTgt>
-                                        </p:tgtEl>
-                                      </p:cBhvr>
-                                    </p:animEffect>
-                                  </p:childTnLst>
-                                </p:cTn>
-                              </p:par>
-                            </p:childTnLst>
-                          </p:cTn>
-                        </p:par>
-                      </p:childTnLst>
-                    </p:cTn>
-                  </p:par>
-                  <p:par>
-                    <p:cTn id="21" fill="hold">
-                      <p:stCondLst>
-                        <p:cond delay="indefinite"/>
-                      </p:stCondLst>
-                      <p:childTnLst>
-                        <p:par>
-                          <p:cTn id="22" fill="hold">
-                            <p:stCondLst>
-                              <p:cond delay="0"/>
-                            </p:stCondLst>
-                            <p:childTnLst>
-                              <p:par>
-                                <p:cTn id="23" presetID="10" presetClass="entr" presetSubtype="0" fill="hold" grpId="0" nodeType="clickEffect">
-                                  <p:stCondLst>
-                                    <p:cond delay="0"/>
-                                  </p:stCondLst>
-                                  <p:childTnLst>
-                                    <p:set>
-                                      <p:cBhvr>
-                                        <p:cTn id="24" dur="1" fill="hold">
-                                          <p:stCondLst>
-                                            <p:cond delay="0"/>
-                                          </p:stCondLst>
-                                        </p:cTn>
-                                        <p:tgtEl>
-                                          <p:spTgt spid="3">
-                                            <p:txEl>
-                                              <p:pRg st="4" end="4"/>
-                                            </p:txEl>
-                                          </p:spTgt>
-                                        </p:tgtEl>
-                                        <p:attrNameLst>
-                                          <p:attrName>style.visibility</p:attrName>
-                                        </p:attrNameLst>
-                                      </p:cBhvr>
-                                      <p:to>
-                                        <p:strVal val="visible"/>
-                                      </p:to>
-                                    </p:set>
-                                    <p:animEffect transition="in" filter="fade">
-                                      <p:cBhvr>
-                                        <p:cTn id="25" dur="500"/>
-                                        <p:tgtEl>
-                                          <p:spTgt spid="3">
-                                            <p:txEl>
-                                              <p:pRg st="4" end="4"/>
-                                            </p:txEl>
-                                          </p:spTgt>
-                                        </p:tgtEl>
-                                      </p:cBhvr>
-                                    </p:animEffect>
-                                  </p:childTnLst>
-                                </p:cTn>
-                              </p:par>
-                            </p:childTnLst>
-                          </p:cTn>
-                        </p:par>
-                      </p:childTnLst>
-                    </p:cTn>
-                  </p:par>
-                </p:childTnLst>
-              </p:cTn>
-              <p:prevCondLst>
-                <p:cond evt="onPrev" delay="0">
-                  <p:tgtEl>
-                    <p:sldTgt/>
-                  </p:tgtEl>
-                </p:cond>
-              </p:prevCondLst>
-              <p:nextCondLst>
-                <p:cond evt="onNext" delay="0">
-                  <p:tgtEl>
-                    <p:sldTgt/>
-                  </p:tgtEl>
-                </p:cond>
-              </p:nextCondLst>
-            </p:seq>
-          </p:childTnLst>
-        </p:cTn>
-      </p:par>
-    </p:tnLst>
-    <p:bldLst>
-      <p:bldP spid="2" grpId="0"/>
-      <p:bldP spid="3" grpId="0" build="p"/>
-    </p:bldLst>
-  </p:timing>
 </p:sld>
 </file>
 
 <file path=ppt/slides/slide8.xml><?xml version="1.0" encoding="utf-8"?>
 <p:sld xmlns:a="http://schemas.openxmlformats.org/drawingml/2006/main" xmlns:r="http://schemas.openxmlformats.org/officeDocument/2006/relationships" xmlns:p="http://schemas.openxmlformats.org/presentationml/2006/main">
   <p:cSld>
-    <p:bg>
-      <p:bgPr>
-        <a:solidFill>
-          <a:schemeClr val="bg1"/>
-        </a:solidFill>
-        <a:effectLst/>
-      </p:bgPr>
-    </p:bg>
     <p:spTree>
       <p:nvGrpSpPr>
         <p:cNvPr id="1" name=""/>
@@ -12371,295 +14522,12 @@
           <a:chExt cx="0" cy="0"/>
         </a:xfrm>
       </p:grpSpPr>
-      <p:sp useBgFill="1">
-        <p:nvSpPr>
-          <p:cNvPr id="11" name="Rectangle 10">
-            <a:extLst>
-              <a:ext uri="{FF2B5EF4-FFF2-40B4-BE49-F238E27FC236}">
-                <a16:creationId xmlns:a16="http://schemas.microsoft.com/office/drawing/2014/main" id="{49AE1604-BB93-4F6D-94D6-F2A6021FC5AD}"/>
-              </a:ext>
-              <a:ext uri="{C183D7F6-B498-43B3-948B-1728B52AA6E4}">
-                <adec:decorative xmlns:adec="http://schemas.microsoft.com/office/drawing/2017/decorative" val="1"/>
-              </a:ext>
-            </a:extLst>
-          </p:cNvPr>
-          <p:cNvSpPr>
-            <a:spLocks noGrp="1" noRot="1" noChangeAspect="1" noMove="1" noResize="1" noEditPoints="1" noAdjustHandles="1" noChangeArrowheads="1" noChangeShapeType="1" noTextEdit="1"/>
-          </p:cNvSpPr>
-          <p:nvPr>
-            <p:extLst>
-              <p:ext uri="{386F3935-93C4-4BCD-93E2-E3B085C9AB24}">
-                <p16:designElem xmlns:p16="http://schemas.microsoft.com/office/powerpoint/2015/main" val="1"/>
-              </p:ext>
-            </p:extLst>
-          </p:nvPr>
-        </p:nvSpPr>
-        <p:spPr>
-          <a:xfrm>
-            <a:off x="0" y="0"/>
-            <a:ext cx="12191999" cy="6857365"/>
-          </a:xfrm>
-          <a:prstGeom prst="rect">
-            <a:avLst/>
-          </a:prstGeom>
-          <a:ln>
-            <a:noFill/>
-          </a:ln>
-        </p:spPr>
-        <p:style>
-          <a:lnRef idx="2">
-            <a:schemeClr val="accent1">
-              <a:shade val="50000"/>
-            </a:schemeClr>
-          </a:lnRef>
-          <a:fillRef idx="1">
-            <a:schemeClr val="accent1"/>
-          </a:fillRef>
-          <a:effectRef idx="0">
-            <a:schemeClr val="accent1"/>
-          </a:effectRef>
-          <a:fontRef idx="minor">
-            <a:schemeClr val="lt1"/>
-          </a:fontRef>
-        </p:style>
-        <p:txBody>
-          <a:bodyPr rtlCol="0" anchor="ctr"/>
-          <a:lstStyle/>
-          <a:p>
-            <a:pPr algn="ctr"/>
-            <a:endParaRPr lang="en-US"/>
-          </a:p>
-        </p:txBody>
-      </p:sp>
-      <p:grpSp>
-        <p:nvGrpSpPr>
-          <p:cNvPr id="13" name="Group 12">
-            <a:extLst>
-              <a:ext uri="{FF2B5EF4-FFF2-40B4-BE49-F238E27FC236}">
-                <a16:creationId xmlns:a16="http://schemas.microsoft.com/office/drawing/2014/main" id="{A9270323-9616-4384-857D-E86B78272EFE}"/>
-              </a:ext>
-              <a:ext uri="{C183D7F6-B498-43B3-948B-1728B52AA6E4}">
-                <adec:decorative xmlns:adec="http://schemas.microsoft.com/office/drawing/2017/decorative" val="1"/>
-              </a:ext>
-            </a:extLst>
-          </p:cNvPr>
-          <p:cNvGrpSpPr>
-            <a:grpSpLocks noGrp="1" noUngrp="1" noRot="1" noChangeAspect="1" noMove="1" noResize="1"/>
-          </p:cNvGrpSpPr>
-          <p:nvPr>
-            <p:extLst>
-              <p:ext uri="{386F3935-93C4-4BCD-93E2-E3B085C9AB24}">
-                <p16:designElem xmlns:p16="http://schemas.microsoft.com/office/powerpoint/2015/main" val="1"/>
-              </p:ext>
-            </p:extLst>
-          </p:nvPr>
-        </p:nvGrpSpPr>
-        <p:grpSpPr>
-          <a:xfrm rot="5400000">
-            <a:off x="-2340441" y="2666183"/>
-            <a:ext cx="5860051" cy="527712"/>
-            <a:chOff x="6081624" y="1998368"/>
-            <a:chExt cx="5613457" cy="782175"/>
-          </a:xfrm>
-          <a:solidFill>
-            <a:schemeClr val="accent4"/>
-          </a:solidFill>
-        </p:grpSpPr>
-        <p:sp>
-          <p:nvSpPr>
-            <p:cNvPr id="14" name="Rectangle 13">
-              <a:extLst>
-                <a:ext uri="{FF2B5EF4-FFF2-40B4-BE49-F238E27FC236}">
-                  <a16:creationId xmlns:a16="http://schemas.microsoft.com/office/drawing/2014/main" id="{8A3838D5-9565-4601-BAC3-D1B5BDB803ED}"/>
-                </a:ext>
-                <a:ext uri="{C183D7F6-B498-43B3-948B-1728B52AA6E4}">
-                  <adec:decorative xmlns:adec="http://schemas.microsoft.com/office/drawing/2017/decorative" val="1"/>
-                </a:ext>
-              </a:extLst>
-            </p:cNvPr>
-            <p:cNvSpPr/>
-            <p:nvPr>
-              <p:extLst>
-                <p:ext uri="{386F3935-93C4-4BCD-93E2-E3B085C9AB24}">
-                  <p16:designElem xmlns:p16="http://schemas.microsoft.com/office/powerpoint/2015/main" val="1"/>
-                </p:ext>
-              </p:extLst>
-            </p:nvPr>
-          </p:nvSpPr>
-          <p:spPr>
-            <a:xfrm rot="5400000">
-              <a:off x="11228040" y="2313027"/>
-              <a:ext cx="781700" cy="152382"/>
-            </a:xfrm>
-            <a:prstGeom prst="rect">
-              <a:avLst/>
-            </a:prstGeom>
-            <a:grpFill/>
-            <a:ln>
-              <a:noFill/>
-            </a:ln>
-          </p:spPr>
-          <p:style>
-            <a:lnRef idx="2">
-              <a:schemeClr val="accent1">
-                <a:shade val="50000"/>
-              </a:schemeClr>
-            </a:lnRef>
-            <a:fillRef idx="1">
-              <a:schemeClr val="accent1"/>
-            </a:fillRef>
-            <a:effectRef idx="0">
-              <a:schemeClr val="accent1"/>
-            </a:effectRef>
-            <a:fontRef idx="minor">
-              <a:schemeClr val="lt1"/>
-            </a:fontRef>
-          </p:style>
-          <p:txBody>
-            <a:bodyPr rtlCol="0" anchor="ctr"/>
-            <a:lstStyle/>
-            <a:p>
-              <a:pPr algn="ctr"/>
-              <a:endParaRPr lang="en-US"/>
-            </a:p>
-          </p:txBody>
-        </p:sp>
-        <p:sp>
-          <p:nvSpPr>
-            <p:cNvPr id="15" name="Rectangle 14">
-              <a:extLst>
-                <a:ext uri="{FF2B5EF4-FFF2-40B4-BE49-F238E27FC236}">
-                  <a16:creationId xmlns:a16="http://schemas.microsoft.com/office/drawing/2014/main" id="{3349A4B8-3246-4579-922E-FE1155C7F08C}"/>
-                </a:ext>
-                <a:ext uri="{C183D7F6-B498-43B3-948B-1728B52AA6E4}">
-                  <adec:decorative xmlns:adec="http://schemas.microsoft.com/office/drawing/2017/decorative" val="1"/>
-                </a:ext>
-              </a:extLst>
-            </p:cNvPr>
-            <p:cNvSpPr/>
-            <p:nvPr>
-              <p:extLst>
-                <p:ext uri="{386F3935-93C4-4BCD-93E2-E3B085C9AB24}">
-                  <p16:designElem xmlns:p16="http://schemas.microsoft.com/office/powerpoint/2015/main" val="1"/>
-                </p:ext>
-              </p:extLst>
-            </p:nvPr>
-          </p:nvSpPr>
-          <p:spPr>
-            <a:xfrm flipH="1" flipV="1">
-              <a:off x="6081624" y="1998844"/>
-              <a:ext cx="5372968" cy="781699"/>
-            </a:xfrm>
-            <a:prstGeom prst="rect">
-              <a:avLst/>
-            </a:prstGeom>
-            <a:grpFill/>
-            <a:ln>
-              <a:noFill/>
-            </a:ln>
-          </p:spPr>
-          <p:style>
-            <a:lnRef idx="2">
-              <a:schemeClr val="accent1">
-                <a:shade val="50000"/>
-              </a:schemeClr>
-            </a:lnRef>
-            <a:fillRef idx="1">
-              <a:schemeClr val="accent1"/>
-            </a:fillRef>
-            <a:effectRef idx="0">
-              <a:schemeClr val="accent1"/>
-            </a:effectRef>
-            <a:fontRef idx="minor">
-              <a:schemeClr val="lt1"/>
-            </a:fontRef>
-          </p:style>
-          <p:txBody>
-            <a:bodyPr rtlCol="0" anchor="ctr"/>
-            <a:lstStyle/>
-            <a:p>
-              <a:pPr algn="ctr"/>
-              <a:endParaRPr lang="en-US"/>
-            </a:p>
-          </p:txBody>
-        </p:sp>
-      </p:grpSp>
-      <p:sp>
-        <p:nvSpPr>
-          <p:cNvPr id="17" name="Rectangle 16">
-            <a:extLst>
-              <a:ext uri="{FF2B5EF4-FFF2-40B4-BE49-F238E27FC236}">
-                <a16:creationId xmlns:a16="http://schemas.microsoft.com/office/drawing/2014/main" id="{CBC4F608-B4B8-48C3-9572-C0F061B1CD99}"/>
-              </a:ext>
-              <a:ext uri="{C183D7F6-B498-43B3-948B-1728B52AA6E4}">
-                <adec:decorative xmlns:adec="http://schemas.microsoft.com/office/drawing/2017/decorative" val="1"/>
-              </a:ext>
-            </a:extLst>
-          </p:cNvPr>
-          <p:cNvSpPr>
-            <a:spLocks noGrp="1" noRot="1" noChangeAspect="1" noMove="1" noResize="1" noEditPoints="1" noAdjustHandles="1" noChangeArrowheads="1" noChangeShapeType="1" noTextEdit="1"/>
-          </p:cNvSpPr>
-          <p:nvPr>
-            <p:extLst>
-              <p:ext uri="{386F3935-93C4-4BCD-93E2-E3B085C9AB24}">
-                <p16:designElem xmlns:p16="http://schemas.microsoft.com/office/powerpoint/2015/main" val="1"/>
-              </p:ext>
-            </p:extLst>
-          </p:nvPr>
-        </p:nvSpPr>
-        <p:spPr>
-          <a:xfrm>
-            <a:off x="579528" y="517897"/>
-            <a:ext cx="11111729" cy="5857966"/>
-          </a:xfrm>
-          <a:prstGeom prst="rect">
-            <a:avLst/>
-          </a:prstGeom>
-          <a:solidFill>
-            <a:schemeClr val="bg1"/>
-          </a:solidFill>
-          <a:ln>
-            <a:noFill/>
-          </a:ln>
-          <a:effectLst>
-            <a:outerShdw blurRad="139700" dist="127000" dir="5400000" algn="t" rotWithShape="0">
-              <a:prstClr val="black">
-                <a:alpha val="15000"/>
-              </a:prstClr>
-            </a:outerShdw>
-          </a:effectLst>
-        </p:spPr>
-        <p:style>
-          <a:lnRef idx="2">
-            <a:schemeClr val="accent1">
-              <a:shade val="50000"/>
-            </a:schemeClr>
-          </a:lnRef>
-          <a:fillRef idx="1">
-            <a:schemeClr val="accent1"/>
-          </a:fillRef>
-          <a:effectRef idx="0">
-            <a:schemeClr val="accent1"/>
-          </a:effectRef>
-          <a:fontRef idx="minor">
-            <a:schemeClr val="lt1"/>
-          </a:fontRef>
-        </p:style>
-        <p:txBody>
-          <a:bodyPr rtlCol="0" anchor="ctr"/>
-          <a:lstStyle/>
-          <a:p>
-            <a:pPr algn="ctr"/>
-            <a:endParaRPr lang="en-US"/>
-          </a:p>
-        </p:txBody>
-      </p:sp>
       <p:sp>
         <p:nvSpPr>
           <p:cNvPr id="2" name="Title 1">
             <a:extLst>
               <a:ext uri="{FF2B5EF4-FFF2-40B4-BE49-F238E27FC236}">
-                <a16:creationId xmlns:a16="http://schemas.microsoft.com/office/drawing/2014/main" id="{DCEDBD58-9EB6-41DF-AC97-6FE5E17AFBD0}"/>
+                <a16:creationId xmlns:a16="http://schemas.microsoft.com/office/drawing/2014/main" id="{C577C92F-3432-4AC0-9A60-DB0272E654CD}"/>
               </a:ext>
             </a:extLst>
           </p:cNvPr>
@@ -12670,115 +14538,16 @@
             <p:ph type="title"/>
           </p:nvPr>
         </p:nvSpPr>
-        <p:spPr>
-          <a:xfrm>
-            <a:off x="6593917" y="847827"/>
-            <a:ext cx="4709345" cy="1169585"/>
-          </a:xfrm>
-        </p:spPr>
+        <p:spPr/>
         <p:txBody>
-          <a:bodyPr anchor="b">
-            <a:normAutofit/>
-          </a:bodyPr>
+          <a:bodyPr/>
           <a:lstStyle/>
           <a:p>
             <a:r>
-              <a:rPr lang="en-US" sz="4000" dirty="0"/>
-              <a:t>Compliance</a:t>
+              <a:rPr lang="fr-CH" dirty="0"/>
+              <a:t>Home automation</a:t>
             </a:r>
-            <a:endParaRPr lang="en-CH" sz="4000" dirty="0"/>
-          </a:p>
-        </p:txBody>
-      </p:sp>
-      <p:pic>
-        <p:nvPicPr>
-          <p:cNvPr id="6" name="Picture 5">
-            <a:extLst>
-              <a:ext uri="{FF2B5EF4-FFF2-40B4-BE49-F238E27FC236}">
-                <a16:creationId xmlns:a16="http://schemas.microsoft.com/office/drawing/2014/main" id="{BEFEA124-63C9-4769-B390-F0B721D43009}"/>
-              </a:ext>
-            </a:extLst>
-          </p:cNvPr>
-          <p:cNvPicPr>
-            <a:picLocks noChangeAspect="1"/>
-          </p:cNvPicPr>
-          <p:nvPr/>
-        </p:nvPicPr>
-        <p:blipFill rotWithShape="1">
-          <a:blip r:embed="rId2"/>
-          <a:srcRect l="2088" r="1490" b="2"/>
-          <a:stretch/>
-        </p:blipFill>
-        <p:spPr>
-          <a:xfrm>
-            <a:off x="1004677" y="1165847"/>
-            <a:ext cx="4747309" cy="4566430"/>
-          </a:xfrm>
-          <a:prstGeom prst="rect">
-            <a:avLst/>
-          </a:prstGeom>
-        </p:spPr>
-      </p:pic>
-      <p:sp>
-        <p:nvSpPr>
-          <p:cNvPr id="19" name="Rectangle 18">
-            <a:extLst>
-              <a:ext uri="{FF2B5EF4-FFF2-40B4-BE49-F238E27FC236}">
-                <a16:creationId xmlns:a16="http://schemas.microsoft.com/office/drawing/2014/main" id="{1382A32C-5B0C-4B1C-A074-76C6DBCC9F87}"/>
-              </a:ext>
-              <a:ext uri="{C183D7F6-B498-43B3-948B-1728B52AA6E4}">
-                <adec:decorative xmlns:adec="http://schemas.microsoft.com/office/drawing/2017/decorative" val="1"/>
-              </a:ext>
-            </a:extLst>
-          </p:cNvPr>
-          <p:cNvSpPr>
-            <a:spLocks noGrp="1" noRot="1" noChangeAspect="1" noMove="1" noResize="1" noEditPoints="1" noAdjustHandles="1" noChangeArrowheads="1" noChangeShapeType="1" noTextEdit="1"/>
-          </p:cNvSpPr>
-          <p:nvPr>
-            <p:extLst>
-              <p:ext uri="{386F3935-93C4-4BCD-93E2-E3B085C9AB24}">
-                <p16:designElem xmlns:p16="http://schemas.microsoft.com/office/powerpoint/2015/main" val="1"/>
-              </p:ext>
-            </p:extLst>
-          </p:nvPr>
-        </p:nvSpPr>
-        <p:spPr>
-          <a:xfrm flipH="1">
-            <a:off x="6634377" y="2188548"/>
-            <a:ext cx="4389120" cy="27432"/>
-          </a:xfrm>
-          <a:prstGeom prst="rect">
-            <a:avLst/>
-          </a:prstGeom>
-          <a:solidFill>
-            <a:schemeClr val="accent4"/>
-          </a:solidFill>
-          <a:ln>
-            <a:noFill/>
-          </a:ln>
-        </p:spPr>
-        <p:style>
-          <a:lnRef idx="2">
-            <a:schemeClr val="accent1">
-              <a:shade val="50000"/>
-            </a:schemeClr>
-          </a:lnRef>
-          <a:fillRef idx="1">
-            <a:schemeClr val="accent1"/>
-          </a:fillRef>
-          <a:effectRef idx="0">
-            <a:schemeClr val="accent1"/>
-          </a:effectRef>
-          <a:fontRef idx="minor">
-            <a:schemeClr val="lt1"/>
-          </a:fontRef>
-        </p:style>
-        <p:txBody>
-          <a:bodyPr rtlCol="0" anchor="ctr"/>
-          <a:lstStyle/>
-          <a:p>
-            <a:pPr algn="ctr"/>
-            <a:endParaRPr lang="en-US"/>
+            <a:endParaRPr lang="en-CH" dirty="0"/>
           </a:p>
         </p:txBody>
       </p:sp>
@@ -12787,7 +14556,7 @@
           <p:cNvPr id="3" name="Content Placeholder 2">
             <a:extLst>
               <a:ext uri="{FF2B5EF4-FFF2-40B4-BE49-F238E27FC236}">
-                <a16:creationId xmlns:a16="http://schemas.microsoft.com/office/drawing/2014/main" id="{8C09FD93-FA68-4B7C-8817-EE1D5E1727DF}"/>
+                <a16:creationId xmlns:a16="http://schemas.microsoft.com/office/drawing/2014/main" id="{6A049FFB-67EB-465A-B678-5C9B0B1A1EE9}"/>
               </a:ext>
             </a:extLst>
           </p:cNvPr>
@@ -12798,369 +14567,25 @@
             <p:ph idx="1"/>
           </p:nvPr>
         </p:nvSpPr>
-        <p:spPr>
-          <a:xfrm>
-            <a:off x="6595228" y="2508105"/>
-            <a:ext cx="4709345" cy="3632493"/>
-          </a:xfrm>
-        </p:spPr>
+        <p:spPr/>
         <p:txBody>
-          <a:bodyPr anchor="ctr">
-            <a:normAutofit/>
-          </a:bodyPr>
+          <a:bodyPr/>
           <a:lstStyle/>
           <a:p>
-            <a:r>
-              <a:rPr lang="en-US" sz="2000" dirty="0"/>
-              <a:t>Not the legalese version of compliance </a:t>
-            </a:r>
-          </a:p>
-          <a:p>
-            <a:endParaRPr lang="en-US" sz="2000" dirty="0"/>
-          </a:p>
-          <a:p>
-            <a:r>
-              <a:rPr lang="en-US" sz="2000" dirty="0"/>
-              <a:t>Following / Adapting to recommendations</a:t>
-            </a:r>
-          </a:p>
-          <a:p>
-            <a:endParaRPr lang="en-US" sz="2000" dirty="0"/>
-          </a:p>
-          <a:p>
-            <a:endParaRPr lang="en-US" sz="2000" dirty="0"/>
-          </a:p>
-          <a:p>
-            <a:endParaRPr lang="en-US" sz="2000" dirty="0"/>
-          </a:p>
-          <a:p>
-            <a:endParaRPr lang="en-US" sz="2000" dirty="0"/>
-          </a:p>
-        </p:txBody>
-      </p:sp>
-      <p:sp>
-        <p:nvSpPr>
-          <p:cNvPr id="12" name="TextBox 11">
-            <a:extLst>
-              <a:ext uri="{FF2B5EF4-FFF2-40B4-BE49-F238E27FC236}">
-                <a16:creationId xmlns:a16="http://schemas.microsoft.com/office/drawing/2014/main" id="{86F187DC-195C-4701-9CCE-FDE6E4E8FDCC}"/>
-              </a:ext>
-            </a:extLst>
-          </p:cNvPr>
-          <p:cNvSpPr txBox="1"/>
-          <p:nvPr/>
-        </p:nvSpPr>
-        <p:spPr>
-          <a:xfrm>
-            <a:off x="0" y="6396335"/>
-            <a:ext cx="2103121" cy="461665"/>
-          </a:xfrm>
-          <a:prstGeom prst="rect">
-            <a:avLst/>
-          </a:prstGeom>
-          <a:noFill/>
-        </p:spPr>
-        <p:txBody>
-          <a:bodyPr wrap="square">
-            <a:spAutoFit/>
-          </a:bodyPr>
-          <a:lstStyle/>
-          <a:p>
-            <a:r>
-              <a:rPr lang="en-US" sz="2400" dirty="0">
-                <a:solidFill>
-                  <a:schemeClr val="tx2">
-                    <a:lumMod val="75000"/>
-                  </a:schemeClr>
-                </a:solidFill>
-              </a:rPr>
-              <a:t>@AtomicNicos</a:t>
-            </a:r>
-            <a:endParaRPr lang="en-CH" sz="2400" dirty="0">
-              <a:solidFill>
-                <a:schemeClr val="tx2">
-                  <a:lumMod val="75000"/>
-                </a:schemeClr>
-              </a:solidFill>
-            </a:endParaRPr>
+            <a:endParaRPr lang="en-CH"/>
           </a:p>
         </p:txBody>
       </p:sp>
     </p:spTree>
     <p:extLst>
       <p:ext uri="{BB962C8B-B14F-4D97-AF65-F5344CB8AC3E}">
-        <p14:creationId xmlns:p14="http://schemas.microsoft.com/office/powerpoint/2010/main" val="3547706199"/>
+        <p14:creationId xmlns:p14="http://schemas.microsoft.com/office/powerpoint/2010/main" val="689232713"/>
       </p:ext>
     </p:extLst>
   </p:cSld>
   <p:clrMapOvr>
     <a:masterClrMapping/>
   </p:clrMapOvr>
-  <p:timing>
-    <p:tnLst>
-      <p:par>
-        <p:cTn id="1" dur="indefinite" restart="never" nodeType="tmRoot">
-          <p:childTnLst>
-            <p:seq concurrent="1" nextAc="seek">
-              <p:cTn id="2" dur="indefinite" nodeType="mainSeq">
-                <p:childTnLst>
-                  <p:par>
-                    <p:cTn id="3" fill="hold">
-                      <p:stCondLst>
-                        <p:cond delay="indefinite"/>
-                        <p:cond evt="onBegin" delay="0">
-                          <p:tn val="2"/>
-                        </p:cond>
-                      </p:stCondLst>
-                      <p:childTnLst>
-                        <p:par>
-                          <p:cTn id="4" fill="hold">
-                            <p:stCondLst>
-                              <p:cond delay="0"/>
-                            </p:stCondLst>
-                            <p:childTnLst>
-                              <p:par>
-                                <p:cTn id="5" presetID="10" presetClass="entr" presetSubtype="0" fill="hold" grpId="0" nodeType="withEffect">
-                                  <p:stCondLst>
-                                    <p:cond delay="0"/>
-                                  </p:stCondLst>
-                                  <p:childTnLst>
-                                    <p:set>
-                                      <p:cBhvr>
-                                        <p:cTn id="6" dur="1" fill="hold">
-                                          <p:stCondLst>
-                                            <p:cond delay="0"/>
-                                          </p:stCondLst>
-                                        </p:cTn>
-                                        <p:tgtEl>
-                                          <p:spTgt spid="2"/>
-                                        </p:tgtEl>
-                                        <p:attrNameLst>
-                                          <p:attrName>style.visibility</p:attrName>
-                                        </p:attrNameLst>
-                                      </p:cBhvr>
-                                      <p:to>
-                                        <p:strVal val="visible"/>
-                                      </p:to>
-                                    </p:set>
-                                    <p:animEffect transition="in" filter="fade">
-                                      <p:cBhvr>
-                                        <p:cTn id="7" dur="500"/>
-                                        <p:tgtEl>
-                                          <p:spTgt spid="2"/>
-                                        </p:tgtEl>
-                                      </p:cBhvr>
-                                    </p:animEffect>
-                                  </p:childTnLst>
-                                </p:cTn>
-                              </p:par>
-                            </p:childTnLst>
-                          </p:cTn>
-                        </p:par>
-                      </p:childTnLst>
-                    </p:cTn>
-                  </p:par>
-                  <p:par>
-                    <p:cTn id="8" fill="hold">
-                      <p:stCondLst>
-                        <p:cond delay="indefinite"/>
-                      </p:stCondLst>
-                      <p:childTnLst>
-                        <p:par>
-                          <p:cTn id="9" fill="hold">
-                            <p:stCondLst>
-                              <p:cond delay="0"/>
-                            </p:stCondLst>
-                            <p:childTnLst>
-                              <p:par>
-                                <p:cTn id="10" presetID="10" presetClass="entr" presetSubtype="0" fill="hold" nodeType="clickEffect">
-                                  <p:stCondLst>
-                                    <p:cond delay="0"/>
-                                  </p:stCondLst>
-                                  <p:childTnLst>
-                                    <p:set>
-                                      <p:cBhvr>
-                                        <p:cTn id="11" dur="1" fill="hold">
-                                          <p:stCondLst>
-                                            <p:cond delay="0"/>
-                                          </p:stCondLst>
-                                        </p:cTn>
-                                        <p:tgtEl>
-                                          <p:spTgt spid="6"/>
-                                        </p:tgtEl>
-                                        <p:attrNameLst>
-                                          <p:attrName>style.visibility</p:attrName>
-                                        </p:attrNameLst>
-                                      </p:cBhvr>
-                                      <p:to>
-                                        <p:strVal val="visible"/>
-                                      </p:to>
-                                    </p:set>
-                                    <p:animEffect transition="in" filter="fade">
-                                      <p:cBhvr>
-                                        <p:cTn id="12" dur="500"/>
-                                        <p:tgtEl>
-                                          <p:spTgt spid="6"/>
-                                        </p:tgtEl>
-                                      </p:cBhvr>
-                                    </p:animEffect>
-                                  </p:childTnLst>
-                                </p:cTn>
-                              </p:par>
-                            </p:childTnLst>
-                          </p:cTn>
-                        </p:par>
-                      </p:childTnLst>
-                    </p:cTn>
-                  </p:par>
-                  <p:par>
-                    <p:cTn id="13" fill="hold">
-                      <p:stCondLst>
-                        <p:cond delay="indefinite"/>
-                      </p:stCondLst>
-                      <p:childTnLst>
-                        <p:par>
-                          <p:cTn id="14" fill="hold">
-                            <p:stCondLst>
-                              <p:cond delay="0"/>
-                            </p:stCondLst>
-                            <p:childTnLst>
-                              <p:par>
-                                <p:cTn id="15" presetID="10" presetClass="entr" presetSubtype="0" fill="hold" grpId="0" nodeType="clickEffect">
-                                  <p:stCondLst>
-                                    <p:cond delay="0"/>
-                                  </p:stCondLst>
-                                  <p:childTnLst>
-                                    <p:set>
-                                      <p:cBhvr>
-                                        <p:cTn id="16" dur="1" fill="hold">
-                                          <p:stCondLst>
-                                            <p:cond delay="0"/>
-                                          </p:stCondLst>
-                                        </p:cTn>
-                                        <p:tgtEl>
-                                          <p:spTgt spid="3">
-                                            <p:txEl>
-                                              <p:pRg st="0" end="0"/>
-                                            </p:txEl>
-                                          </p:spTgt>
-                                        </p:tgtEl>
-                                        <p:attrNameLst>
-                                          <p:attrName>style.visibility</p:attrName>
-                                        </p:attrNameLst>
-                                      </p:cBhvr>
-                                      <p:to>
-                                        <p:strVal val="visible"/>
-                                      </p:to>
-                                    </p:set>
-                                    <p:animEffect transition="in" filter="fade">
-                                      <p:cBhvr>
-                                        <p:cTn id="17" dur="500"/>
-                                        <p:tgtEl>
-                                          <p:spTgt spid="3">
-                                            <p:txEl>
-                                              <p:pRg st="0" end="0"/>
-                                            </p:txEl>
-                                          </p:spTgt>
-                                        </p:tgtEl>
-                                      </p:cBhvr>
-                                    </p:animEffect>
-                                  </p:childTnLst>
-                                </p:cTn>
-                              </p:par>
-                            </p:childTnLst>
-                          </p:cTn>
-                        </p:par>
-                      </p:childTnLst>
-                    </p:cTn>
-                  </p:par>
-                  <p:par>
-                    <p:cTn id="18" fill="hold">
-                      <p:stCondLst>
-                        <p:cond delay="indefinite"/>
-                      </p:stCondLst>
-                      <p:childTnLst>
-                        <p:par>
-                          <p:cTn id="19" fill="hold">
-                            <p:stCondLst>
-                              <p:cond delay="0"/>
-                            </p:stCondLst>
-                            <p:childTnLst>
-                              <p:par>
-                                <p:cTn id="20" presetID="10" presetClass="entr" presetSubtype="0" fill="hold" grpId="0" nodeType="clickEffect">
-                                  <p:stCondLst>
-                                    <p:cond delay="0"/>
-                                  </p:stCondLst>
-                                  <p:childTnLst>
-                                    <p:set>
-                                      <p:cBhvr>
-                                        <p:cTn id="21" dur="1" fill="hold">
-                                          <p:stCondLst>
-                                            <p:cond delay="0"/>
-                                          </p:stCondLst>
-                                        </p:cTn>
-                                        <p:tgtEl>
-                                          <p:spTgt spid="3">
-                                            <p:txEl>
-                                              <p:pRg st="2" end="2"/>
-                                            </p:txEl>
-                                          </p:spTgt>
-                                        </p:tgtEl>
-                                        <p:attrNameLst>
-                                          <p:attrName>style.visibility</p:attrName>
-                                        </p:attrNameLst>
-                                      </p:cBhvr>
-                                      <p:to>
-                                        <p:strVal val="visible"/>
-                                      </p:to>
-                                    </p:set>
-                                    <p:animEffect transition="in" filter="fade">
-                                      <p:cBhvr>
-                                        <p:cTn id="22" dur="500"/>
-                                        <p:tgtEl>
-                                          <p:spTgt spid="3">
-                                            <p:txEl>
-                                              <p:pRg st="2" end="2"/>
-                                            </p:txEl>
-                                          </p:spTgt>
-                                        </p:tgtEl>
-                                      </p:cBhvr>
-                                    </p:animEffect>
-                                  </p:childTnLst>
-                                </p:cTn>
-                              </p:par>
-                            </p:childTnLst>
-                          </p:cTn>
-                        </p:par>
-                      </p:childTnLst>
-                    </p:cTn>
-                  </p:par>
-                </p:childTnLst>
-              </p:cTn>
-              <p:prevCondLst>
-                <p:cond evt="onPrev" delay="0">
-                  <p:tgtEl>
-                    <p:sldTgt/>
-                  </p:tgtEl>
-                </p:cond>
-              </p:prevCondLst>
-              <p:nextCondLst>
-                <p:cond evt="onNext" delay="0">
-                  <p:tgtEl>
-                    <p:sldTgt/>
-                  </p:tgtEl>
-                </p:cond>
-              </p:nextCondLst>
-            </p:seq>
-          </p:childTnLst>
-        </p:cTn>
-      </p:par>
-    </p:tnLst>
-    <p:bldLst>
-      <p:bldP spid="2" grpId="0"/>
-      <p:bldP spid="3" grpId="0" uiExpand="1" build="p"/>
-    </p:bldLst>
-  </p:timing>
 </p:sld>
 </file>
 
@@ -13186,7 +14611,7 @@
           <p:cNvPr id="2" name="Title 1">
             <a:extLst>
               <a:ext uri="{FF2B5EF4-FFF2-40B4-BE49-F238E27FC236}">
-                <a16:creationId xmlns:a16="http://schemas.microsoft.com/office/drawing/2014/main" id="{6E723F03-2447-47A2-91A9-FDAAFCA731B9}"/>
+                <a16:creationId xmlns:a16="http://schemas.microsoft.com/office/drawing/2014/main" id="{9F81EA55-0961-47D9-9B64-FC0917871CE5}"/>
               </a:ext>
             </a:extLst>
           </p:cNvPr>
@@ -13203,18 +14628,23 @@
           <a:lstStyle/>
           <a:p>
             <a:r>
-              <a:rPr lang="en-US" dirty="0"/>
-              <a:t>Availability</a:t>
+              <a:rPr lang="fr-CH" dirty="0" err="1"/>
+              <a:t>Environment</a:t>
             </a:r>
+            <a:r>
+              <a:rPr lang="fr-CH" dirty="0"/>
+              <a:t> control</a:t>
+            </a:r>
+            <a:endParaRPr lang="en-CH" dirty="0"/>
           </a:p>
         </p:txBody>
       </p:sp>
       <p:sp>
         <p:nvSpPr>
-          <p:cNvPr id="5" name="Content Placeholder 4">
+          <p:cNvPr id="3" name="Content Placeholder 2">
             <a:extLst>
               <a:ext uri="{FF2B5EF4-FFF2-40B4-BE49-F238E27FC236}">
-                <a16:creationId xmlns:a16="http://schemas.microsoft.com/office/drawing/2014/main" id="{79CF8910-6973-435E-91F1-60BEA395842C}"/>
+                <a16:creationId xmlns:a16="http://schemas.microsoft.com/office/drawing/2014/main" id="{D214F3B7-A943-403B-83AC-A2769F50ED4B}"/>
               </a:ext>
             </a:extLst>
           </p:cNvPr>
@@ -13225,515 +14655,25 @@
             <p:ph idx="1"/>
           </p:nvPr>
         </p:nvSpPr>
-        <p:spPr>
-          <a:xfrm>
-            <a:off x="838200" y="1825625"/>
-            <a:ext cx="10515600" cy="523875"/>
-          </a:xfrm>
-        </p:spPr>
+        <p:spPr/>
         <p:txBody>
           <a:bodyPr/>
           <a:lstStyle/>
           <a:p>
-            <a:pPr marL="0" indent="0">
-              <a:buNone/>
-            </a:pPr>
-            <a:r>
-              <a:rPr lang="en-US" dirty="0"/>
-              <a:t>Work licensed under Creative Commons : CC-BY-SA (</a:t>
-            </a:r>
-            <a:r>
-              <a:rPr lang="en-US" dirty="0" err="1">
-                <a:hlinkClick r:id="rId3"/>
-              </a:rPr>
-              <a:t>legalcode</a:t>
-            </a:r>
-            <a:r>
-              <a:rPr lang="en-US" dirty="0"/>
-              <a:t>)</a:t>
-            </a:r>
-          </a:p>
-        </p:txBody>
-      </p:sp>
-      <p:sp>
-        <p:nvSpPr>
-          <p:cNvPr id="4" name="TextBox 3">
-            <a:extLst>
-              <a:ext uri="{FF2B5EF4-FFF2-40B4-BE49-F238E27FC236}">
-                <a16:creationId xmlns:a16="http://schemas.microsoft.com/office/drawing/2014/main" id="{E0918DD1-0C91-491B-B0B5-F462180A8B66}"/>
-              </a:ext>
-            </a:extLst>
-          </p:cNvPr>
-          <p:cNvSpPr txBox="1"/>
-          <p:nvPr/>
-        </p:nvSpPr>
-        <p:spPr>
-          <a:xfrm>
-            <a:off x="0" y="6396335"/>
-            <a:ext cx="2103121" cy="461665"/>
-          </a:xfrm>
-          <a:prstGeom prst="rect">
-            <a:avLst/>
-          </a:prstGeom>
-          <a:noFill/>
-        </p:spPr>
-        <p:txBody>
-          <a:bodyPr wrap="square">
-            <a:spAutoFit/>
-          </a:bodyPr>
-          <a:lstStyle/>
-          <a:p>
-            <a:r>
-              <a:rPr lang="en-US" sz="2400" dirty="0">
-                <a:solidFill>
-                  <a:schemeClr val="tx2">
-                    <a:lumMod val="75000"/>
-                  </a:schemeClr>
-                </a:solidFill>
-              </a:rPr>
-              <a:t>@AtomicNicos</a:t>
-            </a:r>
-            <a:endParaRPr lang="en-CH" sz="2400" dirty="0">
-              <a:solidFill>
-                <a:schemeClr val="tx2">
-                  <a:lumMod val="75000"/>
-                </a:schemeClr>
-              </a:solidFill>
-            </a:endParaRPr>
-          </a:p>
-        </p:txBody>
-      </p:sp>
-      <p:pic>
-        <p:nvPicPr>
-          <p:cNvPr id="3" name="Picture 2">
-            <a:extLst>
-              <a:ext uri="{FF2B5EF4-FFF2-40B4-BE49-F238E27FC236}">
-                <a16:creationId xmlns:a16="http://schemas.microsoft.com/office/drawing/2014/main" id="{D8D0D41B-97F1-4F22-A0B5-4A60137ACDD0}"/>
-              </a:ext>
-            </a:extLst>
-          </p:cNvPr>
-          <p:cNvPicPr>
-            <a:picLocks noChangeAspect="1"/>
-          </p:cNvPicPr>
-          <p:nvPr/>
-        </p:nvPicPr>
-        <p:blipFill>
-          <a:blip r:embed="rId4"/>
-          <a:stretch>
-            <a:fillRect/>
-          </a:stretch>
-        </p:blipFill>
-        <p:spPr>
-          <a:xfrm>
-            <a:off x="838200" y="4508501"/>
-            <a:ext cx="5266198" cy="1124996"/>
-          </a:xfrm>
-          <a:prstGeom prst="rect">
-            <a:avLst/>
-          </a:prstGeom>
-        </p:spPr>
-      </p:pic>
-      <p:grpSp>
-        <p:nvGrpSpPr>
-          <p:cNvPr id="9" name="Group 8">
-            <a:extLst>
-              <a:ext uri="{FF2B5EF4-FFF2-40B4-BE49-F238E27FC236}">
-                <a16:creationId xmlns:a16="http://schemas.microsoft.com/office/drawing/2014/main" id="{0520B612-280A-4223-A894-86DB5E73DA69}"/>
-              </a:ext>
-            </a:extLst>
-          </p:cNvPr>
-          <p:cNvGrpSpPr/>
-          <p:nvPr/>
-        </p:nvGrpSpPr>
-        <p:grpSpPr>
-          <a:xfrm>
-            <a:off x="6867900" y="2602706"/>
-            <a:ext cx="4485900" cy="3409849"/>
-            <a:chOff x="6867900" y="2349500"/>
-            <a:chExt cx="4485900" cy="3409849"/>
-          </a:xfrm>
-        </p:grpSpPr>
-        <p:pic>
-          <p:nvPicPr>
-            <p:cNvPr id="7" name="Picture 6">
-              <a:extLst>
-                <a:ext uri="{FF2B5EF4-FFF2-40B4-BE49-F238E27FC236}">
-                  <a16:creationId xmlns:a16="http://schemas.microsoft.com/office/drawing/2014/main" id="{E8465EA7-C4A1-45B7-9F96-5566408080FE}"/>
-                </a:ext>
-              </a:extLst>
-            </p:cNvPr>
-            <p:cNvPicPr>
-              <a:picLocks noChangeAspect="1"/>
-            </p:cNvPicPr>
-            <p:nvPr/>
-          </p:nvPicPr>
-          <p:blipFill rotWithShape="1">
-            <a:blip r:embed="rId5"/>
-            <a:srcRect b="61693"/>
-            <a:stretch/>
-          </p:blipFill>
-          <p:spPr>
-            <a:xfrm>
-              <a:off x="6867900" y="2349500"/>
-              <a:ext cx="4485900" cy="1500188"/>
-            </a:xfrm>
-            <a:prstGeom prst="rect">
-              <a:avLst/>
-            </a:prstGeom>
-          </p:spPr>
-        </p:pic>
-        <p:pic>
-          <p:nvPicPr>
-            <p:cNvPr id="8" name="Picture 7">
-              <a:extLst>
-                <a:ext uri="{FF2B5EF4-FFF2-40B4-BE49-F238E27FC236}">
-                  <a16:creationId xmlns:a16="http://schemas.microsoft.com/office/drawing/2014/main" id="{D6DF8960-AFA8-4CA3-9C49-6987D4F4CBED}"/>
-                </a:ext>
-              </a:extLst>
-            </p:cNvPr>
-            <p:cNvPicPr>
-              <a:picLocks noChangeAspect="1"/>
-            </p:cNvPicPr>
-            <p:nvPr/>
-          </p:nvPicPr>
-          <p:blipFill rotWithShape="1">
-            <a:blip r:embed="rId5"/>
-            <a:srcRect t="51238"/>
-            <a:stretch/>
-          </p:blipFill>
-          <p:spPr>
-            <a:xfrm>
-              <a:off x="6867900" y="3849688"/>
-              <a:ext cx="4485900" cy="1909661"/>
-            </a:xfrm>
-            <a:prstGeom prst="rect">
-              <a:avLst/>
-            </a:prstGeom>
-          </p:spPr>
-        </p:pic>
-      </p:grpSp>
-      <p:sp>
-        <p:nvSpPr>
-          <p:cNvPr id="10" name="TextBox 9">
-            <a:extLst>
-              <a:ext uri="{FF2B5EF4-FFF2-40B4-BE49-F238E27FC236}">
-                <a16:creationId xmlns:a16="http://schemas.microsoft.com/office/drawing/2014/main" id="{B7EDF901-6F46-4F6D-AC74-F306877D741A}"/>
-              </a:ext>
-            </a:extLst>
-          </p:cNvPr>
-          <p:cNvSpPr txBox="1"/>
-          <p:nvPr/>
-        </p:nvSpPr>
-        <p:spPr>
-          <a:xfrm>
-            <a:off x="1530298" y="3160888"/>
-            <a:ext cx="3882001" cy="584775"/>
-          </a:xfrm>
-          <a:prstGeom prst="rect">
-            <a:avLst/>
-          </a:prstGeom>
-          <a:noFill/>
-        </p:spPr>
-        <p:txBody>
-          <a:bodyPr wrap="square" rtlCol="0">
-            <a:spAutoFit/>
-          </a:bodyPr>
-          <a:lstStyle/>
-          <a:p>
-            <a:pPr algn="ctr"/>
-            <a:r>
-              <a:rPr lang="fr-CH" sz="3200" dirty="0"/>
-              <a:t>Open License</a:t>
-            </a:r>
-            <a:endParaRPr lang="en-CH" sz="3200" dirty="0"/>
+            <a:endParaRPr lang="en-CH"/>
           </a:p>
         </p:txBody>
       </p:sp>
     </p:spTree>
     <p:extLst>
       <p:ext uri="{BB962C8B-B14F-4D97-AF65-F5344CB8AC3E}">
-        <p14:creationId xmlns:p14="http://schemas.microsoft.com/office/powerpoint/2010/main" val="2069255591"/>
+        <p14:creationId xmlns:p14="http://schemas.microsoft.com/office/powerpoint/2010/main" val="3153709731"/>
       </p:ext>
     </p:extLst>
   </p:cSld>
   <p:clrMapOvr>
     <a:masterClrMapping/>
   </p:clrMapOvr>
-  <p:timing>
-    <p:tnLst>
-      <p:par>
-        <p:cTn id="1" dur="indefinite" restart="never" nodeType="tmRoot">
-          <p:childTnLst>
-            <p:seq concurrent="1" nextAc="seek">
-              <p:cTn id="2" dur="indefinite" nodeType="mainSeq">
-                <p:childTnLst>
-                  <p:par>
-                    <p:cTn id="3" fill="hold">
-                      <p:stCondLst>
-                        <p:cond delay="indefinite"/>
-                        <p:cond evt="onBegin" delay="0">
-                          <p:tn val="2"/>
-                        </p:cond>
-                      </p:stCondLst>
-                      <p:childTnLst>
-                        <p:par>
-                          <p:cTn id="4" fill="hold">
-                            <p:stCondLst>
-                              <p:cond delay="0"/>
-                            </p:stCondLst>
-                            <p:childTnLst>
-                              <p:par>
-                                <p:cTn id="5" presetID="10" presetClass="entr" presetSubtype="0" fill="hold" grpId="0" nodeType="withEffect">
-                                  <p:stCondLst>
-                                    <p:cond delay="0"/>
-                                  </p:stCondLst>
-                                  <p:childTnLst>
-                                    <p:set>
-                                      <p:cBhvr>
-                                        <p:cTn id="6" dur="1" fill="hold">
-                                          <p:stCondLst>
-                                            <p:cond delay="0"/>
-                                          </p:stCondLst>
-                                        </p:cTn>
-                                        <p:tgtEl>
-                                          <p:spTgt spid="2"/>
-                                        </p:tgtEl>
-                                        <p:attrNameLst>
-                                          <p:attrName>style.visibility</p:attrName>
-                                        </p:attrNameLst>
-                                      </p:cBhvr>
-                                      <p:to>
-                                        <p:strVal val="visible"/>
-                                      </p:to>
-                                    </p:set>
-                                    <p:animEffect transition="in" filter="fade">
-                                      <p:cBhvr>
-                                        <p:cTn id="7" dur="500"/>
-                                        <p:tgtEl>
-                                          <p:spTgt spid="2"/>
-                                        </p:tgtEl>
-                                      </p:cBhvr>
-                                    </p:animEffect>
-                                  </p:childTnLst>
-                                </p:cTn>
-                              </p:par>
-                            </p:childTnLst>
-                          </p:cTn>
-                        </p:par>
-                      </p:childTnLst>
-                    </p:cTn>
-                  </p:par>
-                  <p:par>
-                    <p:cTn id="8" fill="hold">
-                      <p:stCondLst>
-                        <p:cond delay="indefinite"/>
-                      </p:stCondLst>
-                      <p:childTnLst>
-                        <p:par>
-                          <p:cTn id="9" fill="hold">
-                            <p:stCondLst>
-                              <p:cond delay="0"/>
-                            </p:stCondLst>
-                            <p:childTnLst>
-                              <p:par>
-                                <p:cTn id="10" presetID="10" presetClass="entr" presetSubtype="0" fill="hold" grpId="0" nodeType="clickEffect">
-                                  <p:stCondLst>
-                                    <p:cond delay="0"/>
-                                  </p:stCondLst>
-                                  <p:childTnLst>
-                                    <p:set>
-                                      <p:cBhvr>
-                                        <p:cTn id="11" dur="1" fill="hold">
-                                          <p:stCondLst>
-                                            <p:cond delay="0"/>
-                                          </p:stCondLst>
-                                        </p:cTn>
-                                        <p:tgtEl>
-                                          <p:spTgt spid="5">
-                                            <p:txEl>
-                                              <p:pRg st="0" end="0"/>
-                                            </p:txEl>
-                                          </p:spTgt>
-                                        </p:tgtEl>
-                                        <p:attrNameLst>
-                                          <p:attrName>style.visibility</p:attrName>
-                                        </p:attrNameLst>
-                                      </p:cBhvr>
-                                      <p:to>
-                                        <p:strVal val="visible"/>
-                                      </p:to>
-                                    </p:set>
-                                    <p:animEffect transition="in" filter="fade">
-                                      <p:cBhvr>
-                                        <p:cTn id="12" dur="500"/>
-                                        <p:tgtEl>
-                                          <p:spTgt spid="5">
-                                            <p:txEl>
-                                              <p:pRg st="0" end="0"/>
-                                            </p:txEl>
-                                          </p:spTgt>
-                                        </p:tgtEl>
-                                      </p:cBhvr>
-                                    </p:animEffect>
-                                  </p:childTnLst>
-                                </p:cTn>
-                              </p:par>
-                            </p:childTnLst>
-                          </p:cTn>
-                        </p:par>
-                      </p:childTnLst>
-                    </p:cTn>
-                  </p:par>
-                  <p:par>
-                    <p:cTn id="13" fill="hold">
-                      <p:stCondLst>
-                        <p:cond delay="indefinite"/>
-                      </p:stCondLst>
-                      <p:childTnLst>
-                        <p:par>
-                          <p:cTn id="14" fill="hold">
-                            <p:stCondLst>
-                              <p:cond delay="0"/>
-                            </p:stCondLst>
-                            <p:childTnLst>
-                              <p:par>
-                                <p:cTn id="15" presetID="10" presetClass="entr" presetSubtype="0" fill="hold" grpId="0" nodeType="clickEffect">
-                                  <p:stCondLst>
-                                    <p:cond delay="0"/>
-                                  </p:stCondLst>
-                                  <p:childTnLst>
-                                    <p:set>
-                                      <p:cBhvr>
-                                        <p:cTn id="16" dur="1" fill="hold">
-                                          <p:stCondLst>
-                                            <p:cond delay="0"/>
-                                          </p:stCondLst>
-                                        </p:cTn>
-                                        <p:tgtEl>
-                                          <p:spTgt spid="10"/>
-                                        </p:tgtEl>
-                                        <p:attrNameLst>
-                                          <p:attrName>style.visibility</p:attrName>
-                                        </p:attrNameLst>
-                                      </p:cBhvr>
-                                      <p:to>
-                                        <p:strVal val="visible"/>
-                                      </p:to>
-                                    </p:set>
-                                    <p:animEffect transition="in" filter="fade">
-                                      <p:cBhvr>
-                                        <p:cTn id="17" dur="500"/>
-                                        <p:tgtEl>
-                                          <p:spTgt spid="10"/>
-                                        </p:tgtEl>
-                                      </p:cBhvr>
-                                    </p:animEffect>
-                                  </p:childTnLst>
-                                </p:cTn>
-                              </p:par>
-                              <p:par>
-                                <p:cTn id="18" presetID="10" presetClass="entr" presetSubtype="0" fill="hold" nodeType="withEffect">
-                                  <p:stCondLst>
-                                    <p:cond delay="0"/>
-                                  </p:stCondLst>
-                                  <p:childTnLst>
-                                    <p:set>
-                                      <p:cBhvr>
-                                        <p:cTn id="19" dur="1" fill="hold">
-                                          <p:stCondLst>
-                                            <p:cond delay="0"/>
-                                          </p:stCondLst>
-                                        </p:cTn>
-                                        <p:tgtEl>
-                                          <p:spTgt spid="3"/>
-                                        </p:tgtEl>
-                                        <p:attrNameLst>
-                                          <p:attrName>style.visibility</p:attrName>
-                                        </p:attrNameLst>
-                                      </p:cBhvr>
-                                      <p:to>
-                                        <p:strVal val="visible"/>
-                                      </p:to>
-                                    </p:set>
-                                    <p:animEffect transition="in" filter="fade">
-                                      <p:cBhvr>
-                                        <p:cTn id="20" dur="500"/>
-                                        <p:tgtEl>
-                                          <p:spTgt spid="3"/>
-                                        </p:tgtEl>
-                                      </p:cBhvr>
-                                    </p:animEffect>
-                                  </p:childTnLst>
-                                </p:cTn>
-                              </p:par>
-                              <p:par>
-                                <p:cTn id="21" presetID="10" presetClass="entr" presetSubtype="0" fill="hold" nodeType="withEffect">
-                                  <p:stCondLst>
-                                    <p:cond delay="0"/>
-                                  </p:stCondLst>
-                                  <p:childTnLst>
-                                    <p:set>
-                                      <p:cBhvr>
-                                        <p:cTn id="22" dur="1" fill="hold">
-                                          <p:stCondLst>
-                                            <p:cond delay="0"/>
-                                          </p:stCondLst>
-                                        </p:cTn>
-                                        <p:tgtEl>
-                                          <p:spTgt spid="9"/>
-                                        </p:tgtEl>
-                                        <p:attrNameLst>
-                                          <p:attrName>style.visibility</p:attrName>
-                                        </p:attrNameLst>
-                                      </p:cBhvr>
-                                      <p:to>
-                                        <p:strVal val="visible"/>
-                                      </p:to>
-                                    </p:set>
-                                    <p:animEffect transition="in" filter="fade">
-                                      <p:cBhvr>
-                                        <p:cTn id="23" dur="500"/>
-                                        <p:tgtEl>
-                                          <p:spTgt spid="9"/>
-                                        </p:tgtEl>
-                                      </p:cBhvr>
-                                    </p:animEffect>
-                                  </p:childTnLst>
-                                </p:cTn>
-                              </p:par>
-                            </p:childTnLst>
-                          </p:cTn>
-                        </p:par>
-                      </p:childTnLst>
-                    </p:cTn>
-                  </p:par>
-                </p:childTnLst>
-              </p:cTn>
-              <p:prevCondLst>
-                <p:cond evt="onPrev" delay="0">
-                  <p:tgtEl>
-                    <p:sldTgt/>
-                  </p:tgtEl>
-                </p:cond>
-              </p:prevCondLst>
-              <p:nextCondLst>
-                <p:cond evt="onNext" delay="0">
-                  <p:tgtEl>
-                    <p:sldTgt/>
-                  </p:tgtEl>
-                </p:cond>
-              </p:nextCondLst>
-            </p:seq>
-          </p:childTnLst>
-        </p:cTn>
-      </p:par>
-    </p:tnLst>
-    <p:bldLst>
-      <p:bldP spid="2" grpId="0"/>
-      <p:bldP spid="5" grpId="0" build="p"/>
-      <p:bldP spid="10" grpId="0"/>
-    </p:bldLst>
-  </p:timing>
 </p:sld>
 </file>
 
